--- a/Unidad 9- Spring MVC IV-Entity Manager.pptx
+++ b/Unidad 9- Spring MVC IV-Entity Manager.pptx
@@ -5,12 +5,18 @@
     <p:sldMasterId id="2147483660" r:id="rId1"/>
   </p:sldMasterIdLst>
   <p:notesMasterIdLst>
-    <p:notesMasterId r:id="rId5"/>
+    <p:notesMasterId r:id="rId11"/>
   </p:notesMasterIdLst>
   <p:sldIdLst>
     <p:sldId id="256" r:id="rId2"/>
     <p:sldId id="303" r:id="rId3"/>
     <p:sldId id="304" r:id="rId4"/>
+    <p:sldId id="305" r:id="rId5"/>
+    <p:sldId id="306" r:id="rId6"/>
+    <p:sldId id="309" r:id="rId7"/>
+    <p:sldId id="310" r:id="rId8"/>
+    <p:sldId id="307" r:id="rId9"/>
+    <p:sldId id="308" r:id="rId10"/>
   </p:sldIdLst>
   <p:sldSz cx="12192000" cy="6858000"/>
   <p:notesSz cx="6858000" cy="9144000"/>
@@ -199,7 +205,7 @@
           <a:p>
             <a:fld id="{C5E4E8B3-BC3D-4B17-AD72-6EEF0757A344}" type="datetimeFigureOut">
               <a:rPr lang="es-ES" smtClean="0"/>
-              <a:t>04/01/2024</a:t>
+              <a:t>05/01/2024</a:t>
             </a:fld>
             <a:endParaRPr lang="es-ES"/>
           </a:p>
@@ -658,6 +664,582 @@
 </p:notes>
 </file>
 
+<file path=ppt/notesSlides/notesSlide3.xml><?xml version="1.0" encoding="utf-8"?>
+<p:notes xmlns:a="http://schemas.openxmlformats.org/drawingml/2006/main" xmlns:r="http://schemas.openxmlformats.org/officeDocument/2006/relationships" xmlns:p="http://schemas.openxmlformats.org/presentationml/2006/main">
+  <p:cSld>
+    <p:spTree>
+      <p:nvGrpSpPr>
+        <p:cNvPr id="1" name=""/>
+        <p:cNvGrpSpPr/>
+        <p:nvPr/>
+      </p:nvGrpSpPr>
+      <p:grpSpPr>
+        <a:xfrm>
+          <a:off x="0" y="0"/>
+          <a:ext cx="0" cy="0"/>
+          <a:chOff x="0" y="0"/>
+          <a:chExt cx="0" cy="0"/>
+        </a:xfrm>
+      </p:grpSpPr>
+      <p:sp>
+        <p:nvSpPr>
+          <p:cNvPr id="2" name="Marcador de imagen de diapositiva 1"/>
+          <p:cNvSpPr>
+            <a:spLocks noGrp="1" noRot="1" noChangeAspect="1"/>
+          </p:cNvSpPr>
+          <p:nvPr>
+            <p:ph type="sldImg"/>
+          </p:nvPr>
+        </p:nvSpPr>
+        <p:spPr/>
+      </p:sp>
+      <p:sp>
+        <p:nvSpPr>
+          <p:cNvPr id="3" name="Marcador de notas 2"/>
+          <p:cNvSpPr>
+            <a:spLocks noGrp="1"/>
+          </p:cNvSpPr>
+          <p:nvPr>
+            <p:ph type="body" idx="1"/>
+          </p:nvPr>
+        </p:nvSpPr>
+        <p:spPr/>
+        <p:txBody>
+          <a:bodyPr/>
+          <a:lstStyle/>
+          <a:p>
+            <a:r>
+              <a:rPr lang="es-ES" dirty="0"/>
+              <a:t>Si buscamos cualquier definición de inteligencia artificial veremos que la inteligencia es:</a:t>
+            </a:r>
+          </a:p>
+          <a:p>
+            <a:r>
+              <a:rPr lang="es-ES" dirty="0"/>
+              <a:t>Es la capacidad o facultad de entender, razonar, saber, aprender y de resolver problemas. </a:t>
+            </a:r>
+          </a:p>
+          <a:p>
+            <a:endParaRPr lang="es-ES" dirty="0"/>
+          </a:p>
+        </p:txBody>
+      </p:sp>
+      <p:sp>
+        <p:nvSpPr>
+          <p:cNvPr id="4" name="Marcador de número de diapositiva 3"/>
+          <p:cNvSpPr>
+            <a:spLocks noGrp="1"/>
+          </p:cNvSpPr>
+          <p:nvPr>
+            <p:ph type="sldNum" sz="quarter" idx="5"/>
+          </p:nvPr>
+        </p:nvSpPr>
+        <p:spPr/>
+        <p:txBody>
+          <a:bodyPr/>
+          <a:lstStyle/>
+          <a:p>
+            <a:fld id="{D5712D9C-889D-4610-A762-E75BDBE57ED2}" type="slidenum">
+              <a:rPr lang="es-ES" smtClean="0"/>
+              <a:t>4</a:t>
+            </a:fld>
+            <a:endParaRPr lang="es-ES"/>
+          </a:p>
+        </p:txBody>
+      </p:sp>
+    </p:spTree>
+    <p:extLst>
+      <p:ext uri="{BB962C8B-B14F-4D97-AF65-F5344CB8AC3E}">
+        <p14:creationId xmlns:p14="http://schemas.microsoft.com/office/powerpoint/2010/main" val="1143167161"/>
+      </p:ext>
+    </p:extLst>
+  </p:cSld>
+  <p:clrMapOvr>
+    <a:masterClrMapping/>
+  </p:clrMapOvr>
+</p:notes>
+</file>
+
+<file path=ppt/notesSlides/notesSlide4.xml><?xml version="1.0" encoding="utf-8"?>
+<p:notes xmlns:a="http://schemas.openxmlformats.org/drawingml/2006/main" xmlns:r="http://schemas.openxmlformats.org/officeDocument/2006/relationships" xmlns:p="http://schemas.openxmlformats.org/presentationml/2006/main">
+  <p:cSld>
+    <p:spTree>
+      <p:nvGrpSpPr>
+        <p:cNvPr id="1" name=""/>
+        <p:cNvGrpSpPr/>
+        <p:nvPr/>
+      </p:nvGrpSpPr>
+      <p:grpSpPr>
+        <a:xfrm>
+          <a:off x="0" y="0"/>
+          <a:ext cx="0" cy="0"/>
+          <a:chOff x="0" y="0"/>
+          <a:chExt cx="0" cy="0"/>
+        </a:xfrm>
+      </p:grpSpPr>
+      <p:sp>
+        <p:nvSpPr>
+          <p:cNvPr id="2" name="Marcador de imagen de diapositiva 1"/>
+          <p:cNvSpPr>
+            <a:spLocks noGrp="1" noRot="1" noChangeAspect="1"/>
+          </p:cNvSpPr>
+          <p:nvPr>
+            <p:ph type="sldImg"/>
+          </p:nvPr>
+        </p:nvSpPr>
+        <p:spPr/>
+      </p:sp>
+      <p:sp>
+        <p:nvSpPr>
+          <p:cNvPr id="3" name="Marcador de notas 2"/>
+          <p:cNvSpPr>
+            <a:spLocks noGrp="1"/>
+          </p:cNvSpPr>
+          <p:nvPr>
+            <p:ph type="body" idx="1"/>
+          </p:nvPr>
+        </p:nvSpPr>
+        <p:spPr/>
+        <p:txBody>
+          <a:bodyPr/>
+          <a:lstStyle/>
+          <a:p>
+            <a:r>
+              <a:rPr lang="es-ES" dirty="0"/>
+              <a:t>Si buscamos cualquier definición de inteligencia artificial veremos que la inteligencia es:</a:t>
+            </a:r>
+          </a:p>
+          <a:p>
+            <a:r>
+              <a:rPr lang="es-ES" dirty="0"/>
+              <a:t>Es la capacidad o facultad de entender, razonar, saber, aprender y de resolver problemas. </a:t>
+            </a:r>
+          </a:p>
+          <a:p>
+            <a:endParaRPr lang="es-ES" dirty="0"/>
+          </a:p>
+        </p:txBody>
+      </p:sp>
+      <p:sp>
+        <p:nvSpPr>
+          <p:cNvPr id="4" name="Marcador de número de diapositiva 3"/>
+          <p:cNvSpPr>
+            <a:spLocks noGrp="1"/>
+          </p:cNvSpPr>
+          <p:nvPr>
+            <p:ph type="sldNum" sz="quarter" idx="5"/>
+          </p:nvPr>
+        </p:nvSpPr>
+        <p:spPr/>
+        <p:txBody>
+          <a:bodyPr/>
+          <a:lstStyle/>
+          <a:p>
+            <a:fld id="{D5712D9C-889D-4610-A762-E75BDBE57ED2}" type="slidenum">
+              <a:rPr lang="es-ES" smtClean="0"/>
+              <a:t>5</a:t>
+            </a:fld>
+            <a:endParaRPr lang="es-ES"/>
+          </a:p>
+        </p:txBody>
+      </p:sp>
+    </p:spTree>
+    <p:extLst>
+      <p:ext uri="{BB962C8B-B14F-4D97-AF65-F5344CB8AC3E}">
+        <p14:creationId xmlns:p14="http://schemas.microsoft.com/office/powerpoint/2010/main" val="1094004458"/>
+      </p:ext>
+    </p:extLst>
+  </p:cSld>
+  <p:clrMapOvr>
+    <a:masterClrMapping/>
+  </p:clrMapOvr>
+</p:notes>
+</file>
+
+<file path=ppt/notesSlides/notesSlide5.xml><?xml version="1.0" encoding="utf-8"?>
+<p:notes xmlns:a="http://schemas.openxmlformats.org/drawingml/2006/main" xmlns:r="http://schemas.openxmlformats.org/officeDocument/2006/relationships" xmlns:p="http://schemas.openxmlformats.org/presentationml/2006/main">
+  <p:cSld>
+    <p:spTree>
+      <p:nvGrpSpPr>
+        <p:cNvPr id="1" name=""/>
+        <p:cNvGrpSpPr/>
+        <p:nvPr/>
+      </p:nvGrpSpPr>
+      <p:grpSpPr>
+        <a:xfrm>
+          <a:off x="0" y="0"/>
+          <a:ext cx="0" cy="0"/>
+          <a:chOff x="0" y="0"/>
+          <a:chExt cx="0" cy="0"/>
+        </a:xfrm>
+      </p:grpSpPr>
+      <p:sp>
+        <p:nvSpPr>
+          <p:cNvPr id="2" name="Marcador de imagen de diapositiva 1"/>
+          <p:cNvSpPr>
+            <a:spLocks noGrp="1" noRot="1" noChangeAspect="1"/>
+          </p:cNvSpPr>
+          <p:nvPr>
+            <p:ph type="sldImg"/>
+          </p:nvPr>
+        </p:nvSpPr>
+        <p:spPr/>
+      </p:sp>
+      <p:sp>
+        <p:nvSpPr>
+          <p:cNvPr id="3" name="Marcador de notas 2"/>
+          <p:cNvSpPr>
+            <a:spLocks noGrp="1"/>
+          </p:cNvSpPr>
+          <p:nvPr>
+            <p:ph type="body" idx="1"/>
+          </p:nvPr>
+        </p:nvSpPr>
+        <p:spPr/>
+        <p:txBody>
+          <a:bodyPr/>
+          <a:lstStyle/>
+          <a:p>
+            <a:r>
+              <a:rPr lang="es-ES" dirty="0"/>
+              <a:t>Si buscamos cualquier definición de inteligencia artificial veremos que la inteligencia es:</a:t>
+            </a:r>
+          </a:p>
+          <a:p>
+            <a:r>
+              <a:rPr lang="es-ES" dirty="0"/>
+              <a:t>Es la capacidad o facultad de entender, razonar, saber, aprender y de resolver problemas. </a:t>
+            </a:r>
+          </a:p>
+          <a:p>
+            <a:endParaRPr lang="es-ES" dirty="0"/>
+          </a:p>
+        </p:txBody>
+      </p:sp>
+      <p:sp>
+        <p:nvSpPr>
+          <p:cNvPr id="4" name="Marcador de número de diapositiva 3"/>
+          <p:cNvSpPr>
+            <a:spLocks noGrp="1"/>
+          </p:cNvSpPr>
+          <p:nvPr>
+            <p:ph type="sldNum" sz="quarter" idx="5"/>
+          </p:nvPr>
+        </p:nvSpPr>
+        <p:spPr/>
+        <p:txBody>
+          <a:bodyPr/>
+          <a:lstStyle/>
+          <a:p>
+            <a:fld id="{D5712D9C-889D-4610-A762-E75BDBE57ED2}" type="slidenum">
+              <a:rPr lang="es-ES" smtClean="0"/>
+              <a:t>6</a:t>
+            </a:fld>
+            <a:endParaRPr lang="es-ES"/>
+          </a:p>
+        </p:txBody>
+      </p:sp>
+    </p:spTree>
+    <p:extLst>
+      <p:ext uri="{BB962C8B-B14F-4D97-AF65-F5344CB8AC3E}">
+        <p14:creationId xmlns:p14="http://schemas.microsoft.com/office/powerpoint/2010/main" val="812556653"/>
+      </p:ext>
+    </p:extLst>
+  </p:cSld>
+  <p:clrMapOvr>
+    <a:masterClrMapping/>
+  </p:clrMapOvr>
+</p:notes>
+</file>
+
+<file path=ppt/notesSlides/notesSlide6.xml><?xml version="1.0" encoding="utf-8"?>
+<p:notes xmlns:a="http://schemas.openxmlformats.org/drawingml/2006/main" xmlns:r="http://schemas.openxmlformats.org/officeDocument/2006/relationships" xmlns:p="http://schemas.openxmlformats.org/presentationml/2006/main">
+  <p:cSld>
+    <p:spTree>
+      <p:nvGrpSpPr>
+        <p:cNvPr id="1" name=""/>
+        <p:cNvGrpSpPr/>
+        <p:nvPr/>
+      </p:nvGrpSpPr>
+      <p:grpSpPr>
+        <a:xfrm>
+          <a:off x="0" y="0"/>
+          <a:ext cx="0" cy="0"/>
+          <a:chOff x="0" y="0"/>
+          <a:chExt cx="0" cy="0"/>
+        </a:xfrm>
+      </p:grpSpPr>
+      <p:sp>
+        <p:nvSpPr>
+          <p:cNvPr id="2" name="Marcador de imagen de diapositiva 1"/>
+          <p:cNvSpPr>
+            <a:spLocks noGrp="1" noRot="1" noChangeAspect="1"/>
+          </p:cNvSpPr>
+          <p:nvPr>
+            <p:ph type="sldImg"/>
+          </p:nvPr>
+        </p:nvSpPr>
+        <p:spPr/>
+      </p:sp>
+      <p:sp>
+        <p:nvSpPr>
+          <p:cNvPr id="3" name="Marcador de notas 2"/>
+          <p:cNvSpPr>
+            <a:spLocks noGrp="1"/>
+          </p:cNvSpPr>
+          <p:nvPr>
+            <p:ph type="body" idx="1"/>
+          </p:nvPr>
+        </p:nvSpPr>
+        <p:spPr/>
+        <p:txBody>
+          <a:bodyPr/>
+          <a:lstStyle/>
+          <a:p>
+            <a:r>
+              <a:rPr lang="es-ES" dirty="0"/>
+              <a:t>Si buscamos cualquier definición de inteligencia artificial veremos que la inteligencia es:</a:t>
+            </a:r>
+          </a:p>
+          <a:p>
+            <a:r>
+              <a:rPr lang="es-ES" dirty="0"/>
+              <a:t>Es la capacidad o facultad de entender, razonar, saber, aprender y de resolver problemas. </a:t>
+            </a:r>
+          </a:p>
+          <a:p>
+            <a:endParaRPr lang="es-ES" dirty="0"/>
+          </a:p>
+        </p:txBody>
+      </p:sp>
+      <p:sp>
+        <p:nvSpPr>
+          <p:cNvPr id="4" name="Marcador de número de diapositiva 3"/>
+          <p:cNvSpPr>
+            <a:spLocks noGrp="1"/>
+          </p:cNvSpPr>
+          <p:nvPr>
+            <p:ph type="sldNum" sz="quarter" idx="5"/>
+          </p:nvPr>
+        </p:nvSpPr>
+        <p:spPr/>
+        <p:txBody>
+          <a:bodyPr/>
+          <a:lstStyle/>
+          <a:p>
+            <a:fld id="{D5712D9C-889D-4610-A762-E75BDBE57ED2}" type="slidenum">
+              <a:rPr lang="es-ES" smtClean="0"/>
+              <a:t>7</a:t>
+            </a:fld>
+            <a:endParaRPr lang="es-ES"/>
+          </a:p>
+        </p:txBody>
+      </p:sp>
+    </p:spTree>
+    <p:extLst>
+      <p:ext uri="{BB962C8B-B14F-4D97-AF65-F5344CB8AC3E}">
+        <p14:creationId xmlns:p14="http://schemas.microsoft.com/office/powerpoint/2010/main" val="1429856430"/>
+      </p:ext>
+    </p:extLst>
+  </p:cSld>
+  <p:clrMapOvr>
+    <a:masterClrMapping/>
+  </p:clrMapOvr>
+</p:notes>
+</file>
+
+<file path=ppt/notesSlides/notesSlide7.xml><?xml version="1.0" encoding="utf-8"?>
+<p:notes xmlns:a="http://schemas.openxmlformats.org/drawingml/2006/main" xmlns:r="http://schemas.openxmlformats.org/officeDocument/2006/relationships" xmlns:p="http://schemas.openxmlformats.org/presentationml/2006/main">
+  <p:cSld>
+    <p:spTree>
+      <p:nvGrpSpPr>
+        <p:cNvPr id="1" name=""/>
+        <p:cNvGrpSpPr/>
+        <p:nvPr/>
+      </p:nvGrpSpPr>
+      <p:grpSpPr>
+        <a:xfrm>
+          <a:off x="0" y="0"/>
+          <a:ext cx="0" cy="0"/>
+          <a:chOff x="0" y="0"/>
+          <a:chExt cx="0" cy="0"/>
+        </a:xfrm>
+      </p:grpSpPr>
+      <p:sp>
+        <p:nvSpPr>
+          <p:cNvPr id="2" name="Marcador de imagen de diapositiva 1"/>
+          <p:cNvSpPr>
+            <a:spLocks noGrp="1" noRot="1" noChangeAspect="1"/>
+          </p:cNvSpPr>
+          <p:nvPr>
+            <p:ph type="sldImg"/>
+          </p:nvPr>
+        </p:nvSpPr>
+        <p:spPr/>
+      </p:sp>
+      <p:sp>
+        <p:nvSpPr>
+          <p:cNvPr id="3" name="Marcador de notas 2"/>
+          <p:cNvSpPr>
+            <a:spLocks noGrp="1"/>
+          </p:cNvSpPr>
+          <p:nvPr>
+            <p:ph type="body" idx="1"/>
+          </p:nvPr>
+        </p:nvSpPr>
+        <p:spPr/>
+        <p:txBody>
+          <a:bodyPr/>
+          <a:lstStyle/>
+          <a:p>
+            <a:r>
+              <a:rPr lang="es-ES" dirty="0"/>
+              <a:t>Si buscamos cualquier definición de inteligencia artificial veremos que la inteligencia es:</a:t>
+            </a:r>
+          </a:p>
+          <a:p>
+            <a:r>
+              <a:rPr lang="es-ES" dirty="0"/>
+              <a:t>Es la capacidad o facultad de entender, razonar, saber, aprender y de resolver problemas. </a:t>
+            </a:r>
+          </a:p>
+          <a:p>
+            <a:endParaRPr lang="es-ES" dirty="0"/>
+          </a:p>
+        </p:txBody>
+      </p:sp>
+      <p:sp>
+        <p:nvSpPr>
+          <p:cNvPr id="4" name="Marcador de número de diapositiva 3"/>
+          <p:cNvSpPr>
+            <a:spLocks noGrp="1"/>
+          </p:cNvSpPr>
+          <p:nvPr>
+            <p:ph type="sldNum" sz="quarter" idx="5"/>
+          </p:nvPr>
+        </p:nvSpPr>
+        <p:spPr/>
+        <p:txBody>
+          <a:bodyPr/>
+          <a:lstStyle/>
+          <a:p>
+            <a:fld id="{D5712D9C-889D-4610-A762-E75BDBE57ED2}" type="slidenum">
+              <a:rPr lang="es-ES" smtClean="0"/>
+              <a:t>8</a:t>
+            </a:fld>
+            <a:endParaRPr lang="es-ES"/>
+          </a:p>
+        </p:txBody>
+      </p:sp>
+    </p:spTree>
+    <p:extLst>
+      <p:ext uri="{BB962C8B-B14F-4D97-AF65-F5344CB8AC3E}">
+        <p14:creationId xmlns:p14="http://schemas.microsoft.com/office/powerpoint/2010/main" val="2556204988"/>
+      </p:ext>
+    </p:extLst>
+  </p:cSld>
+  <p:clrMapOvr>
+    <a:masterClrMapping/>
+  </p:clrMapOvr>
+</p:notes>
+</file>
+
+<file path=ppt/notesSlides/notesSlide8.xml><?xml version="1.0" encoding="utf-8"?>
+<p:notes xmlns:a="http://schemas.openxmlformats.org/drawingml/2006/main" xmlns:r="http://schemas.openxmlformats.org/officeDocument/2006/relationships" xmlns:p="http://schemas.openxmlformats.org/presentationml/2006/main">
+  <p:cSld>
+    <p:spTree>
+      <p:nvGrpSpPr>
+        <p:cNvPr id="1" name=""/>
+        <p:cNvGrpSpPr/>
+        <p:nvPr/>
+      </p:nvGrpSpPr>
+      <p:grpSpPr>
+        <a:xfrm>
+          <a:off x="0" y="0"/>
+          <a:ext cx="0" cy="0"/>
+          <a:chOff x="0" y="0"/>
+          <a:chExt cx="0" cy="0"/>
+        </a:xfrm>
+      </p:grpSpPr>
+      <p:sp>
+        <p:nvSpPr>
+          <p:cNvPr id="2" name="Marcador de imagen de diapositiva 1"/>
+          <p:cNvSpPr>
+            <a:spLocks noGrp="1" noRot="1" noChangeAspect="1"/>
+          </p:cNvSpPr>
+          <p:nvPr>
+            <p:ph type="sldImg"/>
+          </p:nvPr>
+        </p:nvSpPr>
+        <p:spPr/>
+      </p:sp>
+      <p:sp>
+        <p:nvSpPr>
+          <p:cNvPr id="3" name="Marcador de notas 2"/>
+          <p:cNvSpPr>
+            <a:spLocks noGrp="1"/>
+          </p:cNvSpPr>
+          <p:nvPr>
+            <p:ph type="body" idx="1"/>
+          </p:nvPr>
+        </p:nvSpPr>
+        <p:spPr/>
+        <p:txBody>
+          <a:bodyPr/>
+          <a:lstStyle/>
+          <a:p>
+            <a:r>
+              <a:rPr lang="es-ES" dirty="0"/>
+              <a:t>Si buscamos cualquier definición de inteligencia artificial veremos que la inteligencia es:</a:t>
+            </a:r>
+          </a:p>
+          <a:p>
+            <a:r>
+              <a:rPr lang="es-ES" dirty="0"/>
+              <a:t>Es la capacidad o facultad de entender, razonar, saber, aprender y de resolver problemas. </a:t>
+            </a:r>
+          </a:p>
+          <a:p>
+            <a:endParaRPr lang="es-ES" dirty="0"/>
+          </a:p>
+        </p:txBody>
+      </p:sp>
+      <p:sp>
+        <p:nvSpPr>
+          <p:cNvPr id="4" name="Marcador de número de diapositiva 3"/>
+          <p:cNvSpPr>
+            <a:spLocks noGrp="1"/>
+          </p:cNvSpPr>
+          <p:nvPr>
+            <p:ph type="sldNum" sz="quarter" idx="5"/>
+          </p:nvPr>
+        </p:nvSpPr>
+        <p:spPr/>
+        <p:txBody>
+          <a:bodyPr/>
+          <a:lstStyle/>
+          <a:p>
+            <a:fld id="{D5712D9C-889D-4610-A762-E75BDBE57ED2}" type="slidenum">
+              <a:rPr lang="es-ES" smtClean="0"/>
+              <a:t>9</a:t>
+            </a:fld>
+            <a:endParaRPr lang="es-ES"/>
+          </a:p>
+        </p:txBody>
+      </p:sp>
+    </p:spTree>
+    <p:extLst>
+      <p:ext uri="{BB962C8B-B14F-4D97-AF65-F5344CB8AC3E}">
+        <p14:creationId xmlns:p14="http://schemas.microsoft.com/office/powerpoint/2010/main" val="3618883670"/>
+      </p:ext>
+    </p:extLst>
+  </p:cSld>
+  <p:clrMapOvr>
+    <a:masterClrMapping/>
+  </p:clrMapOvr>
+</p:notes>
+</file>
+
 <file path=ppt/slideLayouts/slideLayout1.xml><?xml version="1.0" encoding="utf-8"?>
 <p:sldLayout xmlns:a="http://schemas.openxmlformats.org/drawingml/2006/main" xmlns:r="http://schemas.openxmlformats.org/officeDocument/2006/relationships" xmlns:p="http://schemas.openxmlformats.org/presentationml/2006/main" type="title" preserve="1">
   <p:cSld name="Diapositiva de título">
@@ -871,7 +1453,7 @@
           <a:p>
             <a:fld id="{CD7214D7-428D-4601-A337-8B3EF9271EE1}" type="datetimeFigureOut">
               <a:rPr lang="es-ES" smtClean="0"/>
-              <a:t>04/01/2024</a:t>
+              <a:t>05/01/2024</a:t>
             </a:fld>
             <a:endParaRPr lang="es-ES"/>
           </a:p>
@@ -1162,7 +1744,7 @@
           <a:p>
             <a:fld id="{CD7214D7-428D-4601-A337-8B3EF9271EE1}" type="datetimeFigureOut">
               <a:rPr lang="es-ES" smtClean="0"/>
-              <a:t>04/01/2024</a:t>
+              <a:t>05/01/2024</a:t>
             </a:fld>
             <a:endParaRPr lang="es-ES"/>
           </a:p>
@@ -1421,7 +2003,7 @@
           <a:p>
             <a:fld id="{CD7214D7-428D-4601-A337-8B3EF9271EE1}" type="datetimeFigureOut">
               <a:rPr lang="es-ES" smtClean="0"/>
-              <a:t>04/01/2024</a:t>
+              <a:t>05/01/2024</a:t>
             </a:fld>
             <a:endParaRPr lang="es-ES"/>
           </a:p>
@@ -1890,7 +2472,7 @@
           <a:p>
             <a:fld id="{CD7214D7-428D-4601-A337-8B3EF9271EE1}" type="datetimeFigureOut">
               <a:rPr lang="es-ES" smtClean="0"/>
-              <a:t>04/01/2024</a:t>
+              <a:t>05/01/2024</a:t>
             </a:fld>
             <a:endParaRPr lang="es-ES"/>
           </a:p>
@@ -2070,7 +2652,7 @@
           <a:p>
             <a:fld id="{CD7214D7-428D-4601-A337-8B3EF9271EE1}" type="datetimeFigureOut">
               <a:rPr lang="es-ES" smtClean="0"/>
-              <a:t>04/01/2024</a:t>
+              <a:t>05/01/2024</a:t>
             </a:fld>
             <a:endParaRPr lang="es-ES"/>
           </a:p>
@@ -2646,7 +3228,7 @@
           <a:p>
             <a:fld id="{CD7214D7-428D-4601-A337-8B3EF9271EE1}" type="datetimeFigureOut">
               <a:rPr lang="es-ES" smtClean="0"/>
-              <a:t>04/01/2024</a:t>
+              <a:t>05/01/2024</a:t>
             </a:fld>
             <a:endParaRPr lang="es-ES"/>
           </a:p>
@@ -2978,7 +3560,7 @@
           <a:p>
             <a:fld id="{CD7214D7-428D-4601-A337-8B3EF9271EE1}" type="datetimeFigureOut">
               <a:rPr lang="es-ES" smtClean="0"/>
-              <a:t>04/01/2024</a:t>
+              <a:t>05/01/2024</a:t>
             </a:fld>
             <a:endParaRPr lang="es-ES"/>
           </a:p>
@@ -3153,7 +3735,7 @@
           <a:p>
             <a:fld id="{CD7214D7-428D-4601-A337-8B3EF9271EE1}" type="datetimeFigureOut">
               <a:rPr lang="es-ES" smtClean="0"/>
-              <a:t>04/01/2024</a:t>
+              <a:t>05/01/2024</a:t>
             </a:fld>
             <a:endParaRPr lang="es-ES"/>
           </a:p>
@@ -3333,7 +3915,7 @@
           <a:p>
             <a:fld id="{CD7214D7-428D-4601-A337-8B3EF9271EE1}" type="datetimeFigureOut">
               <a:rPr lang="es-ES" smtClean="0"/>
-              <a:t>04/01/2024</a:t>
+              <a:t>05/01/2024</a:t>
             </a:fld>
             <a:endParaRPr lang="es-ES"/>
           </a:p>
@@ -3503,7 +4085,7 @@
           <a:p>
             <a:fld id="{CD7214D7-428D-4601-A337-8B3EF9271EE1}" type="datetimeFigureOut">
               <a:rPr lang="es-ES" smtClean="0"/>
-              <a:t>04/01/2024</a:t>
+              <a:t>05/01/2024</a:t>
             </a:fld>
             <a:endParaRPr lang="es-ES"/>
           </a:p>
@@ -3760,7 +4342,7 @@
           <a:p>
             <a:fld id="{CD7214D7-428D-4601-A337-8B3EF9271EE1}" type="datetimeFigureOut">
               <a:rPr lang="es-ES" smtClean="0"/>
-              <a:t>04/01/2024</a:t>
+              <a:t>05/01/2024</a:t>
             </a:fld>
             <a:endParaRPr lang="es-ES"/>
           </a:p>
@@ -4052,7 +4634,7 @@
           <a:p>
             <a:fld id="{CD7214D7-428D-4601-A337-8B3EF9271EE1}" type="datetimeFigureOut">
               <a:rPr lang="es-ES" smtClean="0"/>
-              <a:t>04/01/2024</a:t>
+              <a:t>05/01/2024</a:t>
             </a:fld>
             <a:endParaRPr lang="es-ES"/>
           </a:p>
@@ -4482,7 +5064,7 @@
           <a:p>
             <a:fld id="{CD7214D7-428D-4601-A337-8B3EF9271EE1}" type="datetimeFigureOut">
               <a:rPr lang="es-ES" smtClean="0"/>
-              <a:t>04/01/2024</a:t>
+              <a:t>05/01/2024</a:t>
             </a:fld>
             <a:endParaRPr lang="es-ES"/>
           </a:p>
@@ -4600,7 +5182,7 @@
           <a:p>
             <a:fld id="{CD7214D7-428D-4601-A337-8B3EF9271EE1}" type="datetimeFigureOut">
               <a:rPr lang="es-ES" smtClean="0"/>
-              <a:t>04/01/2024</a:t>
+              <a:t>05/01/2024</a:t>
             </a:fld>
             <a:endParaRPr lang="es-ES"/>
           </a:p>
@@ -4695,7 +5277,7 @@
           <a:p>
             <a:fld id="{CD7214D7-428D-4601-A337-8B3EF9271EE1}" type="datetimeFigureOut">
               <a:rPr lang="es-ES" smtClean="0"/>
-              <a:t>04/01/2024</a:t>
+              <a:t>05/01/2024</a:t>
             </a:fld>
             <a:endParaRPr lang="es-ES"/>
           </a:p>
@@ -4978,7 +5560,7 @@
           <a:p>
             <a:fld id="{CD7214D7-428D-4601-A337-8B3EF9271EE1}" type="datetimeFigureOut">
               <a:rPr lang="es-ES" smtClean="0"/>
-              <a:t>04/01/2024</a:t>
+              <a:t>05/01/2024</a:t>
             </a:fld>
             <a:endParaRPr lang="es-ES"/>
           </a:p>
@@ -5269,7 +5851,7 @@
           <a:p>
             <a:fld id="{CD7214D7-428D-4601-A337-8B3EF9271EE1}" type="datetimeFigureOut">
               <a:rPr lang="es-ES" smtClean="0"/>
-              <a:t>04/01/2024</a:t>
+              <a:t>05/01/2024</a:t>
             </a:fld>
             <a:endParaRPr lang="es-ES"/>
           </a:p>
@@ -5500,7 +6082,7 @@
           <a:p>
             <a:fld id="{CD7214D7-428D-4601-A337-8B3EF9271EE1}" type="datetimeFigureOut">
               <a:rPr lang="es-ES" smtClean="0"/>
-              <a:t>04/01/2024</a:t>
+              <a:t>05/01/2024</a:t>
             </a:fld>
             <a:endParaRPr lang="es-ES"/>
           </a:p>
@@ -6520,7 +7102,7 @@
         </p:nvSpPr>
         <p:spPr>
           <a:xfrm>
-            <a:off x="1253654" y="873506"/>
+            <a:off x="1289165" y="837995"/>
             <a:ext cx="9079954" cy="2031325"/>
           </a:xfrm>
           <a:prstGeom prst="rect">
@@ -7313,7 +7895,7 @@
         <p:spPr>
           <a:xfrm>
             <a:off x="1108957" y="1964353"/>
-            <a:ext cx="9079954" cy="5262979"/>
+            <a:ext cx="9079954" cy="6740307"/>
           </a:xfrm>
           <a:prstGeom prst="rect">
             <a:avLst/>
@@ -7385,6 +7967,76 @@
               </a:rPr>
               <a:t>:</a:t>
             </a:r>
+          </a:p>
+          <a:p>
+            <a:pPr marL="1085850" lvl="2" indent="-171450">
+              <a:buFont typeface="Arial" panose="020B0604020202020204" pitchFamily="34" charset="0"/>
+              <a:buChar char="•"/>
+            </a:pPr>
+            <a:endParaRPr lang="es-ES" sz="1200" dirty="0">
+              <a:latin typeface="Titillium Web" panose="00000500000000000000" pitchFamily="2" charset="0"/>
+              <a:sym typeface="Wingdings" panose="05000000000000000000" pitchFamily="2" charset="2"/>
+            </a:endParaRPr>
+          </a:p>
+          <a:p>
+            <a:pPr marL="1543050" lvl="3" indent="-171450">
+              <a:buFont typeface="Arial" panose="020B0604020202020204" pitchFamily="34" charset="0"/>
+              <a:buChar char="•"/>
+            </a:pPr>
+            <a:r>
+              <a:rPr lang="es-ES" sz="1200" dirty="0">
+                <a:latin typeface="Titillium Web" panose="00000500000000000000" pitchFamily="2" charset="0"/>
+                <a:sym typeface="Wingdings" panose="05000000000000000000" pitchFamily="2" charset="2"/>
+              </a:rPr>
+              <a:t>Es el método para crear consultas en lenguaje JPQL o SQL, dependiendo del proveedor de persistencia. Esta </a:t>
+            </a:r>
+            <a:r>
+              <a:rPr lang="es-ES" sz="1200" dirty="0" err="1">
+                <a:latin typeface="Titillium Web" panose="00000500000000000000" pitchFamily="2" charset="0"/>
+                <a:sym typeface="Wingdings" panose="05000000000000000000" pitchFamily="2" charset="2"/>
+              </a:rPr>
+              <a:t>funcion</a:t>
+            </a:r>
+            <a:r>
+              <a:rPr lang="es-ES" sz="1200" dirty="0">
+                <a:latin typeface="Titillium Web" panose="00000500000000000000" pitchFamily="2" charset="0"/>
+                <a:sym typeface="Wingdings" panose="05000000000000000000" pitchFamily="2" charset="2"/>
+              </a:rPr>
+              <a:t> te permite construir consultas para recuperar datos de la base de datos actualizar la información o realizar otras operaciones. </a:t>
+            </a:r>
+          </a:p>
+          <a:p>
+            <a:pPr marL="1543050" lvl="3" indent="-171450">
+              <a:buFont typeface="Arial" panose="020B0604020202020204" pitchFamily="34" charset="0"/>
+              <a:buChar char="•"/>
+            </a:pPr>
+            <a:endParaRPr lang="es-ES" sz="1200" dirty="0">
+              <a:latin typeface="Titillium Web" panose="00000500000000000000" pitchFamily="2" charset="0"/>
+              <a:sym typeface="Wingdings" panose="05000000000000000000" pitchFamily="2" charset="2"/>
+            </a:endParaRPr>
+          </a:p>
+          <a:p>
+            <a:pPr marL="1543050" lvl="3" indent="-171450">
+              <a:buFont typeface="Arial" panose="020B0604020202020204" pitchFamily="34" charset="0"/>
+              <a:buChar char="•"/>
+            </a:pPr>
+            <a:r>
+              <a:rPr lang="es-ES" sz="1200" dirty="0">
+                <a:latin typeface="Titillium Web" panose="00000500000000000000" pitchFamily="2" charset="0"/>
+                <a:sym typeface="Wingdings" panose="05000000000000000000" pitchFamily="2" charset="2"/>
+              </a:rPr>
+              <a:t>Nos podemos basar en esta nomenclatura:</a:t>
+            </a:r>
+          </a:p>
+          <a:p>
+            <a:pPr marL="1543050" lvl="3" indent="-171450">
+              <a:buFont typeface="Arial" panose="020B0604020202020204" pitchFamily="34" charset="0"/>
+              <a:buChar char="•"/>
+            </a:pPr>
+            <a:endParaRPr lang="es-ES" sz="1200" dirty="0">
+              <a:latin typeface="Titillium Web" panose="00000500000000000000" pitchFamily="2" charset="0"/>
+              <a:sym typeface="Wingdings" panose="05000000000000000000" pitchFamily="2" charset="2"/>
+            </a:endParaRPr>
           </a:p>
           <a:p>
             <a:pPr marL="1543050" lvl="3" indent="-171450">
@@ -7595,6 +8247,4960 @@
     <p:extLst>
       <p:ext uri="{BB962C8B-B14F-4D97-AF65-F5344CB8AC3E}">
         <p14:creationId xmlns:p14="http://schemas.microsoft.com/office/powerpoint/2010/main" val="3281460773"/>
+      </p:ext>
+    </p:extLst>
+  </p:cSld>
+  <p:clrMapOvr>
+    <a:masterClrMapping/>
+  </p:clrMapOvr>
+</p:sld>
+</file>
+
+<file path=ppt/slides/slide4.xml><?xml version="1.0" encoding="utf-8"?>
+<p:sld xmlns:a="http://schemas.openxmlformats.org/drawingml/2006/main" xmlns:r="http://schemas.openxmlformats.org/officeDocument/2006/relationships" xmlns:p="http://schemas.openxmlformats.org/presentationml/2006/main">
+  <p:cSld>
+    <p:spTree>
+      <p:nvGrpSpPr>
+        <p:cNvPr id="1" name=""/>
+        <p:cNvGrpSpPr/>
+        <p:nvPr/>
+      </p:nvGrpSpPr>
+      <p:grpSpPr>
+        <a:xfrm>
+          <a:off x="0" y="0"/>
+          <a:ext cx="0" cy="0"/>
+          <a:chOff x="0" y="0"/>
+          <a:chExt cx="0" cy="0"/>
+        </a:xfrm>
+      </p:grpSpPr>
+      <p:pic>
+        <p:nvPicPr>
+          <p:cNvPr id="1032" name="Picture 8" descr="Nuestro Equipo">
+            <a:extLst>
+              <a:ext uri="{FF2B5EF4-FFF2-40B4-BE49-F238E27FC236}">
+                <a16:creationId xmlns:a16="http://schemas.microsoft.com/office/drawing/2014/main" id="{9948F5C4-A11B-BB63-E587-6CEB747BDDEB}"/>
+              </a:ext>
+            </a:extLst>
+          </p:cNvPr>
+          <p:cNvPicPr>
+            <a:picLocks noChangeAspect="1" noChangeArrowheads="1"/>
+          </p:cNvPicPr>
+          <p:nvPr/>
+        </p:nvPicPr>
+        <p:blipFill>
+          <a:blip r:embed="rId3">
+            <a:extLst>
+              <a:ext uri="{28A0092B-C50C-407E-A947-70E740481C1C}">
+                <a14:useLocalDpi xmlns:a14="http://schemas.microsoft.com/office/drawing/2010/main" val="0"/>
+              </a:ext>
+            </a:extLst>
+          </a:blip>
+          <a:srcRect/>
+          <a:stretch>
+            <a:fillRect/>
+          </a:stretch>
+        </p:blipFill>
+        <p:spPr bwMode="auto">
+          <a:xfrm>
+            <a:off x="11003858" y="6068461"/>
+            <a:ext cx="675692" cy="675692"/>
+          </a:xfrm>
+          <a:prstGeom prst="rect">
+            <a:avLst/>
+          </a:prstGeom>
+          <a:noFill/>
+          <a:extLst>
+            <a:ext uri="{909E8E84-426E-40DD-AFC4-6F175D3DCCD1}">
+              <a14:hiddenFill xmlns:a14="http://schemas.microsoft.com/office/drawing/2010/main">
+                <a:solidFill>
+                  <a:srgbClr val="FFFFFF"/>
+                </a:solidFill>
+              </a14:hiddenFill>
+            </a:ext>
+          </a:extLst>
+        </p:spPr>
+      </p:pic>
+      <p:sp>
+        <p:nvSpPr>
+          <p:cNvPr id="3" name="CuadroTexto 2">
+            <a:extLst>
+              <a:ext uri="{FF2B5EF4-FFF2-40B4-BE49-F238E27FC236}">
+                <a16:creationId xmlns:a16="http://schemas.microsoft.com/office/drawing/2014/main" id="{D1FA320B-398B-F9F1-38EA-BAF5DD083F19}"/>
+              </a:ext>
+            </a:extLst>
+          </p:cNvPr>
+          <p:cNvSpPr txBox="1"/>
+          <p:nvPr/>
+        </p:nvSpPr>
+        <p:spPr>
+          <a:xfrm>
+            <a:off x="1253654" y="873506"/>
+            <a:ext cx="9079954" cy="2031325"/>
+          </a:xfrm>
+          <a:prstGeom prst="rect">
+            <a:avLst/>
+          </a:prstGeom>
+          <a:noFill/>
+        </p:spPr>
+        <p:txBody>
+          <a:bodyPr wrap="square" rtlCol="0">
+            <a:spAutoFit/>
+          </a:bodyPr>
+          <a:lstStyle/>
+          <a:p>
+            <a:r>
+              <a:rPr lang="es-ES" dirty="0"/>
+              <a:t>SPRING FRAMEWORK</a:t>
+            </a:r>
+          </a:p>
+          <a:p>
+            <a:pPr lvl="1"/>
+            <a:endParaRPr lang="es-ES" sz="1200" dirty="0">
+              <a:solidFill>
+                <a:srgbClr val="FF0000"/>
+              </a:solidFill>
+              <a:latin typeface="Titillium Web" panose="00000500000000000000" pitchFamily="2" charset="0"/>
+            </a:endParaRPr>
+          </a:p>
+          <a:p>
+            <a:pPr lvl="1"/>
+            <a:endParaRPr lang="es-ES" sz="1200" dirty="0">
+              <a:solidFill>
+                <a:schemeClr val="accent4">
+                  <a:lumMod val="60000"/>
+                  <a:lumOff val="40000"/>
+                </a:schemeClr>
+              </a:solidFill>
+              <a:latin typeface="Titillium Web" panose="00000500000000000000" pitchFamily="2" charset="0"/>
+            </a:endParaRPr>
+          </a:p>
+          <a:p>
+            <a:pPr lvl="1"/>
+            <a:r>
+              <a:rPr lang="es-ES" sz="1200" dirty="0">
+                <a:solidFill>
+                  <a:schemeClr val="accent4">
+                    <a:lumMod val="60000"/>
+                    <a:lumOff val="40000"/>
+                  </a:schemeClr>
+                </a:solidFill>
+                <a:latin typeface="Titillium Web" panose="00000500000000000000" pitchFamily="2" charset="0"/>
+              </a:rPr>
+              <a:t>ENTITY MANAGER</a:t>
+            </a:r>
+          </a:p>
+          <a:p>
+            <a:pPr lvl="1"/>
+            <a:endParaRPr lang="es-ES" sz="1200" dirty="0">
+              <a:solidFill>
+                <a:schemeClr val="accent4">
+                  <a:lumMod val="60000"/>
+                  <a:lumOff val="40000"/>
+                </a:schemeClr>
+              </a:solidFill>
+              <a:latin typeface="Titillium Web" panose="00000500000000000000" pitchFamily="2" charset="0"/>
+            </a:endParaRPr>
+          </a:p>
+          <a:p>
+            <a:pPr lvl="1"/>
+            <a:endParaRPr lang="es-ES" sz="1200" dirty="0">
+              <a:solidFill>
+                <a:schemeClr val="accent4">
+                  <a:lumMod val="60000"/>
+                  <a:lumOff val="40000"/>
+                </a:schemeClr>
+              </a:solidFill>
+            </a:endParaRPr>
+          </a:p>
+          <a:p>
+            <a:pPr lvl="1"/>
+            <a:br>
+              <a:rPr lang="es-ES" sz="1200" dirty="0">
+                <a:solidFill>
+                  <a:schemeClr val="accent4">
+                    <a:lumMod val="60000"/>
+                    <a:lumOff val="40000"/>
+                  </a:schemeClr>
+                </a:solidFill>
+              </a:rPr>
+            </a:br>
+            <a:endParaRPr lang="es-ES" sz="1200" dirty="0">
+              <a:solidFill>
+                <a:schemeClr val="accent4">
+                  <a:lumMod val="60000"/>
+                  <a:lumOff val="40000"/>
+                </a:schemeClr>
+              </a:solidFill>
+            </a:endParaRPr>
+          </a:p>
+          <a:p>
+            <a:pPr lvl="1"/>
+            <a:endParaRPr lang="es-ES" sz="1200" dirty="0">
+              <a:solidFill>
+                <a:schemeClr val="accent1">
+                  <a:lumMod val="40000"/>
+                  <a:lumOff val="60000"/>
+                </a:schemeClr>
+              </a:solidFill>
+              <a:latin typeface="Titillium Web" panose="00000500000000000000" pitchFamily="2" charset="0"/>
+            </a:endParaRPr>
+          </a:p>
+          <a:p>
+            <a:pPr lvl="1"/>
+            <a:endParaRPr lang="es-ES" sz="1200" b="0" i="0" dirty="0">
+              <a:solidFill>
+                <a:schemeClr val="accent4">
+                  <a:lumMod val="60000"/>
+                  <a:lumOff val="40000"/>
+                </a:schemeClr>
+              </a:solidFill>
+              <a:effectLst/>
+              <a:latin typeface="Titillium Web" panose="00000500000000000000" pitchFamily="2" charset="0"/>
+            </a:endParaRPr>
+          </a:p>
+        </p:txBody>
+      </p:sp>
+      <p:pic>
+        <p:nvPicPr>
+          <p:cNvPr id="5" name="Picture 2" descr="Spring | Home">
+            <a:extLst>
+              <a:ext uri="{FF2B5EF4-FFF2-40B4-BE49-F238E27FC236}">
+                <a16:creationId xmlns:a16="http://schemas.microsoft.com/office/drawing/2014/main" id="{6CBE6F06-F98A-B85B-B6AA-917CBDD1C2C3}"/>
+              </a:ext>
+            </a:extLst>
+          </p:cNvPr>
+          <p:cNvPicPr>
+            <a:picLocks noChangeAspect="1" noChangeArrowheads="1"/>
+          </p:cNvPicPr>
+          <p:nvPr/>
+        </p:nvPicPr>
+        <p:blipFill>
+          <a:blip r:embed="rId4">
+            <a:extLst>
+              <a:ext uri="{28A0092B-C50C-407E-A947-70E740481C1C}">
+                <a14:useLocalDpi xmlns:a14="http://schemas.microsoft.com/office/drawing/2010/main" val="0"/>
+              </a:ext>
+            </a:extLst>
+          </a:blip>
+          <a:srcRect/>
+          <a:stretch>
+            <a:fillRect/>
+          </a:stretch>
+        </p:blipFill>
+        <p:spPr bwMode="auto">
+          <a:xfrm>
+            <a:off x="10666011" y="5262959"/>
+            <a:ext cx="1351386" cy="675693"/>
+          </a:xfrm>
+          <a:prstGeom prst="rect">
+            <a:avLst/>
+          </a:prstGeom>
+          <a:noFill/>
+          <a:extLst>
+            <a:ext uri="{909E8E84-426E-40DD-AFC4-6F175D3DCCD1}">
+              <a14:hiddenFill xmlns:a14="http://schemas.microsoft.com/office/drawing/2010/main">
+                <a:solidFill>
+                  <a:srgbClr val="FFFFFF"/>
+                </a:solidFill>
+              </a14:hiddenFill>
+            </a:ext>
+          </a:extLst>
+        </p:spPr>
+      </p:pic>
+      <p:sp>
+        <p:nvSpPr>
+          <p:cNvPr id="4" name="CuadroTexto 3">
+            <a:extLst>
+              <a:ext uri="{FF2B5EF4-FFF2-40B4-BE49-F238E27FC236}">
+                <a16:creationId xmlns:a16="http://schemas.microsoft.com/office/drawing/2014/main" id="{3B55395C-1E46-7D7B-A131-18924C3DA0BA}"/>
+              </a:ext>
+            </a:extLst>
+          </p:cNvPr>
+          <p:cNvSpPr txBox="1"/>
+          <p:nvPr/>
+        </p:nvSpPr>
+        <p:spPr>
+          <a:xfrm>
+            <a:off x="1108957" y="1964353"/>
+            <a:ext cx="9079954" cy="8956298"/>
+          </a:xfrm>
+          <a:prstGeom prst="rect">
+            <a:avLst/>
+          </a:prstGeom>
+          <a:noFill/>
+        </p:spPr>
+        <p:txBody>
+          <a:bodyPr wrap="square" rtlCol="0">
+            <a:spAutoFit/>
+          </a:bodyPr>
+          <a:lstStyle/>
+          <a:p>
+            <a:pPr lvl="1"/>
+            <a:endParaRPr lang="es-ES" sz="1200" dirty="0">
+              <a:latin typeface="Titillium Web" panose="00000500000000000000" pitchFamily="2" charset="0"/>
+              <a:sym typeface="Wingdings" panose="05000000000000000000" pitchFamily="2" charset="2"/>
+            </a:endParaRPr>
+          </a:p>
+          <a:p>
+            <a:pPr lvl="1"/>
+            <a:r>
+              <a:rPr lang="es-ES" sz="1200" dirty="0">
+                <a:latin typeface="Titillium Web" panose="00000500000000000000" pitchFamily="2" charset="0"/>
+                <a:sym typeface="Wingdings" panose="05000000000000000000" pitchFamily="2" charset="2"/>
+              </a:rPr>
+              <a:t>¿Qué es?</a:t>
+            </a:r>
+          </a:p>
+          <a:p>
+            <a:pPr lvl="1"/>
+            <a:endParaRPr lang="es-ES" sz="1200" dirty="0">
+              <a:latin typeface="Titillium Web" panose="00000500000000000000" pitchFamily="2" charset="0"/>
+              <a:sym typeface="Wingdings" panose="05000000000000000000" pitchFamily="2" charset="2"/>
+            </a:endParaRPr>
+          </a:p>
+          <a:p>
+            <a:pPr lvl="1"/>
+            <a:endParaRPr lang="es-ES" sz="1200" dirty="0">
+              <a:latin typeface="Titillium Web" panose="00000500000000000000" pitchFamily="2" charset="0"/>
+              <a:sym typeface="Wingdings" panose="05000000000000000000" pitchFamily="2" charset="2"/>
+            </a:endParaRPr>
+          </a:p>
+          <a:p>
+            <a:pPr marL="2000250" lvl="4" indent="-171450">
+              <a:buFont typeface="Arial" panose="020B0604020202020204" pitchFamily="34" charset="0"/>
+              <a:buChar char="•"/>
+            </a:pPr>
+            <a:endParaRPr lang="es-ES" sz="1200" dirty="0">
+              <a:latin typeface="Titillium Web" panose="00000500000000000000" pitchFamily="2" charset="0"/>
+              <a:sym typeface="Wingdings" panose="05000000000000000000" pitchFamily="2" charset="2"/>
+            </a:endParaRPr>
+          </a:p>
+          <a:p>
+            <a:pPr marL="1085850" lvl="2" indent="-171450">
+              <a:buFont typeface="Arial" panose="020B0604020202020204" pitchFamily="34" charset="0"/>
+              <a:buChar char="•"/>
+            </a:pPr>
+            <a:r>
+              <a:rPr lang="es-ES" sz="1200" dirty="0" err="1">
+                <a:latin typeface="Titillium Web" panose="00000500000000000000" pitchFamily="2" charset="0"/>
+                <a:sym typeface="Wingdings" panose="05000000000000000000" pitchFamily="2" charset="2"/>
+              </a:rPr>
+              <a:t>CreateQuery</a:t>
+            </a:r>
+            <a:r>
+              <a:rPr lang="es-ES" sz="1200" dirty="0">
+                <a:latin typeface="Titillium Web" panose="00000500000000000000" pitchFamily="2" charset="0"/>
+                <a:sym typeface="Wingdings" panose="05000000000000000000" pitchFamily="2" charset="2"/>
+              </a:rPr>
+              <a:t>:</a:t>
+            </a:r>
+          </a:p>
+          <a:p>
+            <a:pPr marL="1085850" lvl="2" indent="-171450">
+              <a:buFont typeface="Arial" panose="020B0604020202020204" pitchFamily="34" charset="0"/>
+              <a:buChar char="•"/>
+            </a:pPr>
+            <a:endParaRPr lang="es-ES" sz="1200" dirty="0">
+              <a:latin typeface="Titillium Web" panose="00000500000000000000" pitchFamily="2" charset="0"/>
+              <a:sym typeface="Wingdings" panose="05000000000000000000" pitchFamily="2" charset="2"/>
+            </a:endParaRPr>
+          </a:p>
+          <a:p>
+            <a:pPr marL="1543050" lvl="3" indent="-171450">
+              <a:buFont typeface="Arial" panose="020B0604020202020204" pitchFamily="34" charset="0"/>
+              <a:buChar char="•"/>
+            </a:pPr>
+            <a:r>
+              <a:rPr lang="es-ES" sz="1200" dirty="0">
+                <a:latin typeface="Titillium Web" panose="00000500000000000000" pitchFamily="2" charset="0"/>
+                <a:sym typeface="Wingdings" panose="05000000000000000000" pitchFamily="2" charset="2"/>
+              </a:rPr>
+              <a:t>Es el método para crear consultas en lenguaje JPQL o SQL, dependiendo del proveedor de persistencia. Esta </a:t>
+            </a:r>
+            <a:r>
+              <a:rPr lang="es-ES" sz="1200" dirty="0" err="1">
+                <a:latin typeface="Titillium Web" panose="00000500000000000000" pitchFamily="2" charset="0"/>
+                <a:sym typeface="Wingdings" panose="05000000000000000000" pitchFamily="2" charset="2"/>
+              </a:rPr>
+              <a:t>funcion</a:t>
+            </a:r>
+            <a:r>
+              <a:rPr lang="es-ES" sz="1200" dirty="0">
+                <a:latin typeface="Titillium Web" panose="00000500000000000000" pitchFamily="2" charset="0"/>
+                <a:sym typeface="Wingdings" panose="05000000000000000000" pitchFamily="2" charset="2"/>
+              </a:rPr>
+              <a:t> te permite construir consultas para recuperar datos de la base de datos actualizar la información o realizar otras operaciones. </a:t>
+            </a:r>
+          </a:p>
+          <a:p>
+            <a:pPr marL="1543050" lvl="3" indent="-171450">
+              <a:buFont typeface="Arial" panose="020B0604020202020204" pitchFamily="34" charset="0"/>
+              <a:buChar char="•"/>
+            </a:pPr>
+            <a:endParaRPr lang="es-ES" sz="1200" dirty="0">
+              <a:latin typeface="Titillium Web" panose="00000500000000000000" pitchFamily="2" charset="0"/>
+              <a:sym typeface="Wingdings" panose="05000000000000000000" pitchFamily="2" charset="2"/>
+            </a:endParaRPr>
+          </a:p>
+          <a:p>
+            <a:pPr marL="1543050" lvl="3" indent="-171450">
+              <a:buFont typeface="Arial" panose="020B0604020202020204" pitchFamily="34" charset="0"/>
+              <a:buChar char="•"/>
+            </a:pPr>
+            <a:r>
+              <a:rPr lang="es-ES" sz="1200" dirty="0">
+                <a:latin typeface="Titillium Web" panose="00000500000000000000" pitchFamily="2" charset="0"/>
+                <a:sym typeface="Wingdings" panose="05000000000000000000" pitchFamily="2" charset="2"/>
+              </a:rPr>
+              <a:t>Nos podemos basar en esta nomenclatura</a:t>
+            </a:r>
+          </a:p>
+          <a:p>
+            <a:pPr marL="1543050" lvl="3" indent="-171450">
+              <a:buFont typeface="Arial" panose="020B0604020202020204" pitchFamily="34" charset="0"/>
+              <a:buChar char="•"/>
+            </a:pPr>
+            <a:endParaRPr lang="es-ES" sz="1200" dirty="0">
+              <a:solidFill>
+                <a:schemeClr val="accent4">
+                  <a:lumMod val="60000"/>
+                  <a:lumOff val="40000"/>
+                </a:schemeClr>
+              </a:solidFill>
+              <a:latin typeface="Titillium Web" panose="00000500000000000000" pitchFamily="2" charset="0"/>
+              <a:sym typeface="Wingdings" panose="05000000000000000000" pitchFamily="2" charset="2"/>
+            </a:endParaRPr>
+          </a:p>
+          <a:p>
+            <a:pPr lvl="3"/>
+            <a:r>
+              <a:rPr lang="es-ES" sz="1200" i="1" dirty="0" err="1">
+                <a:solidFill>
+                  <a:schemeClr val="accent4">
+                    <a:lumMod val="60000"/>
+                    <a:lumOff val="40000"/>
+                  </a:schemeClr>
+                </a:solidFill>
+                <a:latin typeface="Titillium Web" panose="00000500000000000000" pitchFamily="2" charset="0"/>
+                <a:sym typeface="Wingdings" panose="05000000000000000000" pitchFamily="2" charset="2"/>
+              </a:rPr>
+              <a:t>EntityManager</a:t>
+            </a:r>
+            <a:r>
+              <a:rPr lang="es-ES" sz="1200" i="1" dirty="0">
+                <a:solidFill>
+                  <a:schemeClr val="accent4">
+                    <a:lumMod val="60000"/>
+                    <a:lumOff val="40000"/>
+                  </a:schemeClr>
+                </a:solidFill>
+                <a:latin typeface="Titillium Web" panose="00000500000000000000" pitchFamily="2" charset="0"/>
+                <a:sym typeface="Wingdings" panose="05000000000000000000" pitchFamily="2" charset="2"/>
+              </a:rPr>
+              <a:t> </a:t>
+            </a:r>
+            <a:r>
+              <a:rPr lang="es-ES" sz="1200" i="1" dirty="0" err="1">
+                <a:solidFill>
+                  <a:schemeClr val="accent4">
+                    <a:lumMod val="60000"/>
+                    <a:lumOff val="40000"/>
+                  </a:schemeClr>
+                </a:solidFill>
+                <a:latin typeface="Titillium Web" panose="00000500000000000000" pitchFamily="2" charset="0"/>
+                <a:sym typeface="Wingdings" panose="05000000000000000000" pitchFamily="2" charset="2"/>
+              </a:rPr>
+              <a:t>entityManager</a:t>
+            </a:r>
+            <a:r>
+              <a:rPr lang="es-ES" sz="1200" i="1" dirty="0">
+                <a:solidFill>
+                  <a:schemeClr val="accent4">
+                    <a:lumMod val="60000"/>
+                    <a:lumOff val="40000"/>
+                  </a:schemeClr>
+                </a:solidFill>
+                <a:latin typeface="Titillium Web" panose="00000500000000000000" pitchFamily="2" charset="0"/>
+                <a:sym typeface="Wingdings" panose="05000000000000000000" pitchFamily="2" charset="2"/>
+              </a:rPr>
+              <a:t> </a:t>
+            </a:r>
+          </a:p>
+          <a:p>
+            <a:pPr lvl="3"/>
+            <a:endParaRPr lang="es-ES" sz="1200" i="1" dirty="0">
+              <a:solidFill>
+                <a:schemeClr val="accent4">
+                  <a:lumMod val="60000"/>
+                  <a:lumOff val="40000"/>
+                </a:schemeClr>
+              </a:solidFill>
+              <a:latin typeface="Titillium Web" panose="00000500000000000000" pitchFamily="2" charset="0"/>
+              <a:sym typeface="Wingdings" panose="05000000000000000000" pitchFamily="2" charset="2"/>
+            </a:endParaRPr>
+          </a:p>
+          <a:p>
+            <a:pPr lvl="3"/>
+            <a:r>
+              <a:rPr lang="es-ES" sz="1200" i="1" dirty="0" err="1">
+                <a:solidFill>
+                  <a:schemeClr val="accent4">
+                    <a:lumMod val="60000"/>
+                    <a:lumOff val="40000"/>
+                  </a:schemeClr>
+                </a:solidFill>
+                <a:latin typeface="Titillium Web" panose="00000500000000000000" pitchFamily="2" charset="0"/>
+                <a:sym typeface="Wingdings" panose="05000000000000000000" pitchFamily="2" charset="2"/>
+              </a:rPr>
+              <a:t>String</a:t>
+            </a:r>
+            <a:r>
+              <a:rPr lang="es-ES" sz="1200" i="1" dirty="0">
+                <a:solidFill>
+                  <a:schemeClr val="accent4">
+                    <a:lumMod val="60000"/>
+                    <a:lumOff val="40000"/>
+                  </a:schemeClr>
+                </a:solidFill>
+                <a:latin typeface="Titillium Web" panose="00000500000000000000" pitchFamily="2" charset="0"/>
+                <a:sym typeface="Wingdings" panose="05000000000000000000" pitchFamily="2" charset="2"/>
+              </a:rPr>
+              <a:t> </a:t>
+            </a:r>
+            <a:r>
+              <a:rPr lang="es-ES" sz="1200" i="1" dirty="0" err="1">
+                <a:solidFill>
+                  <a:schemeClr val="accent4">
+                    <a:lumMod val="60000"/>
+                    <a:lumOff val="40000"/>
+                  </a:schemeClr>
+                </a:solidFill>
+                <a:latin typeface="Titillium Web" panose="00000500000000000000" pitchFamily="2" charset="0"/>
+                <a:sym typeface="Wingdings" panose="05000000000000000000" pitchFamily="2" charset="2"/>
+              </a:rPr>
+              <a:t>jpqlQuery</a:t>
+            </a:r>
+            <a:r>
+              <a:rPr lang="es-ES" sz="1200" i="1" dirty="0">
+                <a:solidFill>
+                  <a:schemeClr val="accent4">
+                    <a:lumMod val="60000"/>
+                    <a:lumOff val="40000"/>
+                  </a:schemeClr>
+                </a:solidFill>
+                <a:latin typeface="Titillium Web" panose="00000500000000000000" pitchFamily="2" charset="0"/>
+                <a:sym typeface="Wingdings" panose="05000000000000000000" pitchFamily="2" charset="2"/>
+              </a:rPr>
+              <a:t> = "SELECT e FROM </a:t>
+            </a:r>
+            <a:r>
+              <a:rPr lang="es-ES" sz="1200" i="1" dirty="0" err="1">
+                <a:solidFill>
+                  <a:schemeClr val="accent4">
+                    <a:lumMod val="60000"/>
+                    <a:lumOff val="40000"/>
+                  </a:schemeClr>
+                </a:solidFill>
+                <a:latin typeface="Titillium Web" panose="00000500000000000000" pitchFamily="2" charset="0"/>
+                <a:sym typeface="Wingdings" panose="05000000000000000000" pitchFamily="2" charset="2"/>
+              </a:rPr>
+              <a:t>EntityName</a:t>
+            </a:r>
+            <a:r>
+              <a:rPr lang="es-ES" sz="1200" i="1" dirty="0">
+                <a:solidFill>
+                  <a:schemeClr val="accent4">
+                    <a:lumMod val="60000"/>
+                    <a:lumOff val="40000"/>
+                  </a:schemeClr>
+                </a:solidFill>
+                <a:latin typeface="Titillium Web" panose="00000500000000000000" pitchFamily="2" charset="0"/>
+                <a:sym typeface="Wingdings" panose="05000000000000000000" pitchFamily="2" charset="2"/>
+              </a:rPr>
+              <a:t> e WHERE </a:t>
+            </a:r>
+            <a:r>
+              <a:rPr lang="es-ES" sz="1200" i="1" dirty="0" err="1">
+                <a:solidFill>
+                  <a:schemeClr val="accent4">
+                    <a:lumMod val="60000"/>
+                    <a:lumOff val="40000"/>
+                  </a:schemeClr>
+                </a:solidFill>
+                <a:latin typeface="Titillium Web" panose="00000500000000000000" pitchFamily="2" charset="0"/>
+                <a:sym typeface="Wingdings" panose="05000000000000000000" pitchFamily="2" charset="2"/>
+              </a:rPr>
+              <a:t>e.attribute</a:t>
+            </a:r>
+            <a:r>
+              <a:rPr lang="es-ES" sz="1200" i="1" dirty="0">
+                <a:solidFill>
+                  <a:schemeClr val="accent4">
+                    <a:lumMod val="60000"/>
+                    <a:lumOff val="40000"/>
+                  </a:schemeClr>
+                </a:solidFill>
+                <a:latin typeface="Titillium Web" panose="00000500000000000000" pitchFamily="2" charset="0"/>
+                <a:sym typeface="Wingdings" panose="05000000000000000000" pitchFamily="2" charset="2"/>
+              </a:rPr>
+              <a:t> = :</a:t>
+            </a:r>
+            <a:r>
+              <a:rPr lang="es-ES" sz="1200" i="1" dirty="0" err="1">
+                <a:solidFill>
+                  <a:schemeClr val="accent4">
+                    <a:lumMod val="60000"/>
+                    <a:lumOff val="40000"/>
+                  </a:schemeClr>
+                </a:solidFill>
+                <a:latin typeface="Titillium Web" panose="00000500000000000000" pitchFamily="2" charset="0"/>
+                <a:sym typeface="Wingdings" panose="05000000000000000000" pitchFamily="2" charset="2"/>
+              </a:rPr>
+              <a:t>value</a:t>
+            </a:r>
+            <a:r>
+              <a:rPr lang="es-ES" sz="1200" i="1" dirty="0">
+                <a:solidFill>
+                  <a:schemeClr val="accent4">
+                    <a:lumMod val="60000"/>
+                    <a:lumOff val="40000"/>
+                  </a:schemeClr>
+                </a:solidFill>
+                <a:latin typeface="Titillium Web" panose="00000500000000000000" pitchFamily="2" charset="0"/>
+                <a:sym typeface="Wingdings" panose="05000000000000000000" pitchFamily="2" charset="2"/>
+              </a:rPr>
+              <a:t>“;</a:t>
+            </a:r>
+          </a:p>
+          <a:p>
+            <a:pPr lvl="3"/>
+            <a:endParaRPr lang="es-ES" sz="1200" i="1" dirty="0">
+              <a:solidFill>
+                <a:schemeClr val="accent4">
+                  <a:lumMod val="60000"/>
+                  <a:lumOff val="40000"/>
+                </a:schemeClr>
+              </a:solidFill>
+              <a:latin typeface="Titillium Web" panose="00000500000000000000" pitchFamily="2" charset="0"/>
+              <a:sym typeface="Wingdings" panose="05000000000000000000" pitchFamily="2" charset="2"/>
+            </a:endParaRPr>
+          </a:p>
+          <a:p>
+            <a:pPr lvl="3"/>
+            <a:r>
+              <a:rPr lang="es-ES" sz="1200" i="1" dirty="0" err="1">
+                <a:solidFill>
+                  <a:schemeClr val="accent4">
+                    <a:lumMod val="60000"/>
+                    <a:lumOff val="40000"/>
+                  </a:schemeClr>
+                </a:solidFill>
+                <a:latin typeface="Titillium Web" panose="00000500000000000000" pitchFamily="2" charset="0"/>
+                <a:sym typeface="Wingdings" panose="05000000000000000000" pitchFamily="2" charset="2"/>
+              </a:rPr>
+              <a:t>Query</a:t>
+            </a:r>
+            <a:r>
+              <a:rPr lang="es-ES" sz="1200" i="1" dirty="0">
+                <a:solidFill>
+                  <a:schemeClr val="accent4">
+                    <a:lumMod val="60000"/>
+                    <a:lumOff val="40000"/>
+                  </a:schemeClr>
+                </a:solidFill>
+                <a:latin typeface="Titillium Web" panose="00000500000000000000" pitchFamily="2" charset="0"/>
+                <a:sym typeface="Wingdings" panose="05000000000000000000" pitchFamily="2" charset="2"/>
+              </a:rPr>
+              <a:t> </a:t>
+            </a:r>
+            <a:r>
+              <a:rPr lang="es-ES" sz="1200" i="1" dirty="0" err="1">
+                <a:solidFill>
+                  <a:schemeClr val="accent4">
+                    <a:lumMod val="60000"/>
+                    <a:lumOff val="40000"/>
+                  </a:schemeClr>
+                </a:solidFill>
+                <a:latin typeface="Titillium Web" panose="00000500000000000000" pitchFamily="2" charset="0"/>
+                <a:sym typeface="Wingdings" panose="05000000000000000000" pitchFamily="2" charset="2"/>
+              </a:rPr>
+              <a:t>query</a:t>
+            </a:r>
+            <a:r>
+              <a:rPr lang="es-ES" sz="1200" i="1" dirty="0">
+                <a:solidFill>
+                  <a:schemeClr val="accent4">
+                    <a:lumMod val="60000"/>
+                    <a:lumOff val="40000"/>
+                  </a:schemeClr>
+                </a:solidFill>
+                <a:latin typeface="Titillium Web" panose="00000500000000000000" pitchFamily="2" charset="0"/>
+                <a:sym typeface="Wingdings" panose="05000000000000000000" pitchFamily="2" charset="2"/>
+              </a:rPr>
+              <a:t> = </a:t>
+            </a:r>
+            <a:r>
+              <a:rPr lang="es-ES" sz="1200" i="1" dirty="0" err="1">
+                <a:solidFill>
+                  <a:schemeClr val="accent4">
+                    <a:lumMod val="60000"/>
+                    <a:lumOff val="40000"/>
+                  </a:schemeClr>
+                </a:solidFill>
+                <a:latin typeface="Titillium Web" panose="00000500000000000000" pitchFamily="2" charset="0"/>
+                <a:sym typeface="Wingdings" panose="05000000000000000000" pitchFamily="2" charset="2"/>
+              </a:rPr>
+              <a:t>entityManager.createQuery</a:t>
+            </a:r>
+            <a:r>
+              <a:rPr lang="es-ES" sz="1200" i="1" dirty="0">
+                <a:solidFill>
+                  <a:schemeClr val="accent4">
+                    <a:lumMod val="60000"/>
+                    <a:lumOff val="40000"/>
+                  </a:schemeClr>
+                </a:solidFill>
+                <a:latin typeface="Titillium Web" panose="00000500000000000000" pitchFamily="2" charset="0"/>
+                <a:sym typeface="Wingdings" panose="05000000000000000000" pitchFamily="2" charset="2"/>
+              </a:rPr>
+              <a:t>(</a:t>
+            </a:r>
+            <a:r>
+              <a:rPr lang="es-ES" sz="1200" i="1" dirty="0" err="1">
+                <a:solidFill>
+                  <a:schemeClr val="accent4">
+                    <a:lumMod val="60000"/>
+                    <a:lumOff val="40000"/>
+                  </a:schemeClr>
+                </a:solidFill>
+                <a:latin typeface="Titillium Web" panose="00000500000000000000" pitchFamily="2" charset="0"/>
+                <a:sym typeface="Wingdings" panose="05000000000000000000" pitchFamily="2" charset="2"/>
+              </a:rPr>
+              <a:t>jpqlQuery</a:t>
+            </a:r>
+            <a:r>
+              <a:rPr lang="es-ES" sz="1200" i="1" dirty="0">
+                <a:solidFill>
+                  <a:schemeClr val="accent4">
+                    <a:lumMod val="60000"/>
+                    <a:lumOff val="40000"/>
+                  </a:schemeClr>
+                </a:solidFill>
+                <a:latin typeface="Titillium Web" panose="00000500000000000000" pitchFamily="2" charset="0"/>
+                <a:sym typeface="Wingdings" panose="05000000000000000000" pitchFamily="2" charset="2"/>
+              </a:rPr>
+              <a:t>, </a:t>
+            </a:r>
+            <a:r>
+              <a:rPr lang="es-ES" sz="1200" i="1" dirty="0" err="1">
+                <a:solidFill>
+                  <a:schemeClr val="accent4">
+                    <a:lumMod val="60000"/>
+                    <a:lumOff val="40000"/>
+                  </a:schemeClr>
+                </a:solidFill>
+                <a:latin typeface="Titillium Web" panose="00000500000000000000" pitchFamily="2" charset="0"/>
+                <a:sym typeface="Wingdings" panose="05000000000000000000" pitchFamily="2" charset="2"/>
+              </a:rPr>
+              <a:t>EntityName.class</a:t>
+            </a:r>
+            <a:r>
+              <a:rPr lang="es-ES" sz="1200" i="1" dirty="0">
+                <a:solidFill>
+                  <a:schemeClr val="accent4">
+                    <a:lumMod val="60000"/>
+                    <a:lumOff val="40000"/>
+                  </a:schemeClr>
+                </a:solidFill>
+                <a:latin typeface="Titillium Web" panose="00000500000000000000" pitchFamily="2" charset="0"/>
+                <a:sym typeface="Wingdings" panose="05000000000000000000" pitchFamily="2" charset="2"/>
+              </a:rPr>
+              <a:t>);</a:t>
+            </a:r>
+          </a:p>
+          <a:p>
+            <a:pPr lvl="3"/>
+            <a:endParaRPr lang="es-ES" sz="1200" i="1" dirty="0">
+              <a:latin typeface="Titillium Web" panose="00000500000000000000" pitchFamily="2" charset="0"/>
+              <a:sym typeface="Wingdings" panose="05000000000000000000" pitchFamily="2" charset="2"/>
+            </a:endParaRPr>
+          </a:p>
+          <a:p>
+            <a:pPr lvl="3"/>
+            <a:r>
+              <a:rPr lang="es-ES" sz="1200" i="1" dirty="0">
+                <a:latin typeface="Titillium Web" panose="00000500000000000000" pitchFamily="2" charset="0"/>
+                <a:sym typeface="Wingdings" panose="05000000000000000000" pitchFamily="2" charset="2"/>
+              </a:rPr>
+              <a:t>//Si tenemos que añadir los parámetros.</a:t>
+            </a:r>
+          </a:p>
+          <a:p>
+            <a:pPr lvl="3"/>
+            <a:r>
+              <a:rPr lang="es-ES" sz="1200" i="1" dirty="0" err="1">
+                <a:solidFill>
+                  <a:schemeClr val="accent4">
+                    <a:lumMod val="60000"/>
+                    <a:lumOff val="40000"/>
+                  </a:schemeClr>
+                </a:solidFill>
+                <a:latin typeface="Titillium Web" panose="00000500000000000000" pitchFamily="2" charset="0"/>
+                <a:sym typeface="Wingdings" panose="05000000000000000000" pitchFamily="2" charset="2"/>
+              </a:rPr>
+              <a:t>query.setParameter</a:t>
+            </a:r>
+            <a:r>
+              <a:rPr lang="es-ES" sz="1200" i="1" dirty="0">
+                <a:solidFill>
+                  <a:schemeClr val="accent4">
+                    <a:lumMod val="60000"/>
+                    <a:lumOff val="40000"/>
+                  </a:schemeClr>
+                </a:solidFill>
+                <a:latin typeface="Titillium Web" panose="00000500000000000000" pitchFamily="2" charset="0"/>
+                <a:sym typeface="Wingdings" panose="05000000000000000000" pitchFamily="2" charset="2"/>
+              </a:rPr>
+              <a:t>("</a:t>
+            </a:r>
+            <a:r>
+              <a:rPr lang="es-ES" sz="1200" i="1" dirty="0" err="1">
+                <a:solidFill>
+                  <a:schemeClr val="accent4">
+                    <a:lumMod val="60000"/>
+                    <a:lumOff val="40000"/>
+                  </a:schemeClr>
+                </a:solidFill>
+                <a:latin typeface="Titillium Web" panose="00000500000000000000" pitchFamily="2" charset="0"/>
+                <a:sym typeface="Wingdings" panose="05000000000000000000" pitchFamily="2" charset="2"/>
+              </a:rPr>
+              <a:t>value</a:t>
+            </a:r>
+            <a:r>
+              <a:rPr lang="es-ES" sz="1200" i="1" dirty="0">
+                <a:solidFill>
+                  <a:schemeClr val="accent4">
+                    <a:lumMod val="60000"/>
+                    <a:lumOff val="40000"/>
+                  </a:schemeClr>
+                </a:solidFill>
+                <a:latin typeface="Titillium Web" panose="00000500000000000000" pitchFamily="2" charset="0"/>
+                <a:sym typeface="Wingdings" panose="05000000000000000000" pitchFamily="2" charset="2"/>
+              </a:rPr>
+              <a:t>", </a:t>
+            </a:r>
+            <a:r>
+              <a:rPr lang="es-ES" sz="1200" i="1" dirty="0" err="1">
+                <a:solidFill>
+                  <a:schemeClr val="accent4">
+                    <a:lumMod val="60000"/>
+                    <a:lumOff val="40000"/>
+                  </a:schemeClr>
+                </a:solidFill>
+                <a:latin typeface="Titillium Web" panose="00000500000000000000" pitchFamily="2" charset="0"/>
+                <a:sym typeface="Wingdings" panose="05000000000000000000" pitchFamily="2" charset="2"/>
+              </a:rPr>
+              <a:t>someValue</a:t>
+            </a:r>
+            <a:r>
+              <a:rPr lang="es-ES" sz="1200" i="1" dirty="0">
+                <a:solidFill>
+                  <a:schemeClr val="accent4">
+                    <a:lumMod val="60000"/>
+                    <a:lumOff val="40000"/>
+                  </a:schemeClr>
+                </a:solidFill>
+                <a:latin typeface="Titillium Web" panose="00000500000000000000" pitchFamily="2" charset="0"/>
+                <a:sym typeface="Wingdings" panose="05000000000000000000" pitchFamily="2" charset="2"/>
+              </a:rPr>
+              <a:t>);</a:t>
+            </a:r>
+          </a:p>
+          <a:p>
+            <a:pPr lvl="3"/>
+            <a:endParaRPr lang="es-ES" sz="1200" i="1" dirty="0">
+              <a:solidFill>
+                <a:schemeClr val="accent4">
+                  <a:lumMod val="60000"/>
+                  <a:lumOff val="40000"/>
+                </a:schemeClr>
+              </a:solidFill>
+              <a:latin typeface="Titillium Web" panose="00000500000000000000" pitchFamily="2" charset="0"/>
+              <a:sym typeface="Wingdings" panose="05000000000000000000" pitchFamily="2" charset="2"/>
+            </a:endParaRPr>
+          </a:p>
+          <a:p>
+            <a:pPr lvl="3"/>
+            <a:r>
+              <a:rPr lang="es-ES" sz="1200" i="1" dirty="0">
+                <a:latin typeface="Titillium Web" panose="00000500000000000000" pitchFamily="2" charset="0"/>
+                <a:sym typeface="Wingdings" panose="05000000000000000000" pitchFamily="2" charset="2"/>
+              </a:rPr>
+              <a:t>//Si recuperamos más de un parámetro podremos usar </a:t>
+            </a:r>
+            <a:r>
+              <a:rPr lang="es-ES" sz="1200" i="1" dirty="0" err="1">
+                <a:latin typeface="Titillium Web" panose="00000500000000000000" pitchFamily="2" charset="0"/>
+                <a:sym typeface="Wingdings" panose="05000000000000000000" pitchFamily="2" charset="2"/>
+              </a:rPr>
+              <a:t>getResultList</a:t>
+            </a:r>
+            <a:endParaRPr lang="es-ES" sz="1200" i="1" dirty="0">
+              <a:latin typeface="Titillium Web" panose="00000500000000000000" pitchFamily="2" charset="0"/>
+              <a:sym typeface="Wingdings" panose="05000000000000000000" pitchFamily="2" charset="2"/>
+            </a:endParaRPr>
+          </a:p>
+          <a:p>
+            <a:pPr lvl="3"/>
+            <a:r>
+              <a:rPr lang="es-ES" sz="1200" i="1" dirty="0" err="1">
+                <a:solidFill>
+                  <a:schemeClr val="accent4">
+                    <a:lumMod val="60000"/>
+                    <a:lumOff val="40000"/>
+                  </a:schemeClr>
+                </a:solidFill>
+                <a:latin typeface="Titillium Web" panose="00000500000000000000" pitchFamily="2" charset="0"/>
+                <a:sym typeface="Wingdings" panose="05000000000000000000" pitchFamily="2" charset="2"/>
+              </a:rPr>
+              <a:t>List</a:t>
+            </a:r>
+            <a:r>
+              <a:rPr lang="es-ES" sz="1200" i="1" dirty="0">
+                <a:solidFill>
+                  <a:schemeClr val="accent4">
+                    <a:lumMod val="60000"/>
+                    <a:lumOff val="40000"/>
+                  </a:schemeClr>
+                </a:solidFill>
+                <a:latin typeface="Titillium Web" panose="00000500000000000000" pitchFamily="2" charset="0"/>
+                <a:sym typeface="Wingdings" panose="05000000000000000000" pitchFamily="2" charset="2"/>
+              </a:rPr>
+              <a:t>&lt;</a:t>
+            </a:r>
+            <a:r>
+              <a:rPr lang="es-ES" sz="1200" i="1" dirty="0" err="1">
+                <a:solidFill>
+                  <a:schemeClr val="accent4">
+                    <a:lumMod val="60000"/>
+                    <a:lumOff val="40000"/>
+                  </a:schemeClr>
+                </a:solidFill>
+                <a:latin typeface="Titillium Web" panose="00000500000000000000" pitchFamily="2" charset="0"/>
+                <a:sym typeface="Wingdings" panose="05000000000000000000" pitchFamily="2" charset="2"/>
+              </a:rPr>
+              <a:t>EntityName</a:t>
+            </a:r>
+            <a:r>
+              <a:rPr lang="es-ES" sz="1200" i="1" dirty="0">
+                <a:solidFill>
+                  <a:schemeClr val="accent4">
+                    <a:lumMod val="60000"/>
+                    <a:lumOff val="40000"/>
+                  </a:schemeClr>
+                </a:solidFill>
+                <a:latin typeface="Titillium Web" panose="00000500000000000000" pitchFamily="2" charset="0"/>
+                <a:sym typeface="Wingdings" panose="05000000000000000000" pitchFamily="2" charset="2"/>
+              </a:rPr>
+              <a:t>&gt; </a:t>
+            </a:r>
+            <a:r>
+              <a:rPr lang="es-ES" sz="1200" i="1" dirty="0" err="1">
+                <a:solidFill>
+                  <a:schemeClr val="accent4">
+                    <a:lumMod val="60000"/>
+                    <a:lumOff val="40000"/>
+                  </a:schemeClr>
+                </a:solidFill>
+                <a:latin typeface="Titillium Web" panose="00000500000000000000" pitchFamily="2" charset="0"/>
+                <a:sym typeface="Wingdings" panose="05000000000000000000" pitchFamily="2" charset="2"/>
+              </a:rPr>
+              <a:t>results</a:t>
+            </a:r>
+            <a:r>
+              <a:rPr lang="es-ES" sz="1200" i="1" dirty="0">
+                <a:solidFill>
+                  <a:schemeClr val="accent4">
+                    <a:lumMod val="60000"/>
+                    <a:lumOff val="40000"/>
+                  </a:schemeClr>
+                </a:solidFill>
+                <a:latin typeface="Titillium Web" panose="00000500000000000000" pitchFamily="2" charset="0"/>
+                <a:sym typeface="Wingdings" panose="05000000000000000000" pitchFamily="2" charset="2"/>
+              </a:rPr>
+              <a:t> = </a:t>
+            </a:r>
+            <a:r>
+              <a:rPr lang="es-ES" sz="1200" i="1" dirty="0" err="1">
+                <a:solidFill>
+                  <a:schemeClr val="accent4">
+                    <a:lumMod val="60000"/>
+                    <a:lumOff val="40000"/>
+                  </a:schemeClr>
+                </a:solidFill>
+                <a:latin typeface="Titillium Web" panose="00000500000000000000" pitchFamily="2" charset="0"/>
+                <a:sym typeface="Wingdings" panose="05000000000000000000" pitchFamily="2" charset="2"/>
+              </a:rPr>
+              <a:t>query.getResultList</a:t>
+            </a:r>
+            <a:r>
+              <a:rPr lang="es-ES" sz="1200" i="1" dirty="0">
+                <a:solidFill>
+                  <a:schemeClr val="accent4">
+                    <a:lumMod val="60000"/>
+                    <a:lumOff val="40000"/>
+                  </a:schemeClr>
+                </a:solidFill>
+                <a:latin typeface="Titillium Web" panose="00000500000000000000" pitchFamily="2" charset="0"/>
+                <a:sym typeface="Wingdings" panose="05000000000000000000" pitchFamily="2" charset="2"/>
+              </a:rPr>
+              <a:t>();</a:t>
+            </a:r>
+          </a:p>
+          <a:p>
+            <a:pPr lvl="3"/>
+            <a:endParaRPr lang="es-ES" sz="1200" dirty="0">
+              <a:latin typeface="Titillium Web" panose="00000500000000000000" pitchFamily="2" charset="0"/>
+              <a:sym typeface="Wingdings" panose="05000000000000000000" pitchFamily="2" charset="2"/>
+            </a:endParaRPr>
+          </a:p>
+          <a:p>
+            <a:pPr marL="1543050" lvl="3" indent="-171450">
+              <a:buFont typeface="Arial" panose="020B0604020202020204" pitchFamily="34" charset="0"/>
+              <a:buChar char="•"/>
+            </a:pPr>
+            <a:endParaRPr lang="es-ES" sz="1200" dirty="0">
+              <a:latin typeface="Titillium Web" panose="00000500000000000000" pitchFamily="2" charset="0"/>
+              <a:sym typeface="Wingdings" panose="05000000000000000000" pitchFamily="2" charset="2"/>
+            </a:endParaRPr>
+          </a:p>
+          <a:p>
+            <a:pPr marL="1543050" lvl="3" indent="-171450">
+              <a:buFont typeface="Arial" panose="020B0604020202020204" pitchFamily="34" charset="0"/>
+              <a:buChar char="•"/>
+            </a:pPr>
+            <a:endParaRPr lang="es-ES" sz="1200" dirty="0">
+              <a:latin typeface="Titillium Web" panose="00000500000000000000" pitchFamily="2" charset="0"/>
+              <a:sym typeface="Wingdings" panose="05000000000000000000" pitchFamily="2" charset="2"/>
+            </a:endParaRPr>
+          </a:p>
+          <a:p>
+            <a:pPr marL="1543050" lvl="3" indent="-171450">
+              <a:buFont typeface="Arial" panose="020B0604020202020204" pitchFamily="34" charset="0"/>
+              <a:buChar char="•"/>
+            </a:pPr>
+            <a:endParaRPr lang="es-ES" sz="1200" dirty="0">
+              <a:latin typeface="Titillium Web" panose="00000500000000000000" pitchFamily="2" charset="0"/>
+              <a:sym typeface="Wingdings" panose="05000000000000000000" pitchFamily="2" charset="2"/>
+            </a:endParaRPr>
+          </a:p>
+          <a:p>
+            <a:pPr lvl="4"/>
+            <a:endParaRPr lang="es-ES" sz="1200" dirty="0">
+              <a:latin typeface="Titillium Web" panose="00000500000000000000" pitchFamily="2" charset="0"/>
+              <a:sym typeface="Wingdings" panose="05000000000000000000" pitchFamily="2" charset="2"/>
+            </a:endParaRPr>
+          </a:p>
+          <a:p>
+            <a:pPr marL="1085850" lvl="2" indent="-171450">
+              <a:buFont typeface="Arial" panose="020B0604020202020204" pitchFamily="34" charset="0"/>
+              <a:buChar char="•"/>
+            </a:pPr>
+            <a:endParaRPr lang="es-ES" sz="1200" dirty="0">
+              <a:latin typeface="Titillium Web" panose="00000500000000000000" pitchFamily="2" charset="0"/>
+              <a:sym typeface="Wingdings" panose="05000000000000000000" pitchFamily="2" charset="2"/>
+            </a:endParaRPr>
+          </a:p>
+          <a:p>
+            <a:pPr lvl="3"/>
+            <a:endParaRPr lang="es-ES" sz="1200" dirty="0">
+              <a:latin typeface="Titillium Web" panose="00000500000000000000" pitchFamily="2" charset="0"/>
+              <a:sym typeface="Wingdings" panose="05000000000000000000" pitchFamily="2" charset="2"/>
+            </a:endParaRPr>
+          </a:p>
+          <a:p>
+            <a:pPr lvl="3"/>
+            <a:endParaRPr lang="es-ES" sz="1200" dirty="0">
+              <a:latin typeface="Titillium Web" panose="00000500000000000000" pitchFamily="2" charset="0"/>
+              <a:sym typeface="Wingdings" panose="05000000000000000000" pitchFamily="2" charset="2"/>
+            </a:endParaRPr>
+          </a:p>
+          <a:p>
+            <a:pPr lvl="3"/>
+            <a:endParaRPr lang="es-ES" sz="1200" dirty="0">
+              <a:latin typeface="Titillium Web" panose="00000500000000000000" pitchFamily="2" charset="0"/>
+              <a:sym typeface="Wingdings" panose="05000000000000000000" pitchFamily="2" charset="2"/>
+            </a:endParaRPr>
+          </a:p>
+          <a:p>
+            <a:pPr marL="1543050" lvl="3" indent="-171450">
+              <a:buFont typeface="Arial" panose="020B0604020202020204" pitchFamily="34" charset="0"/>
+              <a:buChar char="•"/>
+            </a:pPr>
+            <a:endParaRPr lang="es-ES" sz="1200" dirty="0">
+              <a:latin typeface="Titillium Web" panose="00000500000000000000" pitchFamily="2" charset="0"/>
+              <a:sym typeface="Wingdings" panose="05000000000000000000" pitchFamily="2" charset="2"/>
+            </a:endParaRPr>
+          </a:p>
+          <a:p>
+            <a:pPr marL="1543050" lvl="3" indent="-171450">
+              <a:buFont typeface="Arial" panose="020B0604020202020204" pitchFamily="34" charset="0"/>
+              <a:buChar char="•"/>
+            </a:pPr>
+            <a:endParaRPr lang="es-ES" sz="1200" dirty="0">
+              <a:latin typeface="Titillium Web" panose="00000500000000000000" pitchFamily="2" charset="0"/>
+              <a:sym typeface="Wingdings" panose="05000000000000000000" pitchFamily="2" charset="2"/>
+            </a:endParaRPr>
+          </a:p>
+          <a:p>
+            <a:pPr lvl="3"/>
+            <a:endParaRPr lang="es-ES" sz="1200" dirty="0">
+              <a:latin typeface="Titillium Web" panose="00000500000000000000" pitchFamily="2" charset="0"/>
+              <a:sym typeface="Wingdings" panose="05000000000000000000" pitchFamily="2" charset="2"/>
+            </a:endParaRPr>
+          </a:p>
+          <a:p>
+            <a:pPr lvl="3"/>
+            <a:endParaRPr lang="es-ES" sz="1200" dirty="0">
+              <a:latin typeface="Titillium Web" panose="00000500000000000000" pitchFamily="2" charset="0"/>
+              <a:sym typeface="Wingdings" panose="05000000000000000000" pitchFamily="2" charset="2"/>
+            </a:endParaRPr>
+          </a:p>
+          <a:p>
+            <a:pPr lvl="3"/>
+            <a:endParaRPr lang="es-ES" sz="1200" dirty="0">
+              <a:latin typeface="Titillium Web" panose="00000500000000000000" pitchFamily="2" charset="0"/>
+              <a:sym typeface="Wingdings" panose="05000000000000000000" pitchFamily="2" charset="2"/>
+            </a:endParaRPr>
+          </a:p>
+          <a:p>
+            <a:pPr marL="1085850" lvl="2" indent="-171450">
+              <a:buFont typeface="Arial" panose="020B0604020202020204" pitchFamily="34" charset="0"/>
+              <a:buChar char="•"/>
+            </a:pPr>
+            <a:endParaRPr lang="es-ES" sz="1200" dirty="0">
+              <a:latin typeface="Titillium Web" panose="00000500000000000000" pitchFamily="2" charset="0"/>
+              <a:sym typeface="Wingdings" panose="05000000000000000000" pitchFamily="2" charset="2"/>
+            </a:endParaRPr>
+          </a:p>
+          <a:p>
+            <a:pPr marL="628650" lvl="1" indent="-171450">
+              <a:buFont typeface="Arial" panose="020B0604020202020204" pitchFamily="34" charset="0"/>
+              <a:buChar char="•"/>
+            </a:pPr>
+            <a:endParaRPr lang="es-ES" sz="1200" dirty="0">
+              <a:latin typeface="Titillium Web" panose="00000500000000000000" pitchFamily="2" charset="0"/>
+              <a:sym typeface="Wingdings" panose="05000000000000000000" pitchFamily="2" charset="2"/>
+            </a:endParaRPr>
+          </a:p>
+          <a:p>
+            <a:pPr lvl="1"/>
+            <a:endParaRPr lang="es-ES" sz="1200" dirty="0">
+              <a:latin typeface="Titillium Web" panose="00000500000000000000" pitchFamily="2" charset="0"/>
+              <a:sym typeface="Wingdings" panose="05000000000000000000" pitchFamily="2" charset="2"/>
+            </a:endParaRPr>
+          </a:p>
+          <a:p>
+            <a:pPr lvl="1"/>
+            <a:endParaRPr lang="es-ES" sz="1200" dirty="0">
+              <a:latin typeface="Titillium Web" panose="00000500000000000000" pitchFamily="2" charset="0"/>
+              <a:sym typeface="Wingdings" panose="05000000000000000000" pitchFamily="2" charset="2"/>
+            </a:endParaRPr>
+          </a:p>
+          <a:p>
+            <a:pPr marL="1085850" lvl="2" indent="-171450">
+              <a:buFont typeface="Arial" panose="020B0604020202020204" pitchFamily="34" charset="0"/>
+              <a:buChar char="•"/>
+            </a:pPr>
+            <a:endParaRPr lang="es-ES" sz="1200" dirty="0">
+              <a:latin typeface="Titillium Web" panose="00000500000000000000" pitchFamily="2" charset="0"/>
+              <a:sym typeface="Wingdings" panose="05000000000000000000" pitchFamily="2" charset="2"/>
+            </a:endParaRPr>
+          </a:p>
+          <a:p>
+            <a:pPr marL="1085850" lvl="2" indent="-171450">
+              <a:buFont typeface="Arial" panose="020B0604020202020204" pitchFamily="34" charset="0"/>
+              <a:buChar char="•"/>
+            </a:pPr>
+            <a:endParaRPr lang="es-ES" sz="1200" dirty="0">
+              <a:solidFill>
+                <a:schemeClr val="accent4">
+                  <a:lumMod val="60000"/>
+                  <a:lumOff val="40000"/>
+                </a:schemeClr>
+              </a:solidFill>
+            </a:endParaRPr>
+          </a:p>
+          <a:p>
+            <a:pPr lvl="1"/>
+            <a:br>
+              <a:rPr lang="es-ES" sz="1200" dirty="0">
+                <a:solidFill>
+                  <a:schemeClr val="accent4">
+                    <a:lumMod val="60000"/>
+                    <a:lumOff val="40000"/>
+                  </a:schemeClr>
+                </a:solidFill>
+              </a:rPr>
+            </a:br>
+            <a:endParaRPr lang="es-ES" sz="1200" dirty="0">
+              <a:solidFill>
+                <a:schemeClr val="accent4">
+                  <a:lumMod val="60000"/>
+                  <a:lumOff val="40000"/>
+                </a:schemeClr>
+              </a:solidFill>
+            </a:endParaRPr>
+          </a:p>
+          <a:p>
+            <a:pPr lvl="1"/>
+            <a:endParaRPr lang="es-ES" sz="1200" dirty="0">
+              <a:solidFill>
+                <a:schemeClr val="accent1">
+                  <a:lumMod val="40000"/>
+                  <a:lumOff val="60000"/>
+                </a:schemeClr>
+              </a:solidFill>
+              <a:latin typeface="Titillium Web" panose="00000500000000000000" pitchFamily="2" charset="0"/>
+            </a:endParaRPr>
+          </a:p>
+          <a:p>
+            <a:pPr lvl="1"/>
+            <a:endParaRPr lang="es-ES" sz="1200" b="0" i="0" dirty="0">
+              <a:solidFill>
+                <a:schemeClr val="accent4">
+                  <a:lumMod val="60000"/>
+                  <a:lumOff val="40000"/>
+                </a:schemeClr>
+              </a:solidFill>
+              <a:effectLst/>
+              <a:latin typeface="Titillium Web" panose="00000500000000000000" pitchFamily="2" charset="0"/>
+            </a:endParaRPr>
+          </a:p>
+        </p:txBody>
+      </p:sp>
+    </p:spTree>
+    <p:extLst>
+      <p:ext uri="{BB962C8B-B14F-4D97-AF65-F5344CB8AC3E}">
+        <p14:creationId xmlns:p14="http://schemas.microsoft.com/office/powerpoint/2010/main" val="3268326238"/>
+      </p:ext>
+    </p:extLst>
+  </p:cSld>
+  <p:clrMapOvr>
+    <a:masterClrMapping/>
+  </p:clrMapOvr>
+</p:sld>
+</file>
+
+<file path=ppt/slides/slide5.xml><?xml version="1.0" encoding="utf-8"?>
+<p:sld xmlns:a="http://schemas.openxmlformats.org/drawingml/2006/main" xmlns:r="http://schemas.openxmlformats.org/officeDocument/2006/relationships" xmlns:p="http://schemas.openxmlformats.org/presentationml/2006/main">
+  <p:cSld>
+    <p:spTree>
+      <p:nvGrpSpPr>
+        <p:cNvPr id="1" name=""/>
+        <p:cNvGrpSpPr/>
+        <p:nvPr/>
+      </p:nvGrpSpPr>
+      <p:grpSpPr>
+        <a:xfrm>
+          <a:off x="0" y="0"/>
+          <a:ext cx="0" cy="0"/>
+          <a:chOff x="0" y="0"/>
+          <a:chExt cx="0" cy="0"/>
+        </a:xfrm>
+      </p:grpSpPr>
+      <p:pic>
+        <p:nvPicPr>
+          <p:cNvPr id="1032" name="Picture 8" descr="Nuestro Equipo">
+            <a:extLst>
+              <a:ext uri="{FF2B5EF4-FFF2-40B4-BE49-F238E27FC236}">
+                <a16:creationId xmlns:a16="http://schemas.microsoft.com/office/drawing/2014/main" id="{9948F5C4-A11B-BB63-E587-6CEB747BDDEB}"/>
+              </a:ext>
+            </a:extLst>
+          </p:cNvPr>
+          <p:cNvPicPr>
+            <a:picLocks noChangeAspect="1" noChangeArrowheads="1"/>
+          </p:cNvPicPr>
+          <p:nvPr/>
+        </p:nvPicPr>
+        <p:blipFill>
+          <a:blip r:embed="rId3">
+            <a:extLst>
+              <a:ext uri="{28A0092B-C50C-407E-A947-70E740481C1C}">
+                <a14:useLocalDpi xmlns:a14="http://schemas.microsoft.com/office/drawing/2010/main" val="0"/>
+              </a:ext>
+            </a:extLst>
+          </a:blip>
+          <a:srcRect/>
+          <a:stretch>
+            <a:fillRect/>
+          </a:stretch>
+        </p:blipFill>
+        <p:spPr bwMode="auto">
+          <a:xfrm>
+            <a:off x="11003858" y="6068461"/>
+            <a:ext cx="675692" cy="675692"/>
+          </a:xfrm>
+          <a:prstGeom prst="rect">
+            <a:avLst/>
+          </a:prstGeom>
+          <a:noFill/>
+          <a:extLst>
+            <a:ext uri="{909E8E84-426E-40DD-AFC4-6F175D3DCCD1}">
+              <a14:hiddenFill xmlns:a14="http://schemas.microsoft.com/office/drawing/2010/main">
+                <a:solidFill>
+                  <a:srgbClr val="FFFFFF"/>
+                </a:solidFill>
+              </a14:hiddenFill>
+            </a:ext>
+          </a:extLst>
+        </p:spPr>
+      </p:pic>
+      <p:sp>
+        <p:nvSpPr>
+          <p:cNvPr id="3" name="CuadroTexto 2">
+            <a:extLst>
+              <a:ext uri="{FF2B5EF4-FFF2-40B4-BE49-F238E27FC236}">
+                <a16:creationId xmlns:a16="http://schemas.microsoft.com/office/drawing/2014/main" id="{D1FA320B-398B-F9F1-38EA-BAF5DD083F19}"/>
+              </a:ext>
+            </a:extLst>
+          </p:cNvPr>
+          <p:cNvSpPr txBox="1"/>
+          <p:nvPr/>
+        </p:nvSpPr>
+        <p:spPr>
+          <a:xfrm>
+            <a:off x="1253654" y="873506"/>
+            <a:ext cx="9079954" cy="2031325"/>
+          </a:xfrm>
+          <a:prstGeom prst="rect">
+            <a:avLst/>
+          </a:prstGeom>
+          <a:noFill/>
+        </p:spPr>
+        <p:txBody>
+          <a:bodyPr wrap="square" rtlCol="0">
+            <a:spAutoFit/>
+          </a:bodyPr>
+          <a:lstStyle/>
+          <a:p>
+            <a:r>
+              <a:rPr lang="es-ES" dirty="0"/>
+              <a:t>SPRING FRAMEWORK</a:t>
+            </a:r>
+          </a:p>
+          <a:p>
+            <a:pPr lvl="1"/>
+            <a:endParaRPr lang="es-ES" sz="1200" dirty="0">
+              <a:solidFill>
+                <a:srgbClr val="FF0000"/>
+              </a:solidFill>
+              <a:latin typeface="Titillium Web" panose="00000500000000000000" pitchFamily="2" charset="0"/>
+            </a:endParaRPr>
+          </a:p>
+          <a:p>
+            <a:pPr lvl="1"/>
+            <a:endParaRPr lang="es-ES" sz="1200" dirty="0">
+              <a:solidFill>
+                <a:schemeClr val="accent4">
+                  <a:lumMod val="60000"/>
+                  <a:lumOff val="40000"/>
+                </a:schemeClr>
+              </a:solidFill>
+              <a:latin typeface="Titillium Web" panose="00000500000000000000" pitchFamily="2" charset="0"/>
+            </a:endParaRPr>
+          </a:p>
+          <a:p>
+            <a:pPr lvl="1"/>
+            <a:r>
+              <a:rPr lang="es-ES" sz="1200" dirty="0">
+                <a:solidFill>
+                  <a:schemeClr val="accent4">
+                    <a:lumMod val="60000"/>
+                    <a:lumOff val="40000"/>
+                  </a:schemeClr>
+                </a:solidFill>
+                <a:latin typeface="Titillium Web" panose="00000500000000000000" pitchFamily="2" charset="0"/>
+              </a:rPr>
+              <a:t>ENTITY MANAGER</a:t>
+            </a:r>
+          </a:p>
+          <a:p>
+            <a:pPr lvl="1"/>
+            <a:endParaRPr lang="es-ES" sz="1200" dirty="0">
+              <a:solidFill>
+                <a:schemeClr val="accent4">
+                  <a:lumMod val="60000"/>
+                  <a:lumOff val="40000"/>
+                </a:schemeClr>
+              </a:solidFill>
+              <a:latin typeface="Titillium Web" panose="00000500000000000000" pitchFamily="2" charset="0"/>
+            </a:endParaRPr>
+          </a:p>
+          <a:p>
+            <a:pPr lvl="1"/>
+            <a:endParaRPr lang="es-ES" sz="1200" dirty="0">
+              <a:solidFill>
+                <a:schemeClr val="accent4">
+                  <a:lumMod val="60000"/>
+                  <a:lumOff val="40000"/>
+                </a:schemeClr>
+              </a:solidFill>
+            </a:endParaRPr>
+          </a:p>
+          <a:p>
+            <a:pPr lvl="1"/>
+            <a:br>
+              <a:rPr lang="es-ES" sz="1200" dirty="0">
+                <a:solidFill>
+                  <a:schemeClr val="accent4">
+                    <a:lumMod val="60000"/>
+                    <a:lumOff val="40000"/>
+                  </a:schemeClr>
+                </a:solidFill>
+              </a:rPr>
+            </a:br>
+            <a:endParaRPr lang="es-ES" sz="1200" dirty="0">
+              <a:solidFill>
+                <a:schemeClr val="accent4">
+                  <a:lumMod val="60000"/>
+                  <a:lumOff val="40000"/>
+                </a:schemeClr>
+              </a:solidFill>
+            </a:endParaRPr>
+          </a:p>
+          <a:p>
+            <a:pPr lvl="1"/>
+            <a:endParaRPr lang="es-ES" sz="1200" dirty="0">
+              <a:solidFill>
+                <a:schemeClr val="accent1">
+                  <a:lumMod val="40000"/>
+                  <a:lumOff val="60000"/>
+                </a:schemeClr>
+              </a:solidFill>
+              <a:latin typeface="Titillium Web" panose="00000500000000000000" pitchFamily="2" charset="0"/>
+            </a:endParaRPr>
+          </a:p>
+          <a:p>
+            <a:pPr lvl="1"/>
+            <a:endParaRPr lang="es-ES" sz="1200" b="0" i="0" dirty="0">
+              <a:solidFill>
+                <a:schemeClr val="accent4">
+                  <a:lumMod val="60000"/>
+                  <a:lumOff val="40000"/>
+                </a:schemeClr>
+              </a:solidFill>
+              <a:effectLst/>
+              <a:latin typeface="Titillium Web" panose="00000500000000000000" pitchFamily="2" charset="0"/>
+            </a:endParaRPr>
+          </a:p>
+        </p:txBody>
+      </p:sp>
+      <p:pic>
+        <p:nvPicPr>
+          <p:cNvPr id="5" name="Picture 2" descr="Spring | Home">
+            <a:extLst>
+              <a:ext uri="{FF2B5EF4-FFF2-40B4-BE49-F238E27FC236}">
+                <a16:creationId xmlns:a16="http://schemas.microsoft.com/office/drawing/2014/main" id="{6CBE6F06-F98A-B85B-B6AA-917CBDD1C2C3}"/>
+              </a:ext>
+            </a:extLst>
+          </p:cNvPr>
+          <p:cNvPicPr>
+            <a:picLocks noChangeAspect="1" noChangeArrowheads="1"/>
+          </p:cNvPicPr>
+          <p:nvPr/>
+        </p:nvPicPr>
+        <p:blipFill>
+          <a:blip r:embed="rId4">
+            <a:extLst>
+              <a:ext uri="{28A0092B-C50C-407E-A947-70E740481C1C}">
+                <a14:useLocalDpi xmlns:a14="http://schemas.microsoft.com/office/drawing/2010/main" val="0"/>
+              </a:ext>
+            </a:extLst>
+          </a:blip>
+          <a:srcRect/>
+          <a:stretch>
+            <a:fillRect/>
+          </a:stretch>
+        </p:blipFill>
+        <p:spPr bwMode="auto">
+          <a:xfrm>
+            <a:off x="10666011" y="5262959"/>
+            <a:ext cx="1351386" cy="675693"/>
+          </a:xfrm>
+          <a:prstGeom prst="rect">
+            <a:avLst/>
+          </a:prstGeom>
+          <a:noFill/>
+          <a:extLst>
+            <a:ext uri="{909E8E84-426E-40DD-AFC4-6F175D3DCCD1}">
+              <a14:hiddenFill xmlns:a14="http://schemas.microsoft.com/office/drawing/2010/main">
+                <a:solidFill>
+                  <a:srgbClr val="FFFFFF"/>
+                </a:solidFill>
+              </a14:hiddenFill>
+            </a:ext>
+          </a:extLst>
+        </p:spPr>
+      </p:pic>
+      <p:sp>
+        <p:nvSpPr>
+          <p:cNvPr id="4" name="CuadroTexto 3">
+            <a:extLst>
+              <a:ext uri="{FF2B5EF4-FFF2-40B4-BE49-F238E27FC236}">
+                <a16:creationId xmlns:a16="http://schemas.microsoft.com/office/drawing/2014/main" id="{3B55395C-1E46-7D7B-A131-18924C3DA0BA}"/>
+              </a:ext>
+            </a:extLst>
+          </p:cNvPr>
+          <p:cNvSpPr txBox="1"/>
+          <p:nvPr/>
+        </p:nvSpPr>
+        <p:spPr>
+          <a:xfrm>
+            <a:off x="1108957" y="1964353"/>
+            <a:ext cx="9079954" cy="6740307"/>
+          </a:xfrm>
+          <a:prstGeom prst="rect">
+            <a:avLst/>
+          </a:prstGeom>
+          <a:noFill/>
+        </p:spPr>
+        <p:txBody>
+          <a:bodyPr wrap="square" rtlCol="0">
+            <a:spAutoFit/>
+          </a:bodyPr>
+          <a:lstStyle/>
+          <a:p>
+            <a:pPr lvl="1"/>
+            <a:endParaRPr lang="es-ES" sz="1200" dirty="0">
+              <a:latin typeface="Titillium Web" panose="00000500000000000000" pitchFamily="2" charset="0"/>
+              <a:sym typeface="Wingdings" panose="05000000000000000000" pitchFamily="2" charset="2"/>
+            </a:endParaRPr>
+          </a:p>
+          <a:p>
+            <a:pPr lvl="1"/>
+            <a:r>
+              <a:rPr lang="es-ES" sz="1200" dirty="0">
+                <a:latin typeface="Titillium Web" panose="00000500000000000000" pitchFamily="2" charset="0"/>
+                <a:sym typeface="Wingdings" panose="05000000000000000000" pitchFamily="2" charset="2"/>
+              </a:rPr>
+              <a:t>¿Qué es?</a:t>
+            </a:r>
+          </a:p>
+          <a:p>
+            <a:pPr lvl="1"/>
+            <a:endParaRPr lang="es-ES" sz="1200" dirty="0">
+              <a:latin typeface="Titillium Web" panose="00000500000000000000" pitchFamily="2" charset="0"/>
+              <a:sym typeface="Wingdings" panose="05000000000000000000" pitchFamily="2" charset="2"/>
+            </a:endParaRPr>
+          </a:p>
+          <a:p>
+            <a:pPr lvl="1"/>
+            <a:endParaRPr lang="es-ES" sz="1200" dirty="0">
+              <a:latin typeface="Titillium Web" panose="00000500000000000000" pitchFamily="2" charset="0"/>
+              <a:sym typeface="Wingdings" panose="05000000000000000000" pitchFamily="2" charset="2"/>
+            </a:endParaRPr>
+          </a:p>
+          <a:p>
+            <a:pPr marL="2000250" lvl="4" indent="-171450">
+              <a:buFont typeface="Arial" panose="020B0604020202020204" pitchFamily="34" charset="0"/>
+              <a:buChar char="•"/>
+            </a:pPr>
+            <a:endParaRPr lang="es-ES" sz="1200" dirty="0">
+              <a:latin typeface="Titillium Web" panose="00000500000000000000" pitchFamily="2" charset="0"/>
+              <a:sym typeface="Wingdings" panose="05000000000000000000" pitchFamily="2" charset="2"/>
+            </a:endParaRPr>
+          </a:p>
+          <a:p>
+            <a:pPr marL="1085850" lvl="2" indent="-171450">
+              <a:buFont typeface="Arial" panose="020B0604020202020204" pitchFamily="34" charset="0"/>
+              <a:buChar char="•"/>
+            </a:pPr>
+            <a:r>
+              <a:rPr lang="es-ES" sz="1200" dirty="0" err="1">
+                <a:latin typeface="Titillium Web" panose="00000500000000000000" pitchFamily="2" charset="0"/>
+                <a:sym typeface="Wingdings" panose="05000000000000000000" pitchFamily="2" charset="2"/>
+              </a:rPr>
+              <a:t>CreateQuery</a:t>
+            </a:r>
+            <a:r>
+              <a:rPr lang="es-ES" sz="1200" dirty="0">
+                <a:latin typeface="Titillium Web" panose="00000500000000000000" pitchFamily="2" charset="0"/>
+                <a:sym typeface="Wingdings" panose="05000000000000000000" pitchFamily="2" charset="2"/>
+              </a:rPr>
+              <a:t>:</a:t>
+            </a:r>
+          </a:p>
+          <a:p>
+            <a:pPr marL="1085850" lvl="2" indent="-171450">
+              <a:buFont typeface="Arial" panose="020B0604020202020204" pitchFamily="34" charset="0"/>
+              <a:buChar char="•"/>
+            </a:pPr>
+            <a:endParaRPr lang="es-ES" sz="1200" dirty="0">
+              <a:latin typeface="Titillium Web" panose="00000500000000000000" pitchFamily="2" charset="0"/>
+              <a:sym typeface="Wingdings" panose="05000000000000000000" pitchFamily="2" charset="2"/>
+            </a:endParaRPr>
+          </a:p>
+          <a:p>
+            <a:pPr marL="1543050" lvl="3" indent="-171450">
+              <a:buFont typeface="Arial" panose="020B0604020202020204" pitchFamily="34" charset="0"/>
+              <a:buChar char="•"/>
+            </a:pPr>
+            <a:r>
+              <a:rPr lang="es-ES" sz="1200" dirty="0">
+                <a:latin typeface="Titillium Web" panose="00000500000000000000" pitchFamily="2" charset="0"/>
+                <a:sym typeface="Wingdings" panose="05000000000000000000" pitchFamily="2" charset="2"/>
+              </a:rPr>
+              <a:t>Es el método para crear consultas en lenguaje JPQL o SQL, dependiendo del proveedor de persistencia. Esta </a:t>
+            </a:r>
+            <a:r>
+              <a:rPr lang="es-ES" sz="1200" dirty="0" err="1">
+                <a:latin typeface="Titillium Web" panose="00000500000000000000" pitchFamily="2" charset="0"/>
+                <a:sym typeface="Wingdings" panose="05000000000000000000" pitchFamily="2" charset="2"/>
+              </a:rPr>
+              <a:t>funcion</a:t>
+            </a:r>
+            <a:r>
+              <a:rPr lang="es-ES" sz="1200" dirty="0">
+                <a:latin typeface="Titillium Web" panose="00000500000000000000" pitchFamily="2" charset="0"/>
+                <a:sym typeface="Wingdings" panose="05000000000000000000" pitchFamily="2" charset="2"/>
+              </a:rPr>
+              <a:t> te permite construir consultas para recuperar datos de la base de datos actualizar la información o realizar otras operaciones. </a:t>
+            </a:r>
+          </a:p>
+          <a:p>
+            <a:pPr marL="1543050" lvl="3" indent="-171450">
+              <a:buFont typeface="Arial" panose="020B0604020202020204" pitchFamily="34" charset="0"/>
+              <a:buChar char="•"/>
+            </a:pPr>
+            <a:endParaRPr lang="es-ES" sz="1200" dirty="0">
+              <a:latin typeface="Titillium Web" panose="00000500000000000000" pitchFamily="2" charset="0"/>
+              <a:sym typeface="Wingdings" panose="05000000000000000000" pitchFamily="2" charset="2"/>
+            </a:endParaRPr>
+          </a:p>
+          <a:p>
+            <a:pPr marL="1543050" lvl="3" indent="-171450">
+              <a:buFont typeface="Arial" panose="020B0604020202020204" pitchFamily="34" charset="0"/>
+              <a:buChar char="•"/>
+            </a:pPr>
+            <a:r>
+              <a:rPr lang="es-ES" sz="1200" dirty="0">
+                <a:latin typeface="Titillium Web" panose="00000500000000000000" pitchFamily="2" charset="0"/>
+                <a:sym typeface="Wingdings" panose="05000000000000000000" pitchFamily="2" charset="2"/>
+              </a:rPr>
+              <a:t>Nos podemos basar en esta nomenclatura:</a:t>
+            </a:r>
+          </a:p>
+          <a:p>
+            <a:pPr lvl="3"/>
+            <a:endParaRPr lang="es-ES" sz="1200" dirty="0">
+              <a:latin typeface="Titillium Web" panose="00000500000000000000" pitchFamily="2" charset="0"/>
+              <a:sym typeface="Wingdings" panose="05000000000000000000" pitchFamily="2" charset="2"/>
+            </a:endParaRPr>
+          </a:p>
+          <a:p>
+            <a:pPr marL="1543050" lvl="3" indent="-171450">
+              <a:buFont typeface="Arial" panose="020B0604020202020204" pitchFamily="34" charset="0"/>
+              <a:buChar char="•"/>
+            </a:pPr>
+            <a:endParaRPr lang="es-ES" sz="1200" dirty="0">
+              <a:latin typeface="Titillium Web" panose="00000500000000000000" pitchFamily="2" charset="0"/>
+              <a:sym typeface="Wingdings" panose="05000000000000000000" pitchFamily="2" charset="2"/>
+            </a:endParaRPr>
+          </a:p>
+          <a:p>
+            <a:pPr marL="1543050" lvl="3" indent="-171450">
+              <a:buFont typeface="Arial" panose="020B0604020202020204" pitchFamily="34" charset="0"/>
+              <a:buChar char="•"/>
+            </a:pPr>
+            <a:endParaRPr lang="es-ES" sz="1200" dirty="0">
+              <a:latin typeface="Titillium Web" panose="00000500000000000000" pitchFamily="2" charset="0"/>
+              <a:sym typeface="Wingdings" panose="05000000000000000000" pitchFamily="2" charset="2"/>
+            </a:endParaRPr>
+          </a:p>
+          <a:p>
+            <a:pPr marL="1543050" lvl="3" indent="-171450">
+              <a:buFont typeface="Arial" panose="020B0604020202020204" pitchFamily="34" charset="0"/>
+              <a:buChar char="•"/>
+            </a:pPr>
+            <a:endParaRPr lang="es-ES" sz="1200" dirty="0">
+              <a:latin typeface="Titillium Web" panose="00000500000000000000" pitchFamily="2" charset="0"/>
+              <a:sym typeface="Wingdings" panose="05000000000000000000" pitchFamily="2" charset="2"/>
+            </a:endParaRPr>
+          </a:p>
+          <a:p>
+            <a:pPr lvl="4"/>
+            <a:endParaRPr lang="es-ES" sz="1200" dirty="0">
+              <a:latin typeface="Titillium Web" panose="00000500000000000000" pitchFamily="2" charset="0"/>
+              <a:sym typeface="Wingdings" panose="05000000000000000000" pitchFamily="2" charset="2"/>
+            </a:endParaRPr>
+          </a:p>
+          <a:p>
+            <a:pPr marL="1085850" lvl="2" indent="-171450">
+              <a:buFont typeface="Arial" panose="020B0604020202020204" pitchFamily="34" charset="0"/>
+              <a:buChar char="•"/>
+            </a:pPr>
+            <a:endParaRPr lang="es-ES" sz="1200" dirty="0">
+              <a:latin typeface="Titillium Web" panose="00000500000000000000" pitchFamily="2" charset="0"/>
+              <a:sym typeface="Wingdings" panose="05000000000000000000" pitchFamily="2" charset="2"/>
+            </a:endParaRPr>
+          </a:p>
+          <a:p>
+            <a:pPr lvl="3"/>
+            <a:endParaRPr lang="es-ES" sz="1200" dirty="0">
+              <a:latin typeface="Titillium Web" panose="00000500000000000000" pitchFamily="2" charset="0"/>
+              <a:sym typeface="Wingdings" panose="05000000000000000000" pitchFamily="2" charset="2"/>
+            </a:endParaRPr>
+          </a:p>
+          <a:p>
+            <a:pPr lvl="3"/>
+            <a:endParaRPr lang="es-ES" sz="1200" dirty="0">
+              <a:latin typeface="Titillium Web" panose="00000500000000000000" pitchFamily="2" charset="0"/>
+              <a:sym typeface="Wingdings" panose="05000000000000000000" pitchFamily="2" charset="2"/>
+            </a:endParaRPr>
+          </a:p>
+          <a:p>
+            <a:pPr lvl="3"/>
+            <a:endParaRPr lang="es-ES" sz="1200" dirty="0">
+              <a:latin typeface="Titillium Web" panose="00000500000000000000" pitchFamily="2" charset="0"/>
+              <a:sym typeface="Wingdings" panose="05000000000000000000" pitchFamily="2" charset="2"/>
+            </a:endParaRPr>
+          </a:p>
+          <a:p>
+            <a:pPr marL="1543050" lvl="3" indent="-171450">
+              <a:buFont typeface="Arial" panose="020B0604020202020204" pitchFamily="34" charset="0"/>
+              <a:buChar char="•"/>
+            </a:pPr>
+            <a:endParaRPr lang="es-ES" sz="1200" dirty="0">
+              <a:latin typeface="Titillium Web" panose="00000500000000000000" pitchFamily="2" charset="0"/>
+              <a:sym typeface="Wingdings" panose="05000000000000000000" pitchFamily="2" charset="2"/>
+            </a:endParaRPr>
+          </a:p>
+          <a:p>
+            <a:pPr marL="1543050" lvl="3" indent="-171450">
+              <a:buFont typeface="Arial" panose="020B0604020202020204" pitchFamily="34" charset="0"/>
+              <a:buChar char="•"/>
+            </a:pPr>
+            <a:endParaRPr lang="es-ES" sz="1200" dirty="0">
+              <a:latin typeface="Titillium Web" panose="00000500000000000000" pitchFamily="2" charset="0"/>
+              <a:sym typeface="Wingdings" panose="05000000000000000000" pitchFamily="2" charset="2"/>
+            </a:endParaRPr>
+          </a:p>
+          <a:p>
+            <a:pPr lvl="3"/>
+            <a:endParaRPr lang="es-ES" sz="1200" dirty="0">
+              <a:latin typeface="Titillium Web" panose="00000500000000000000" pitchFamily="2" charset="0"/>
+              <a:sym typeface="Wingdings" panose="05000000000000000000" pitchFamily="2" charset="2"/>
+            </a:endParaRPr>
+          </a:p>
+          <a:p>
+            <a:pPr lvl="3"/>
+            <a:endParaRPr lang="es-ES" sz="1200" dirty="0">
+              <a:latin typeface="Titillium Web" panose="00000500000000000000" pitchFamily="2" charset="0"/>
+              <a:sym typeface="Wingdings" panose="05000000000000000000" pitchFamily="2" charset="2"/>
+            </a:endParaRPr>
+          </a:p>
+          <a:p>
+            <a:pPr lvl="3"/>
+            <a:endParaRPr lang="es-ES" sz="1200" dirty="0">
+              <a:latin typeface="Titillium Web" panose="00000500000000000000" pitchFamily="2" charset="0"/>
+              <a:sym typeface="Wingdings" panose="05000000000000000000" pitchFamily="2" charset="2"/>
+            </a:endParaRPr>
+          </a:p>
+          <a:p>
+            <a:pPr marL="1085850" lvl="2" indent="-171450">
+              <a:buFont typeface="Arial" panose="020B0604020202020204" pitchFamily="34" charset="0"/>
+              <a:buChar char="•"/>
+            </a:pPr>
+            <a:endParaRPr lang="es-ES" sz="1200" dirty="0">
+              <a:latin typeface="Titillium Web" panose="00000500000000000000" pitchFamily="2" charset="0"/>
+              <a:sym typeface="Wingdings" panose="05000000000000000000" pitchFamily="2" charset="2"/>
+            </a:endParaRPr>
+          </a:p>
+          <a:p>
+            <a:pPr marL="628650" lvl="1" indent="-171450">
+              <a:buFont typeface="Arial" panose="020B0604020202020204" pitchFamily="34" charset="0"/>
+              <a:buChar char="•"/>
+            </a:pPr>
+            <a:endParaRPr lang="es-ES" sz="1200" dirty="0">
+              <a:latin typeface="Titillium Web" panose="00000500000000000000" pitchFamily="2" charset="0"/>
+              <a:sym typeface="Wingdings" panose="05000000000000000000" pitchFamily="2" charset="2"/>
+            </a:endParaRPr>
+          </a:p>
+          <a:p>
+            <a:pPr lvl="1"/>
+            <a:endParaRPr lang="es-ES" sz="1200" dirty="0">
+              <a:latin typeface="Titillium Web" panose="00000500000000000000" pitchFamily="2" charset="0"/>
+              <a:sym typeface="Wingdings" panose="05000000000000000000" pitchFamily="2" charset="2"/>
+            </a:endParaRPr>
+          </a:p>
+          <a:p>
+            <a:pPr lvl="1"/>
+            <a:endParaRPr lang="es-ES" sz="1200" dirty="0">
+              <a:latin typeface="Titillium Web" panose="00000500000000000000" pitchFamily="2" charset="0"/>
+              <a:sym typeface="Wingdings" panose="05000000000000000000" pitchFamily="2" charset="2"/>
+            </a:endParaRPr>
+          </a:p>
+          <a:p>
+            <a:pPr marL="1085850" lvl="2" indent="-171450">
+              <a:buFont typeface="Arial" panose="020B0604020202020204" pitchFamily="34" charset="0"/>
+              <a:buChar char="•"/>
+            </a:pPr>
+            <a:endParaRPr lang="es-ES" sz="1200" dirty="0">
+              <a:latin typeface="Titillium Web" panose="00000500000000000000" pitchFamily="2" charset="0"/>
+              <a:sym typeface="Wingdings" panose="05000000000000000000" pitchFamily="2" charset="2"/>
+            </a:endParaRPr>
+          </a:p>
+          <a:p>
+            <a:pPr marL="1085850" lvl="2" indent="-171450">
+              <a:buFont typeface="Arial" panose="020B0604020202020204" pitchFamily="34" charset="0"/>
+              <a:buChar char="•"/>
+            </a:pPr>
+            <a:endParaRPr lang="es-ES" sz="1200" dirty="0">
+              <a:solidFill>
+                <a:schemeClr val="accent4">
+                  <a:lumMod val="60000"/>
+                  <a:lumOff val="40000"/>
+                </a:schemeClr>
+              </a:solidFill>
+            </a:endParaRPr>
+          </a:p>
+          <a:p>
+            <a:pPr lvl="1"/>
+            <a:br>
+              <a:rPr lang="es-ES" sz="1200" dirty="0">
+                <a:solidFill>
+                  <a:schemeClr val="accent4">
+                    <a:lumMod val="60000"/>
+                    <a:lumOff val="40000"/>
+                  </a:schemeClr>
+                </a:solidFill>
+              </a:rPr>
+            </a:br>
+            <a:endParaRPr lang="es-ES" sz="1200" dirty="0">
+              <a:solidFill>
+                <a:schemeClr val="accent4">
+                  <a:lumMod val="60000"/>
+                  <a:lumOff val="40000"/>
+                </a:schemeClr>
+              </a:solidFill>
+            </a:endParaRPr>
+          </a:p>
+          <a:p>
+            <a:pPr lvl="1"/>
+            <a:endParaRPr lang="es-ES" sz="1200" dirty="0">
+              <a:solidFill>
+                <a:schemeClr val="accent1">
+                  <a:lumMod val="40000"/>
+                  <a:lumOff val="60000"/>
+                </a:schemeClr>
+              </a:solidFill>
+              <a:latin typeface="Titillium Web" panose="00000500000000000000" pitchFamily="2" charset="0"/>
+            </a:endParaRPr>
+          </a:p>
+          <a:p>
+            <a:pPr lvl="1"/>
+            <a:endParaRPr lang="es-ES" sz="1200" b="0" i="0" dirty="0">
+              <a:solidFill>
+                <a:schemeClr val="accent4">
+                  <a:lumMod val="60000"/>
+                  <a:lumOff val="40000"/>
+                </a:schemeClr>
+              </a:solidFill>
+              <a:effectLst/>
+              <a:latin typeface="Titillium Web" panose="00000500000000000000" pitchFamily="2" charset="0"/>
+            </a:endParaRPr>
+          </a:p>
+        </p:txBody>
+      </p:sp>
+      <p:pic>
+        <p:nvPicPr>
+          <p:cNvPr id="6" name="Imagen 5">
+            <a:extLst>
+              <a:ext uri="{FF2B5EF4-FFF2-40B4-BE49-F238E27FC236}">
+                <a16:creationId xmlns:a16="http://schemas.microsoft.com/office/drawing/2014/main" id="{81A16AE3-CFFE-04E0-04AF-9498AC44C230}"/>
+              </a:ext>
+            </a:extLst>
+          </p:cNvPr>
+          <p:cNvPicPr>
+            <a:picLocks noChangeAspect="1"/>
+          </p:cNvPicPr>
+          <p:nvPr/>
+        </p:nvPicPr>
+        <p:blipFill>
+          <a:blip r:embed="rId5"/>
+          <a:stretch>
+            <a:fillRect/>
+          </a:stretch>
+        </p:blipFill>
+        <p:spPr>
+          <a:xfrm>
+            <a:off x="2584529" y="4294142"/>
+            <a:ext cx="8354591" cy="1228896"/>
+          </a:xfrm>
+          <a:prstGeom prst="rect">
+            <a:avLst/>
+          </a:prstGeom>
+        </p:spPr>
+      </p:pic>
+    </p:spTree>
+    <p:extLst>
+      <p:ext uri="{BB962C8B-B14F-4D97-AF65-F5344CB8AC3E}">
+        <p14:creationId xmlns:p14="http://schemas.microsoft.com/office/powerpoint/2010/main" val="386207493"/>
+      </p:ext>
+    </p:extLst>
+  </p:cSld>
+  <p:clrMapOvr>
+    <a:masterClrMapping/>
+  </p:clrMapOvr>
+</p:sld>
+</file>
+
+<file path=ppt/slides/slide6.xml><?xml version="1.0" encoding="utf-8"?>
+<p:sld xmlns:a="http://schemas.openxmlformats.org/drawingml/2006/main" xmlns:r="http://schemas.openxmlformats.org/officeDocument/2006/relationships" xmlns:p="http://schemas.openxmlformats.org/presentationml/2006/main">
+  <p:cSld>
+    <p:spTree>
+      <p:nvGrpSpPr>
+        <p:cNvPr id="1" name=""/>
+        <p:cNvGrpSpPr/>
+        <p:nvPr/>
+      </p:nvGrpSpPr>
+      <p:grpSpPr>
+        <a:xfrm>
+          <a:off x="0" y="0"/>
+          <a:ext cx="0" cy="0"/>
+          <a:chOff x="0" y="0"/>
+          <a:chExt cx="0" cy="0"/>
+        </a:xfrm>
+      </p:grpSpPr>
+      <p:pic>
+        <p:nvPicPr>
+          <p:cNvPr id="1032" name="Picture 8" descr="Nuestro Equipo">
+            <a:extLst>
+              <a:ext uri="{FF2B5EF4-FFF2-40B4-BE49-F238E27FC236}">
+                <a16:creationId xmlns:a16="http://schemas.microsoft.com/office/drawing/2014/main" id="{9948F5C4-A11B-BB63-E587-6CEB747BDDEB}"/>
+              </a:ext>
+            </a:extLst>
+          </p:cNvPr>
+          <p:cNvPicPr>
+            <a:picLocks noChangeAspect="1" noChangeArrowheads="1"/>
+          </p:cNvPicPr>
+          <p:nvPr/>
+        </p:nvPicPr>
+        <p:blipFill>
+          <a:blip r:embed="rId3">
+            <a:extLst>
+              <a:ext uri="{28A0092B-C50C-407E-A947-70E740481C1C}">
+                <a14:useLocalDpi xmlns:a14="http://schemas.microsoft.com/office/drawing/2010/main" val="0"/>
+              </a:ext>
+            </a:extLst>
+          </a:blip>
+          <a:srcRect/>
+          <a:stretch>
+            <a:fillRect/>
+          </a:stretch>
+        </p:blipFill>
+        <p:spPr bwMode="auto">
+          <a:xfrm>
+            <a:off x="11003858" y="6068461"/>
+            <a:ext cx="675692" cy="675692"/>
+          </a:xfrm>
+          <a:prstGeom prst="rect">
+            <a:avLst/>
+          </a:prstGeom>
+          <a:noFill/>
+          <a:extLst>
+            <a:ext uri="{909E8E84-426E-40DD-AFC4-6F175D3DCCD1}">
+              <a14:hiddenFill xmlns:a14="http://schemas.microsoft.com/office/drawing/2010/main">
+                <a:solidFill>
+                  <a:srgbClr val="FFFFFF"/>
+                </a:solidFill>
+              </a14:hiddenFill>
+            </a:ext>
+          </a:extLst>
+        </p:spPr>
+      </p:pic>
+      <p:sp>
+        <p:nvSpPr>
+          <p:cNvPr id="3" name="CuadroTexto 2">
+            <a:extLst>
+              <a:ext uri="{FF2B5EF4-FFF2-40B4-BE49-F238E27FC236}">
+                <a16:creationId xmlns:a16="http://schemas.microsoft.com/office/drawing/2014/main" id="{D1FA320B-398B-F9F1-38EA-BAF5DD083F19}"/>
+              </a:ext>
+            </a:extLst>
+          </p:cNvPr>
+          <p:cNvSpPr txBox="1"/>
+          <p:nvPr/>
+        </p:nvSpPr>
+        <p:spPr>
+          <a:xfrm>
+            <a:off x="1253654" y="873506"/>
+            <a:ext cx="9079954" cy="2031325"/>
+          </a:xfrm>
+          <a:prstGeom prst="rect">
+            <a:avLst/>
+          </a:prstGeom>
+          <a:noFill/>
+        </p:spPr>
+        <p:txBody>
+          <a:bodyPr wrap="square" rtlCol="0">
+            <a:spAutoFit/>
+          </a:bodyPr>
+          <a:lstStyle/>
+          <a:p>
+            <a:r>
+              <a:rPr lang="es-ES" dirty="0"/>
+              <a:t>SPRING FRAMEWORK</a:t>
+            </a:r>
+          </a:p>
+          <a:p>
+            <a:pPr lvl="1"/>
+            <a:endParaRPr lang="es-ES" sz="1200" dirty="0">
+              <a:solidFill>
+                <a:srgbClr val="FF0000"/>
+              </a:solidFill>
+              <a:latin typeface="Titillium Web" panose="00000500000000000000" pitchFamily="2" charset="0"/>
+            </a:endParaRPr>
+          </a:p>
+          <a:p>
+            <a:pPr lvl="1"/>
+            <a:endParaRPr lang="es-ES" sz="1200" dirty="0">
+              <a:solidFill>
+                <a:schemeClr val="accent4">
+                  <a:lumMod val="60000"/>
+                  <a:lumOff val="40000"/>
+                </a:schemeClr>
+              </a:solidFill>
+              <a:latin typeface="Titillium Web" panose="00000500000000000000" pitchFamily="2" charset="0"/>
+            </a:endParaRPr>
+          </a:p>
+          <a:p>
+            <a:pPr lvl="1"/>
+            <a:r>
+              <a:rPr lang="es-ES" sz="1200" dirty="0">
+                <a:solidFill>
+                  <a:schemeClr val="accent4">
+                    <a:lumMod val="60000"/>
+                    <a:lumOff val="40000"/>
+                  </a:schemeClr>
+                </a:solidFill>
+                <a:latin typeface="Titillium Web" panose="00000500000000000000" pitchFamily="2" charset="0"/>
+              </a:rPr>
+              <a:t>ENTITY MANAGER</a:t>
+            </a:r>
+          </a:p>
+          <a:p>
+            <a:pPr lvl="1"/>
+            <a:endParaRPr lang="es-ES" sz="1200" dirty="0">
+              <a:solidFill>
+                <a:schemeClr val="accent4">
+                  <a:lumMod val="60000"/>
+                  <a:lumOff val="40000"/>
+                </a:schemeClr>
+              </a:solidFill>
+              <a:latin typeface="Titillium Web" panose="00000500000000000000" pitchFamily="2" charset="0"/>
+            </a:endParaRPr>
+          </a:p>
+          <a:p>
+            <a:pPr lvl="1"/>
+            <a:endParaRPr lang="es-ES" sz="1200" dirty="0">
+              <a:solidFill>
+                <a:schemeClr val="accent4">
+                  <a:lumMod val="60000"/>
+                  <a:lumOff val="40000"/>
+                </a:schemeClr>
+              </a:solidFill>
+            </a:endParaRPr>
+          </a:p>
+          <a:p>
+            <a:pPr lvl="1"/>
+            <a:br>
+              <a:rPr lang="es-ES" sz="1200" dirty="0">
+                <a:solidFill>
+                  <a:schemeClr val="accent4">
+                    <a:lumMod val="60000"/>
+                    <a:lumOff val="40000"/>
+                  </a:schemeClr>
+                </a:solidFill>
+              </a:rPr>
+            </a:br>
+            <a:endParaRPr lang="es-ES" sz="1200" dirty="0">
+              <a:solidFill>
+                <a:schemeClr val="accent4">
+                  <a:lumMod val="60000"/>
+                  <a:lumOff val="40000"/>
+                </a:schemeClr>
+              </a:solidFill>
+            </a:endParaRPr>
+          </a:p>
+          <a:p>
+            <a:pPr lvl="1"/>
+            <a:endParaRPr lang="es-ES" sz="1200" dirty="0">
+              <a:solidFill>
+                <a:schemeClr val="accent1">
+                  <a:lumMod val="40000"/>
+                  <a:lumOff val="60000"/>
+                </a:schemeClr>
+              </a:solidFill>
+              <a:latin typeface="Titillium Web" panose="00000500000000000000" pitchFamily="2" charset="0"/>
+            </a:endParaRPr>
+          </a:p>
+          <a:p>
+            <a:pPr lvl="1"/>
+            <a:endParaRPr lang="es-ES" sz="1200" b="0" i="0" dirty="0">
+              <a:solidFill>
+                <a:schemeClr val="accent4">
+                  <a:lumMod val="60000"/>
+                  <a:lumOff val="40000"/>
+                </a:schemeClr>
+              </a:solidFill>
+              <a:effectLst/>
+              <a:latin typeface="Titillium Web" panose="00000500000000000000" pitchFamily="2" charset="0"/>
+            </a:endParaRPr>
+          </a:p>
+        </p:txBody>
+      </p:sp>
+      <p:pic>
+        <p:nvPicPr>
+          <p:cNvPr id="5" name="Picture 2" descr="Spring | Home">
+            <a:extLst>
+              <a:ext uri="{FF2B5EF4-FFF2-40B4-BE49-F238E27FC236}">
+                <a16:creationId xmlns:a16="http://schemas.microsoft.com/office/drawing/2014/main" id="{6CBE6F06-F98A-B85B-B6AA-917CBDD1C2C3}"/>
+              </a:ext>
+            </a:extLst>
+          </p:cNvPr>
+          <p:cNvPicPr>
+            <a:picLocks noChangeAspect="1" noChangeArrowheads="1"/>
+          </p:cNvPicPr>
+          <p:nvPr/>
+        </p:nvPicPr>
+        <p:blipFill>
+          <a:blip r:embed="rId4">
+            <a:extLst>
+              <a:ext uri="{28A0092B-C50C-407E-A947-70E740481C1C}">
+                <a14:useLocalDpi xmlns:a14="http://schemas.microsoft.com/office/drawing/2010/main" val="0"/>
+              </a:ext>
+            </a:extLst>
+          </a:blip>
+          <a:srcRect/>
+          <a:stretch>
+            <a:fillRect/>
+          </a:stretch>
+        </p:blipFill>
+        <p:spPr bwMode="auto">
+          <a:xfrm>
+            <a:off x="10666011" y="5262959"/>
+            <a:ext cx="1351386" cy="675693"/>
+          </a:xfrm>
+          <a:prstGeom prst="rect">
+            <a:avLst/>
+          </a:prstGeom>
+          <a:noFill/>
+          <a:extLst>
+            <a:ext uri="{909E8E84-426E-40DD-AFC4-6F175D3DCCD1}">
+              <a14:hiddenFill xmlns:a14="http://schemas.microsoft.com/office/drawing/2010/main">
+                <a:solidFill>
+                  <a:srgbClr val="FFFFFF"/>
+                </a:solidFill>
+              </a14:hiddenFill>
+            </a:ext>
+          </a:extLst>
+        </p:spPr>
+      </p:pic>
+      <p:sp>
+        <p:nvSpPr>
+          <p:cNvPr id="4" name="CuadroTexto 3">
+            <a:extLst>
+              <a:ext uri="{FF2B5EF4-FFF2-40B4-BE49-F238E27FC236}">
+                <a16:creationId xmlns:a16="http://schemas.microsoft.com/office/drawing/2014/main" id="{3B55395C-1E46-7D7B-A131-18924C3DA0BA}"/>
+              </a:ext>
+            </a:extLst>
+          </p:cNvPr>
+          <p:cNvSpPr txBox="1"/>
+          <p:nvPr/>
+        </p:nvSpPr>
+        <p:spPr>
+          <a:xfrm>
+            <a:off x="1108957" y="1964353"/>
+            <a:ext cx="9079954" cy="6740307"/>
+          </a:xfrm>
+          <a:prstGeom prst="rect">
+            <a:avLst/>
+          </a:prstGeom>
+          <a:noFill/>
+        </p:spPr>
+        <p:txBody>
+          <a:bodyPr wrap="square" rtlCol="0">
+            <a:spAutoFit/>
+          </a:bodyPr>
+          <a:lstStyle/>
+          <a:p>
+            <a:pPr lvl="1"/>
+            <a:endParaRPr lang="es-ES" sz="1200" dirty="0">
+              <a:latin typeface="Titillium Web" panose="00000500000000000000" pitchFamily="2" charset="0"/>
+              <a:sym typeface="Wingdings" panose="05000000000000000000" pitchFamily="2" charset="2"/>
+            </a:endParaRPr>
+          </a:p>
+          <a:p>
+            <a:pPr lvl="1"/>
+            <a:r>
+              <a:rPr lang="es-ES" sz="1200" dirty="0">
+                <a:latin typeface="Titillium Web" panose="00000500000000000000" pitchFamily="2" charset="0"/>
+                <a:sym typeface="Wingdings" panose="05000000000000000000" pitchFamily="2" charset="2"/>
+              </a:rPr>
+              <a:t>¿Qué es?</a:t>
+            </a:r>
+          </a:p>
+          <a:p>
+            <a:pPr marL="2000250" lvl="4" indent="-171450">
+              <a:buFont typeface="Arial" panose="020B0604020202020204" pitchFamily="34" charset="0"/>
+              <a:buChar char="•"/>
+            </a:pPr>
+            <a:endParaRPr lang="es-ES" sz="1200" dirty="0">
+              <a:solidFill>
+                <a:srgbClr val="FF0000"/>
+              </a:solidFill>
+              <a:latin typeface="Titillium Web" panose="00000500000000000000" pitchFamily="2" charset="0"/>
+              <a:sym typeface="Wingdings" panose="05000000000000000000" pitchFamily="2" charset="2"/>
+            </a:endParaRPr>
+          </a:p>
+          <a:p>
+            <a:pPr marL="1085850" lvl="2" indent="-171450">
+              <a:buFont typeface="Arial" panose="020B0604020202020204" pitchFamily="34" charset="0"/>
+              <a:buChar char="•"/>
+            </a:pPr>
+            <a:r>
+              <a:rPr lang="es-ES" sz="1200" dirty="0" err="1">
+                <a:solidFill>
+                  <a:srgbClr val="FF0000"/>
+                </a:solidFill>
+                <a:latin typeface="Titillium Web" panose="00000500000000000000" pitchFamily="2" charset="0"/>
+                <a:sym typeface="Wingdings" panose="05000000000000000000" pitchFamily="2" charset="2"/>
+              </a:rPr>
+              <a:t>CreateQuery</a:t>
+            </a:r>
+            <a:endParaRPr lang="es-ES" sz="1200" dirty="0">
+              <a:solidFill>
+                <a:srgbClr val="FF0000"/>
+              </a:solidFill>
+              <a:latin typeface="Titillium Web" panose="00000500000000000000" pitchFamily="2" charset="0"/>
+              <a:sym typeface="Wingdings" panose="05000000000000000000" pitchFamily="2" charset="2"/>
+            </a:endParaRPr>
+          </a:p>
+          <a:p>
+            <a:pPr lvl="3"/>
+            <a:endParaRPr lang="es-ES" sz="1200" dirty="0">
+              <a:latin typeface="Titillium Web" panose="00000500000000000000" pitchFamily="2" charset="0"/>
+              <a:sym typeface="Wingdings" panose="05000000000000000000" pitchFamily="2" charset="2"/>
+            </a:endParaRPr>
+          </a:p>
+          <a:p>
+            <a:pPr marL="1543050" lvl="3" indent="-171450">
+              <a:buFont typeface="Arial" panose="020B0604020202020204" pitchFamily="34" charset="0"/>
+              <a:buChar char="•"/>
+            </a:pPr>
+            <a:r>
+              <a:rPr lang="es-ES" sz="1200" dirty="0">
+                <a:latin typeface="Titillium Web" panose="00000500000000000000" pitchFamily="2" charset="0"/>
+                <a:sym typeface="Wingdings" panose="05000000000000000000" pitchFamily="2" charset="2"/>
+              </a:rPr>
+              <a:t>En el caso de que tengamos que añadir parámetros a una consulta, utilizaremos el </a:t>
+            </a:r>
+            <a:r>
+              <a:rPr lang="es-ES" sz="1200" dirty="0" err="1">
+                <a:latin typeface="Titillium Web" panose="00000500000000000000" pitchFamily="2" charset="0"/>
+                <a:sym typeface="Wingdings" panose="05000000000000000000" pitchFamily="2" charset="2"/>
+              </a:rPr>
+              <a:t>setParameter</a:t>
+            </a:r>
+            <a:r>
+              <a:rPr lang="es-ES" sz="1200" dirty="0">
+                <a:latin typeface="Titillium Web" panose="00000500000000000000" pitchFamily="2" charset="0"/>
+                <a:sym typeface="Wingdings" panose="05000000000000000000" pitchFamily="2" charset="2"/>
+              </a:rPr>
+              <a:t>(“nombre”, </a:t>
+            </a:r>
+            <a:r>
+              <a:rPr lang="es-ES" sz="1200" dirty="0" err="1">
+                <a:latin typeface="Titillium Web" panose="00000500000000000000" pitchFamily="2" charset="0"/>
+                <a:sym typeface="Wingdings" panose="05000000000000000000" pitchFamily="2" charset="2"/>
+              </a:rPr>
+              <a:t>nombre_java</a:t>
+            </a:r>
+            <a:r>
+              <a:rPr lang="es-ES" sz="1200" dirty="0">
+                <a:latin typeface="Titillium Web" panose="00000500000000000000" pitchFamily="2" charset="0"/>
+                <a:sym typeface="Wingdings" panose="05000000000000000000" pitchFamily="2" charset="2"/>
+              </a:rPr>
+              <a:t>). Los parámetros en la </a:t>
+            </a:r>
+            <a:r>
+              <a:rPr lang="es-ES" sz="1200" dirty="0" err="1">
+                <a:latin typeface="Titillium Web" panose="00000500000000000000" pitchFamily="2" charset="0"/>
+                <a:sym typeface="Wingdings" panose="05000000000000000000" pitchFamily="2" charset="2"/>
+              </a:rPr>
+              <a:t>Query</a:t>
+            </a:r>
+            <a:r>
+              <a:rPr lang="es-ES" sz="1200" dirty="0">
+                <a:latin typeface="Titillium Web" panose="00000500000000000000" pitchFamily="2" charset="0"/>
+                <a:sym typeface="Wingdings" panose="05000000000000000000" pitchFamily="2" charset="2"/>
+              </a:rPr>
+              <a:t> se usarán con el : </a:t>
+            </a:r>
+            <a:r>
+              <a:rPr lang="es-ES" sz="1200" dirty="0" err="1">
+                <a:solidFill>
+                  <a:schemeClr val="accent4">
+                    <a:lumMod val="60000"/>
+                    <a:lumOff val="40000"/>
+                  </a:schemeClr>
+                </a:solidFill>
+                <a:latin typeface="Titillium Web" panose="00000500000000000000" pitchFamily="2" charset="0"/>
+                <a:sym typeface="Wingdings" panose="05000000000000000000" pitchFamily="2" charset="2"/>
+              </a:rPr>
+              <a:t>Nombre_parametros</a:t>
+            </a:r>
+            <a:endParaRPr lang="es-ES" sz="1200" dirty="0">
+              <a:solidFill>
+                <a:schemeClr val="accent4">
+                  <a:lumMod val="60000"/>
+                  <a:lumOff val="40000"/>
+                </a:schemeClr>
+              </a:solidFill>
+              <a:latin typeface="Titillium Web" panose="00000500000000000000" pitchFamily="2" charset="0"/>
+              <a:sym typeface="Wingdings" panose="05000000000000000000" pitchFamily="2" charset="2"/>
+            </a:endParaRPr>
+          </a:p>
+          <a:p>
+            <a:pPr marL="1543050" lvl="3" indent="-171450">
+              <a:buFont typeface="Arial" panose="020B0604020202020204" pitchFamily="34" charset="0"/>
+              <a:buChar char="•"/>
+            </a:pPr>
+            <a:endParaRPr lang="es-ES" sz="1200" dirty="0">
+              <a:latin typeface="Titillium Web" panose="00000500000000000000" pitchFamily="2" charset="0"/>
+              <a:sym typeface="Wingdings" panose="05000000000000000000" pitchFamily="2" charset="2"/>
+            </a:endParaRPr>
+          </a:p>
+          <a:p>
+            <a:pPr lvl="3"/>
+            <a:r>
+              <a:rPr lang="es-ES" sz="1200" dirty="0">
+                <a:latin typeface="Titillium Web" panose="00000500000000000000" pitchFamily="2" charset="0"/>
+                <a:sym typeface="Wingdings" panose="05000000000000000000" pitchFamily="2" charset="2"/>
+              </a:rPr>
+              <a:t>Vemos un ejemplo:</a:t>
+            </a:r>
+          </a:p>
+          <a:p>
+            <a:pPr lvl="3"/>
+            <a:endParaRPr lang="es-ES" sz="1200" dirty="0">
+              <a:latin typeface="Titillium Web" panose="00000500000000000000" pitchFamily="2" charset="0"/>
+              <a:sym typeface="Wingdings" panose="05000000000000000000" pitchFamily="2" charset="2"/>
+            </a:endParaRPr>
+          </a:p>
+          <a:p>
+            <a:pPr marL="1543050" lvl="3" indent="-171450">
+              <a:buFont typeface="Arial" panose="020B0604020202020204" pitchFamily="34" charset="0"/>
+              <a:buChar char="•"/>
+            </a:pPr>
+            <a:endParaRPr lang="es-ES" sz="1200" dirty="0">
+              <a:latin typeface="Titillium Web" panose="00000500000000000000" pitchFamily="2" charset="0"/>
+              <a:sym typeface="Wingdings" panose="05000000000000000000" pitchFamily="2" charset="2"/>
+            </a:endParaRPr>
+          </a:p>
+          <a:p>
+            <a:pPr lvl="3"/>
+            <a:endParaRPr lang="es-ES" sz="1200" dirty="0">
+              <a:latin typeface="Titillium Web" panose="00000500000000000000" pitchFamily="2" charset="0"/>
+              <a:sym typeface="Wingdings" panose="05000000000000000000" pitchFamily="2" charset="2"/>
+            </a:endParaRPr>
+          </a:p>
+          <a:p>
+            <a:pPr marL="1543050" lvl="3" indent="-171450">
+              <a:buFont typeface="Arial" panose="020B0604020202020204" pitchFamily="34" charset="0"/>
+              <a:buChar char="•"/>
+            </a:pPr>
+            <a:endParaRPr lang="es-ES" sz="1200" dirty="0">
+              <a:latin typeface="Titillium Web" panose="00000500000000000000" pitchFamily="2" charset="0"/>
+              <a:sym typeface="Wingdings" panose="05000000000000000000" pitchFamily="2" charset="2"/>
+            </a:endParaRPr>
+          </a:p>
+          <a:p>
+            <a:pPr marL="1543050" lvl="3" indent="-171450">
+              <a:buFont typeface="Arial" panose="020B0604020202020204" pitchFamily="34" charset="0"/>
+              <a:buChar char="•"/>
+            </a:pPr>
+            <a:endParaRPr lang="es-ES" sz="1200" dirty="0">
+              <a:latin typeface="Titillium Web" panose="00000500000000000000" pitchFamily="2" charset="0"/>
+              <a:sym typeface="Wingdings" panose="05000000000000000000" pitchFamily="2" charset="2"/>
+            </a:endParaRPr>
+          </a:p>
+          <a:p>
+            <a:pPr marL="1543050" lvl="3" indent="-171450">
+              <a:buFont typeface="Arial" panose="020B0604020202020204" pitchFamily="34" charset="0"/>
+              <a:buChar char="•"/>
+            </a:pPr>
+            <a:endParaRPr lang="es-ES" sz="1200" dirty="0">
+              <a:latin typeface="Titillium Web" panose="00000500000000000000" pitchFamily="2" charset="0"/>
+              <a:sym typeface="Wingdings" panose="05000000000000000000" pitchFamily="2" charset="2"/>
+            </a:endParaRPr>
+          </a:p>
+          <a:p>
+            <a:pPr lvl="4"/>
+            <a:endParaRPr lang="es-ES" sz="1200" dirty="0">
+              <a:latin typeface="Titillium Web" panose="00000500000000000000" pitchFamily="2" charset="0"/>
+              <a:sym typeface="Wingdings" panose="05000000000000000000" pitchFamily="2" charset="2"/>
+            </a:endParaRPr>
+          </a:p>
+          <a:p>
+            <a:pPr marL="1085850" lvl="2" indent="-171450">
+              <a:buFont typeface="Arial" panose="020B0604020202020204" pitchFamily="34" charset="0"/>
+              <a:buChar char="•"/>
+            </a:pPr>
+            <a:endParaRPr lang="es-ES" sz="1200" dirty="0">
+              <a:latin typeface="Titillium Web" panose="00000500000000000000" pitchFamily="2" charset="0"/>
+              <a:sym typeface="Wingdings" panose="05000000000000000000" pitchFamily="2" charset="2"/>
+            </a:endParaRPr>
+          </a:p>
+          <a:p>
+            <a:pPr lvl="3"/>
+            <a:endParaRPr lang="es-ES" sz="1200" dirty="0">
+              <a:latin typeface="Titillium Web" panose="00000500000000000000" pitchFamily="2" charset="0"/>
+              <a:sym typeface="Wingdings" panose="05000000000000000000" pitchFamily="2" charset="2"/>
+            </a:endParaRPr>
+          </a:p>
+          <a:p>
+            <a:pPr lvl="3"/>
+            <a:endParaRPr lang="es-ES" sz="1200" dirty="0">
+              <a:latin typeface="Titillium Web" panose="00000500000000000000" pitchFamily="2" charset="0"/>
+              <a:sym typeface="Wingdings" panose="05000000000000000000" pitchFamily="2" charset="2"/>
+            </a:endParaRPr>
+          </a:p>
+          <a:p>
+            <a:pPr lvl="3"/>
+            <a:endParaRPr lang="es-ES" sz="1200" dirty="0">
+              <a:latin typeface="Titillium Web" panose="00000500000000000000" pitchFamily="2" charset="0"/>
+              <a:sym typeface="Wingdings" panose="05000000000000000000" pitchFamily="2" charset="2"/>
+            </a:endParaRPr>
+          </a:p>
+          <a:p>
+            <a:pPr marL="1543050" lvl="3" indent="-171450">
+              <a:buFont typeface="Arial" panose="020B0604020202020204" pitchFamily="34" charset="0"/>
+              <a:buChar char="•"/>
+            </a:pPr>
+            <a:endParaRPr lang="es-ES" sz="1200" dirty="0">
+              <a:latin typeface="Titillium Web" panose="00000500000000000000" pitchFamily="2" charset="0"/>
+              <a:sym typeface="Wingdings" panose="05000000000000000000" pitchFamily="2" charset="2"/>
+            </a:endParaRPr>
+          </a:p>
+          <a:p>
+            <a:pPr marL="1543050" lvl="3" indent="-171450">
+              <a:buFont typeface="Arial" panose="020B0604020202020204" pitchFamily="34" charset="0"/>
+              <a:buChar char="•"/>
+            </a:pPr>
+            <a:endParaRPr lang="es-ES" sz="1200" dirty="0">
+              <a:latin typeface="Titillium Web" panose="00000500000000000000" pitchFamily="2" charset="0"/>
+              <a:sym typeface="Wingdings" panose="05000000000000000000" pitchFamily="2" charset="2"/>
+            </a:endParaRPr>
+          </a:p>
+          <a:p>
+            <a:pPr lvl="3"/>
+            <a:endParaRPr lang="es-ES" sz="1200" dirty="0">
+              <a:latin typeface="Titillium Web" panose="00000500000000000000" pitchFamily="2" charset="0"/>
+              <a:sym typeface="Wingdings" panose="05000000000000000000" pitchFamily="2" charset="2"/>
+            </a:endParaRPr>
+          </a:p>
+          <a:p>
+            <a:pPr lvl="3"/>
+            <a:endParaRPr lang="es-ES" sz="1200" dirty="0">
+              <a:latin typeface="Titillium Web" panose="00000500000000000000" pitchFamily="2" charset="0"/>
+              <a:sym typeface="Wingdings" panose="05000000000000000000" pitchFamily="2" charset="2"/>
+            </a:endParaRPr>
+          </a:p>
+          <a:p>
+            <a:pPr lvl="3"/>
+            <a:endParaRPr lang="es-ES" sz="1200" dirty="0">
+              <a:latin typeface="Titillium Web" panose="00000500000000000000" pitchFamily="2" charset="0"/>
+              <a:sym typeface="Wingdings" panose="05000000000000000000" pitchFamily="2" charset="2"/>
+            </a:endParaRPr>
+          </a:p>
+          <a:p>
+            <a:pPr marL="1085850" lvl="2" indent="-171450">
+              <a:buFont typeface="Arial" panose="020B0604020202020204" pitchFamily="34" charset="0"/>
+              <a:buChar char="•"/>
+            </a:pPr>
+            <a:endParaRPr lang="es-ES" sz="1200" dirty="0">
+              <a:latin typeface="Titillium Web" panose="00000500000000000000" pitchFamily="2" charset="0"/>
+              <a:sym typeface="Wingdings" panose="05000000000000000000" pitchFamily="2" charset="2"/>
+            </a:endParaRPr>
+          </a:p>
+          <a:p>
+            <a:pPr marL="628650" lvl="1" indent="-171450">
+              <a:buFont typeface="Arial" panose="020B0604020202020204" pitchFamily="34" charset="0"/>
+              <a:buChar char="•"/>
+            </a:pPr>
+            <a:endParaRPr lang="es-ES" sz="1200" dirty="0">
+              <a:latin typeface="Titillium Web" panose="00000500000000000000" pitchFamily="2" charset="0"/>
+              <a:sym typeface="Wingdings" panose="05000000000000000000" pitchFamily="2" charset="2"/>
+            </a:endParaRPr>
+          </a:p>
+          <a:p>
+            <a:pPr lvl="1"/>
+            <a:endParaRPr lang="es-ES" sz="1200" dirty="0">
+              <a:latin typeface="Titillium Web" panose="00000500000000000000" pitchFamily="2" charset="0"/>
+              <a:sym typeface="Wingdings" panose="05000000000000000000" pitchFamily="2" charset="2"/>
+            </a:endParaRPr>
+          </a:p>
+          <a:p>
+            <a:pPr lvl="1"/>
+            <a:endParaRPr lang="es-ES" sz="1200" dirty="0">
+              <a:latin typeface="Titillium Web" panose="00000500000000000000" pitchFamily="2" charset="0"/>
+              <a:sym typeface="Wingdings" panose="05000000000000000000" pitchFamily="2" charset="2"/>
+            </a:endParaRPr>
+          </a:p>
+          <a:p>
+            <a:pPr marL="1085850" lvl="2" indent="-171450">
+              <a:buFont typeface="Arial" panose="020B0604020202020204" pitchFamily="34" charset="0"/>
+              <a:buChar char="•"/>
+            </a:pPr>
+            <a:endParaRPr lang="es-ES" sz="1200" dirty="0">
+              <a:latin typeface="Titillium Web" panose="00000500000000000000" pitchFamily="2" charset="0"/>
+              <a:sym typeface="Wingdings" panose="05000000000000000000" pitchFamily="2" charset="2"/>
+            </a:endParaRPr>
+          </a:p>
+          <a:p>
+            <a:pPr marL="1085850" lvl="2" indent="-171450">
+              <a:buFont typeface="Arial" panose="020B0604020202020204" pitchFamily="34" charset="0"/>
+              <a:buChar char="•"/>
+            </a:pPr>
+            <a:endParaRPr lang="es-ES" sz="1200" dirty="0">
+              <a:solidFill>
+                <a:schemeClr val="accent4">
+                  <a:lumMod val="60000"/>
+                  <a:lumOff val="40000"/>
+                </a:schemeClr>
+              </a:solidFill>
+            </a:endParaRPr>
+          </a:p>
+          <a:p>
+            <a:pPr lvl="1"/>
+            <a:br>
+              <a:rPr lang="es-ES" sz="1200" dirty="0">
+                <a:solidFill>
+                  <a:schemeClr val="accent4">
+                    <a:lumMod val="60000"/>
+                    <a:lumOff val="40000"/>
+                  </a:schemeClr>
+                </a:solidFill>
+              </a:rPr>
+            </a:br>
+            <a:endParaRPr lang="es-ES" sz="1200" dirty="0">
+              <a:solidFill>
+                <a:schemeClr val="accent4">
+                  <a:lumMod val="60000"/>
+                  <a:lumOff val="40000"/>
+                </a:schemeClr>
+              </a:solidFill>
+            </a:endParaRPr>
+          </a:p>
+          <a:p>
+            <a:pPr lvl="1"/>
+            <a:endParaRPr lang="es-ES" sz="1200" dirty="0">
+              <a:solidFill>
+                <a:schemeClr val="accent1">
+                  <a:lumMod val="40000"/>
+                  <a:lumOff val="60000"/>
+                </a:schemeClr>
+              </a:solidFill>
+              <a:latin typeface="Titillium Web" panose="00000500000000000000" pitchFamily="2" charset="0"/>
+            </a:endParaRPr>
+          </a:p>
+          <a:p>
+            <a:pPr lvl="1"/>
+            <a:endParaRPr lang="es-ES" sz="1200" b="0" i="0" dirty="0">
+              <a:solidFill>
+                <a:schemeClr val="accent4">
+                  <a:lumMod val="60000"/>
+                  <a:lumOff val="40000"/>
+                </a:schemeClr>
+              </a:solidFill>
+              <a:effectLst/>
+              <a:latin typeface="Titillium Web" panose="00000500000000000000" pitchFamily="2" charset="0"/>
+            </a:endParaRPr>
+          </a:p>
+        </p:txBody>
+      </p:sp>
+      <p:pic>
+        <p:nvPicPr>
+          <p:cNvPr id="9" name="Imagen 8">
+            <a:extLst>
+              <a:ext uri="{FF2B5EF4-FFF2-40B4-BE49-F238E27FC236}">
+                <a16:creationId xmlns:a16="http://schemas.microsoft.com/office/drawing/2014/main" id="{BE4C2CBE-9DCC-4586-5A6B-E277CAF1A5BF}"/>
+              </a:ext>
+            </a:extLst>
+          </p:cNvPr>
+          <p:cNvPicPr>
+            <a:picLocks noChangeAspect="1"/>
+          </p:cNvPicPr>
+          <p:nvPr/>
+        </p:nvPicPr>
+        <p:blipFill>
+          <a:blip r:embed="rId5"/>
+          <a:stretch>
+            <a:fillRect/>
+          </a:stretch>
+        </p:blipFill>
+        <p:spPr>
+          <a:xfrm>
+            <a:off x="2591492" y="3806709"/>
+            <a:ext cx="4515480" cy="828791"/>
+          </a:xfrm>
+          <a:prstGeom prst="rect">
+            <a:avLst/>
+          </a:prstGeom>
+        </p:spPr>
+      </p:pic>
+    </p:spTree>
+    <p:extLst>
+      <p:ext uri="{BB962C8B-B14F-4D97-AF65-F5344CB8AC3E}">
+        <p14:creationId xmlns:p14="http://schemas.microsoft.com/office/powerpoint/2010/main" val="417289778"/>
+      </p:ext>
+    </p:extLst>
+  </p:cSld>
+  <p:clrMapOvr>
+    <a:masterClrMapping/>
+  </p:clrMapOvr>
+</p:sld>
+</file>
+
+<file path=ppt/slides/slide7.xml><?xml version="1.0" encoding="utf-8"?>
+<p:sld xmlns:a="http://schemas.openxmlformats.org/drawingml/2006/main" xmlns:r="http://schemas.openxmlformats.org/officeDocument/2006/relationships" xmlns:p="http://schemas.openxmlformats.org/presentationml/2006/main">
+  <p:cSld>
+    <p:spTree>
+      <p:nvGrpSpPr>
+        <p:cNvPr id="1" name=""/>
+        <p:cNvGrpSpPr/>
+        <p:nvPr/>
+      </p:nvGrpSpPr>
+      <p:grpSpPr>
+        <a:xfrm>
+          <a:off x="0" y="0"/>
+          <a:ext cx="0" cy="0"/>
+          <a:chOff x="0" y="0"/>
+          <a:chExt cx="0" cy="0"/>
+        </a:xfrm>
+      </p:grpSpPr>
+      <p:pic>
+        <p:nvPicPr>
+          <p:cNvPr id="1032" name="Picture 8" descr="Nuestro Equipo">
+            <a:extLst>
+              <a:ext uri="{FF2B5EF4-FFF2-40B4-BE49-F238E27FC236}">
+                <a16:creationId xmlns:a16="http://schemas.microsoft.com/office/drawing/2014/main" id="{9948F5C4-A11B-BB63-E587-6CEB747BDDEB}"/>
+              </a:ext>
+            </a:extLst>
+          </p:cNvPr>
+          <p:cNvPicPr>
+            <a:picLocks noChangeAspect="1" noChangeArrowheads="1"/>
+          </p:cNvPicPr>
+          <p:nvPr/>
+        </p:nvPicPr>
+        <p:blipFill>
+          <a:blip r:embed="rId3">
+            <a:extLst>
+              <a:ext uri="{28A0092B-C50C-407E-A947-70E740481C1C}">
+                <a14:useLocalDpi xmlns:a14="http://schemas.microsoft.com/office/drawing/2010/main" val="0"/>
+              </a:ext>
+            </a:extLst>
+          </a:blip>
+          <a:srcRect/>
+          <a:stretch>
+            <a:fillRect/>
+          </a:stretch>
+        </p:blipFill>
+        <p:spPr bwMode="auto">
+          <a:xfrm>
+            <a:off x="11003858" y="6068461"/>
+            <a:ext cx="675692" cy="675692"/>
+          </a:xfrm>
+          <a:prstGeom prst="rect">
+            <a:avLst/>
+          </a:prstGeom>
+          <a:noFill/>
+          <a:extLst>
+            <a:ext uri="{909E8E84-426E-40DD-AFC4-6F175D3DCCD1}">
+              <a14:hiddenFill xmlns:a14="http://schemas.microsoft.com/office/drawing/2010/main">
+                <a:solidFill>
+                  <a:srgbClr val="FFFFFF"/>
+                </a:solidFill>
+              </a14:hiddenFill>
+            </a:ext>
+          </a:extLst>
+        </p:spPr>
+      </p:pic>
+      <p:sp>
+        <p:nvSpPr>
+          <p:cNvPr id="3" name="CuadroTexto 2">
+            <a:extLst>
+              <a:ext uri="{FF2B5EF4-FFF2-40B4-BE49-F238E27FC236}">
+                <a16:creationId xmlns:a16="http://schemas.microsoft.com/office/drawing/2014/main" id="{D1FA320B-398B-F9F1-38EA-BAF5DD083F19}"/>
+              </a:ext>
+            </a:extLst>
+          </p:cNvPr>
+          <p:cNvSpPr txBox="1"/>
+          <p:nvPr/>
+        </p:nvSpPr>
+        <p:spPr>
+          <a:xfrm>
+            <a:off x="1253654" y="873506"/>
+            <a:ext cx="9079954" cy="2031325"/>
+          </a:xfrm>
+          <a:prstGeom prst="rect">
+            <a:avLst/>
+          </a:prstGeom>
+          <a:noFill/>
+        </p:spPr>
+        <p:txBody>
+          <a:bodyPr wrap="square" rtlCol="0">
+            <a:spAutoFit/>
+          </a:bodyPr>
+          <a:lstStyle/>
+          <a:p>
+            <a:r>
+              <a:rPr lang="es-ES" dirty="0"/>
+              <a:t>SPRING FRAMEWORK</a:t>
+            </a:r>
+          </a:p>
+          <a:p>
+            <a:pPr lvl="1"/>
+            <a:endParaRPr lang="es-ES" sz="1200" dirty="0">
+              <a:solidFill>
+                <a:srgbClr val="FF0000"/>
+              </a:solidFill>
+              <a:latin typeface="Titillium Web" panose="00000500000000000000" pitchFamily="2" charset="0"/>
+            </a:endParaRPr>
+          </a:p>
+          <a:p>
+            <a:pPr lvl="1"/>
+            <a:endParaRPr lang="es-ES" sz="1200" dirty="0">
+              <a:solidFill>
+                <a:schemeClr val="accent4">
+                  <a:lumMod val="60000"/>
+                  <a:lumOff val="40000"/>
+                </a:schemeClr>
+              </a:solidFill>
+              <a:latin typeface="Titillium Web" panose="00000500000000000000" pitchFamily="2" charset="0"/>
+            </a:endParaRPr>
+          </a:p>
+          <a:p>
+            <a:pPr lvl="1"/>
+            <a:r>
+              <a:rPr lang="es-ES" sz="1200" dirty="0">
+                <a:solidFill>
+                  <a:schemeClr val="accent4">
+                    <a:lumMod val="60000"/>
+                    <a:lumOff val="40000"/>
+                  </a:schemeClr>
+                </a:solidFill>
+                <a:latin typeface="Titillium Web" panose="00000500000000000000" pitchFamily="2" charset="0"/>
+              </a:rPr>
+              <a:t>ENTITY MANAGER</a:t>
+            </a:r>
+          </a:p>
+          <a:p>
+            <a:pPr lvl="1"/>
+            <a:endParaRPr lang="es-ES" sz="1200" dirty="0">
+              <a:solidFill>
+                <a:schemeClr val="accent4">
+                  <a:lumMod val="60000"/>
+                  <a:lumOff val="40000"/>
+                </a:schemeClr>
+              </a:solidFill>
+              <a:latin typeface="Titillium Web" panose="00000500000000000000" pitchFamily="2" charset="0"/>
+            </a:endParaRPr>
+          </a:p>
+          <a:p>
+            <a:pPr lvl="1"/>
+            <a:endParaRPr lang="es-ES" sz="1200" dirty="0">
+              <a:solidFill>
+                <a:schemeClr val="accent4">
+                  <a:lumMod val="60000"/>
+                  <a:lumOff val="40000"/>
+                </a:schemeClr>
+              </a:solidFill>
+            </a:endParaRPr>
+          </a:p>
+          <a:p>
+            <a:pPr lvl="1"/>
+            <a:br>
+              <a:rPr lang="es-ES" sz="1200" dirty="0">
+                <a:solidFill>
+                  <a:schemeClr val="accent4">
+                    <a:lumMod val="60000"/>
+                    <a:lumOff val="40000"/>
+                  </a:schemeClr>
+                </a:solidFill>
+              </a:rPr>
+            </a:br>
+            <a:endParaRPr lang="es-ES" sz="1200" dirty="0">
+              <a:solidFill>
+                <a:schemeClr val="accent4">
+                  <a:lumMod val="60000"/>
+                  <a:lumOff val="40000"/>
+                </a:schemeClr>
+              </a:solidFill>
+            </a:endParaRPr>
+          </a:p>
+          <a:p>
+            <a:pPr lvl="1"/>
+            <a:endParaRPr lang="es-ES" sz="1200" dirty="0">
+              <a:solidFill>
+                <a:schemeClr val="accent1">
+                  <a:lumMod val="40000"/>
+                  <a:lumOff val="60000"/>
+                </a:schemeClr>
+              </a:solidFill>
+              <a:latin typeface="Titillium Web" panose="00000500000000000000" pitchFamily="2" charset="0"/>
+            </a:endParaRPr>
+          </a:p>
+          <a:p>
+            <a:pPr lvl="1"/>
+            <a:endParaRPr lang="es-ES" sz="1200" b="0" i="0" dirty="0">
+              <a:solidFill>
+                <a:schemeClr val="accent4">
+                  <a:lumMod val="60000"/>
+                  <a:lumOff val="40000"/>
+                </a:schemeClr>
+              </a:solidFill>
+              <a:effectLst/>
+              <a:latin typeface="Titillium Web" panose="00000500000000000000" pitchFamily="2" charset="0"/>
+            </a:endParaRPr>
+          </a:p>
+        </p:txBody>
+      </p:sp>
+      <p:pic>
+        <p:nvPicPr>
+          <p:cNvPr id="5" name="Picture 2" descr="Spring | Home">
+            <a:extLst>
+              <a:ext uri="{FF2B5EF4-FFF2-40B4-BE49-F238E27FC236}">
+                <a16:creationId xmlns:a16="http://schemas.microsoft.com/office/drawing/2014/main" id="{6CBE6F06-F98A-B85B-B6AA-917CBDD1C2C3}"/>
+              </a:ext>
+            </a:extLst>
+          </p:cNvPr>
+          <p:cNvPicPr>
+            <a:picLocks noChangeAspect="1" noChangeArrowheads="1"/>
+          </p:cNvPicPr>
+          <p:nvPr/>
+        </p:nvPicPr>
+        <p:blipFill>
+          <a:blip r:embed="rId4">
+            <a:extLst>
+              <a:ext uri="{28A0092B-C50C-407E-A947-70E740481C1C}">
+                <a14:useLocalDpi xmlns:a14="http://schemas.microsoft.com/office/drawing/2010/main" val="0"/>
+              </a:ext>
+            </a:extLst>
+          </a:blip>
+          <a:srcRect/>
+          <a:stretch>
+            <a:fillRect/>
+          </a:stretch>
+        </p:blipFill>
+        <p:spPr bwMode="auto">
+          <a:xfrm>
+            <a:off x="10666011" y="5262959"/>
+            <a:ext cx="1351386" cy="675693"/>
+          </a:xfrm>
+          <a:prstGeom prst="rect">
+            <a:avLst/>
+          </a:prstGeom>
+          <a:noFill/>
+          <a:extLst>
+            <a:ext uri="{909E8E84-426E-40DD-AFC4-6F175D3DCCD1}">
+              <a14:hiddenFill xmlns:a14="http://schemas.microsoft.com/office/drawing/2010/main">
+                <a:solidFill>
+                  <a:srgbClr val="FFFFFF"/>
+                </a:solidFill>
+              </a14:hiddenFill>
+            </a:ext>
+          </a:extLst>
+        </p:spPr>
+      </p:pic>
+      <p:sp>
+        <p:nvSpPr>
+          <p:cNvPr id="4" name="CuadroTexto 3">
+            <a:extLst>
+              <a:ext uri="{FF2B5EF4-FFF2-40B4-BE49-F238E27FC236}">
+                <a16:creationId xmlns:a16="http://schemas.microsoft.com/office/drawing/2014/main" id="{3B55395C-1E46-7D7B-A131-18924C3DA0BA}"/>
+              </a:ext>
+            </a:extLst>
+          </p:cNvPr>
+          <p:cNvSpPr txBox="1"/>
+          <p:nvPr/>
+        </p:nvSpPr>
+        <p:spPr>
+          <a:xfrm>
+            <a:off x="1108957" y="1964353"/>
+            <a:ext cx="9079954" cy="6740307"/>
+          </a:xfrm>
+          <a:prstGeom prst="rect">
+            <a:avLst/>
+          </a:prstGeom>
+          <a:noFill/>
+        </p:spPr>
+        <p:txBody>
+          <a:bodyPr wrap="square" rtlCol="0">
+            <a:spAutoFit/>
+          </a:bodyPr>
+          <a:lstStyle/>
+          <a:p>
+            <a:pPr lvl="1"/>
+            <a:endParaRPr lang="es-ES" sz="1200" dirty="0">
+              <a:latin typeface="Titillium Web" panose="00000500000000000000" pitchFamily="2" charset="0"/>
+              <a:sym typeface="Wingdings" panose="05000000000000000000" pitchFamily="2" charset="2"/>
+            </a:endParaRPr>
+          </a:p>
+          <a:p>
+            <a:pPr lvl="1"/>
+            <a:r>
+              <a:rPr lang="es-ES" sz="1200" dirty="0">
+                <a:latin typeface="Titillium Web" panose="00000500000000000000" pitchFamily="2" charset="0"/>
+                <a:sym typeface="Wingdings" panose="05000000000000000000" pitchFamily="2" charset="2"/>
+              </a:rPr>
+              <a:t>¿Qué es?</a:t>
+            </a:r>
+          </a:p>
+          <a:p>
+            <a:pPr marL="2000250" lvl="4" indent="-171450">
+              <a:buFont typeface="Arial" panose="020B0604020202020204" pitchFamily="34" charset="0"/>
+              <a:buChar char="•"/>
+            </a:pPr>
+            <a:endParaRPr lang="es-ES" sz="1200" dirty="0">
+              <a:solidFill>
+                <a:srgbClr val="FF0000"/>
+              </a:solidFill>
+              <a:latin typeface="Titillium Web" panose="00000500000000000000" pitchFamily="2" charset="0"/>
+              <a:sym typeface="Wingdings" panose="05000000000000000000" pitchFamily="2" charset="2"/>
+            </a:endParaRPr>
+          </a:p>
+          <a:p>
+            <a:pPr marL="1085850" lvl="2" indent="-171450">
+              <a:buFont typeface="Arial" panose="020B0604020202020204" pitchFamily="34" charset="0"/>
+              <a:buChar char="•"/>
+            </a:pPr>
+            <a:r>
+              <a:rPr lang="es-ES" sz="1200" dirty="0" err="1">
+                <a:solidFill>
+                  <a:srgbClr val="FF0000"/>
+                </a:solidFill>
+                <a:latin typeface="Titillium Web" panose="00000500000000000000" pitchFamily="2" charset="0"/>
+                <a:sym typeface="Wingdings" panose="05000000000000000000" pitchFamily="2" charset="2"/>
+              </a:rPr>
+              <a:t>CreateQuery</a:t>
+            </a:r>
+            <a:endParaRPr lang="es-ES" sz="1200" dirty="0">
+              <a:solidFill>
+                <a:srgbClr val="FF0000"/>
+              </a:solidFill>
+              <a:latin typeface="Titillium Web" panose="00000500000000000000" pitchFamily="2" charset="0"/>
+              <a:sym typeface="Wingdings" panose="05000000000000000000" pitchFamily="2" charset="2"/>
+            </a:endParaRPr>
+          </a:p>
+          <a:p>
+            <a:pPr lvl="3"/>
+            <a:endParaRPr lang="es-ES" sz="1200" dirty="0">
+              <a:latin typeface="Titillium Web" panose="00000500000000000000" pitchFamily="2" charset="0"/>
+              <a:sym typeface="Wingdings" panose="05000000000000000000" pitchFamily="2" charset="2"/>
+            </a:endParaRPr>
+          </a:p>
+          <a:p>
+            <a:pPr lvl="3"/>
+            <a:r>
+              <a:rPr lang="es-ES" sz="1200" dirty="0">
+                <a:latin typeface="Titillium Web" panose="00000500000000000000" pitchFamily="2" charset="0"/>
+                <a:sym typeface="Wingdings" panose="05000000000000000000" pitchFamily="2" charset="2"/>
+              </a:rPr>
+              <a:t>Podemos también usar parámetros con nombre en las consultas. Los parámetros posicionales tienen como prefijo un signo de interrogación (?) seguido de la posición numérica del parámetro en la consulta. </a:t>
+            </a:r>
+          </a:p>
+          <a:p>
+            <a:pPr lvl="3"/>
+            <a:endParaRPr lang="es-ES" sz="1200" dirty="0">
+              <a:latin typeface="Titillium Web" panose="00000500000000000000" pitchFamily="2" charset="0"/>
+              <a:sym typeface="Wingdings" panose="05000000000000000000" pitchFamily="2" charset="2"/>
+            </a:endParaRPr>
+          </a:p>
+          <a:p>
+            <a:pPr lvl="3"/>
+            <a:r>
+              <a:rPr lang="es-ES" sz="1200" dirty="0">
+                <a:latin typeface="Titillium Web" panose="00000500000000000000" pitchFamily="2" charset="0"/>
+                <a:sym typeface="Wingdings" panose="05000000000000000000" pitchFamily="2" charset="2"/>
+              </a:rPr>
+              <a:t>Vemos este ejemplo. </a:t>
+            </a:r>
+          </a:p>
+          <a:p>
+            <a:pPr lvl="3"/>
+            <a:endParaRPr lang="es-ES" sz="1200" dirty="0">
+              <a:latin typeface="Titillium Web" panose="00000500000000000000" pitchFamily="2" charset="0"/>
+              <a:sym typeface="Wingdings" panose="05000000000000000000" pitchFamily="2" charset="2"/>
+            </a:endParaRPr>
+          </a:p>
+          <a:p>
+            <a:pPr marL="1543050" lvl="3" indent="-171450">
+              <a:buFont typeface="Arial" panose="020B0604020202020204" pitchFamily="34" charset="0"/>
+              <a:buChar char="•"/>
+            </a:pPr>
+            <a:endParaRPr lang="es-ES" sz="1200" dirty="0">
+              <a:latin typeface="Titillium Web" panose="00000500000000000000" pitchFamily="2" charset="0"/>
+              <a:sym typeface="Wingdings" panose="05000000000000000000" pitchFamily="2" charset="2"/>
+            </a:endParaRPr>
+          </a:p>
+          <a:p>
+            <a:pPr lvl="3"/>
+            <a:endParaRPr lang="es-ES" sz="1200" dirty="0">
+              <a:latin typeface="Titillium Web" panose="00000500000000000000" pitchFamily="2" charset="0"/>
+              <a:sym typeface="Wingdings" panose="05000000000000000000" pitchFamily="2" charset="2"/>
+            </a:endParaRPr>
+          </a:p>
+          <a:p>
+            <a:pPr marL="1543050" lvl="3" indent="-171450">
+              <a:buFont typeface="Arial" panose="020B0604020202020204" pitchFamily="34" charset="0"/>
+              <a:buChar char="•"/>
+            </a:pPr>
+            <a:endParaRPr lang="es-ES" sz="1200" dirty="0">
+              <a:latin typeface="Titillium Web" panose="00000500000000000000" pitchFamily="2" charset="0"/>
+              <a:sym typeface="Wingdings" panose="05000000000000000000" pitchFamily="2" charset="2"/>
+            </a:endParaRPr>
+          </a:p>
+          <a:p>
+            <a:pPr marL="1543050" lvl="3" indent="-171450">
+              <a:buFont typeface="Arial" panose="020B0604020202020204" pitchFamily="34" charset="0"/>
+              <a:buChar char="•"/>
+            </a:pPr>
+            <a:endParaRPr lang="es-ES" sz="1200" dirty="0">
+              <a:latin typeface="Titillium Web" panose="00000500000000000000" pitchFamily="2" charset="0"/>
+              <a:sym typeface="Wingdings" panose="05000000000000000000" pitchFamily="2" charset="2"/>
+            </a:endParaRPr>
+          </a:p>
+          <a:p>
+            <a:pPr marL="1543050" lvl="3" indent="-171450">
+              <a:buFont typeface="Arial" panose="020B0604020202020204" pitchFamily="34" charset="0"/>
+              <a:buChar char="•"/>
+            </a:pPr>
+            <a:endParaRPr lang="es-ES" sz="1200" dirty="0">
+              <a:latin typeface="Titillium Web" panose="00000500000000000000" pitchFamily="2" charset="0"/>
+              <a:sym typeface="Wingdings" panose="05000000000000000000" pitchFamily="2" charset="2"/>
+            </a:endParaRPr>
+          </a:p>
+          <a:p>
+            <a:pPr lvl="4"/>
+            <a:endParaRPr lang="es-ES" sz="1200" dirty="0">
+              <a:latin typeface="Titillium Web" panose="00000500000000000000" pitchFamily="2" charset="0"/>
+              <a:sym typeface="Wingdings" panose="05000000000000000000" pitchFamily="2" charset="2"/>
+            </a:endParaRPr>
+          </a:p>
+          <a:p>
+            <a:pPr marL="1085850" lvl="2" indent="-171450">
+              <a:buFont typeface="Arial" panose="020B0604020202020204" pitchFamily="34" charset="0"/>
+              <a:buChar char="•"/>
+            </a:pPr>
+            <a:endParaRPr lang="es-ES" sz="1200" dirty="0">
+              <a:latin typeface="Titillium Web" panose="00000500000000000000" pitchFamily="2" charset="0"/>
+              <a:sym typeface="Wingdings" panose="05000000000000000000" pitchFamily="2" charset="2"/>
+            </a:endParaRPr>
+          </a:p>
+          <a:p>
+            <a:pPr lvl="3"/>
+            <a:endParaRPr lang="es-ES" sz="1200" dirty="0">
+              <a:latin typeface="Titillium Web" panose="00000500000000000000" pitchFamily="2" charset="0"/>
+              <a:sym typeface="Wingdings" panose="05000000000000000000" pitchFamily="2" charset="2"/>
+            </a:endParaRPr>
+          </a:p>
+          <a:p>
+            <a:pPr lvl="3"/>
+            <a:endParaRPr lang="es-ES" sz="1200" dirty="0">
+              <a:latin typeface="Titillium Web" panose="00000500000000000000" pitchFamily="2" charset="0"/>
+              <a:sym typeface="Wingdings" panose="05000000000000000000" pitchFamily="2" charset="2"/>
+            </a:endParaRPr>
+          </a:p>
+          <a:p>
+            <a:pPr lvl="3"/>
+            <a:endParaRPr lang="es-ES" sz="1200" dirty="0">
+              <a:latin typeface="Titillium Web" panose="00000500000000000000" pitchFamily="2" charset="0"/>
+              <a:sym typeface="Wingdings" panose="05000000000000000000" pitchFamily="2" charset="2"/>
+            </a:endParaRPr>
+          </a:p>
+          <a:p>
+            <a:pPr marL="1543050" lvl="3" indent="-171450">
+              <a:buFont typeface="Arial" panose="020B0604020202020204" pitchFamily="34" charset="0"/>
+              <a:buChar char="•"/>
+            </a:pPr>
+            <a:endParaRPr lang="es-ES" sz="1200" dirty="0">
+              <a:latin typeface="Titillium Web" panose="00000500000000000000" pitchFamily="2" charset="0"/>
+              <a:sym typeface="Wingdings" panose="05000000000000000000" pitchFamily="2" charset="2"/>
+            </a:endParaRPr>
+          </a:p>
+          <a:p>
+            <a:pPr marL="1543050" lvl="3" indent="-171450">
+              <a:buFont typeface="Arial" panose="020B0604020202020204" pitchFamily="34" charset="0"/>
+              <a:buChar char="•"/>
+            </a:pPr>
+            <a:endParaRPr lang="es-ES" sz="1200" dirty="0">
+              <a:latin typeface="Titillium Web" panose="00000500000000000000" pitchFamily="2" charset="0"/>
+              <a:sym typeface="Wingdings" panose="05000000000000000000" pitchFamily="2" charset="2"/>
+            </a:endParaRPr>
+          </a:p>
+          <a:p>
+            <a:pPr lvl="3"/>
+            <a:endParaRPr lang="es-ES" sz="1200" dirty="0">
+              <a:latin typeface="Titillium Web" panose="00000500000000000000" pitchFamily="2" charset="0"/>
+              <a:sym typeface="Wingdings" panose="05000000000000000000" pitchFamily="2" charset="2"/>
+            </a:endParaRPr>
+          </a:p>
+          <a:p>
+            <a:pPr lvl="3"/>
+            <a:endParaRPr lang="es-ES" sz="1200" dirty="0">
+              <a:latin typeface="Titillium Web" panose="00000500000000000000" pitchFamily="2" charset="0"/>
+              <a:sym typeface="Wingdings" panose="05000000000000000000" pitchFamily="2" charset="2"/>
+            </a:endParaRPr>
+          </a:p>
+          <a:p>
+            <a:pPr lvl="3"/>
+            <a:endParaRPr lang="es-ES" sz="1200" dirty="0">
+              <a:latin typeface="Titillium Web" panose="00000500000000000000" pitchFamily="2" charset="0"/>
+              <a:sym typeface="Wingdings" panose="05000000000000000000" pitchFamily="2" charset="2"/>
+            </a:endParaRPr>
+          </a:p>
+          <a:p>
+            <a:pPr marL="1085850" lvl="2" indent="-171450">
+              <a:buFont typeface="Arial" panose="020B0604020202020204" pitchFamily="34" charset="0"/>
+              <a:buChar char="•"/>
+            </a:pPr>
+            <a:endParaRPr lang="es-ES" sz="1200" dirty="0">
+              <a:latin typeface="Titillium Web" panose="00000500000000000000" pitchFamily="2" charset="0"/>
+              <a:sym typeface="Wingdings" panose="05000000000000000000" pitchFamily="2" charset="2"/>
+            </a:endParaRPr>
+          </a:p>
+          <a:p>
+            <a:pPr marL="628650" lvl="1" indent="-171450">
+              <a:buFont typeface="Arial" panose="020B0604020202020204" pitchFamily="34" charset="0"/>
+              <a:buChar char="•"/>
+            </a:pPr>
+            <a:endParaRPr lang="es-ES" sz="1200" dirty="0">
+              <a:latin typeface="Titillium Web" panose="00000500000000000000" pitchFamily="2" charset="0"/>
+              <a:sym typeface="Wingdings" panose="05000000000000000000" pitchFamily="2" charset="2"/>
+            </a:endParaRPr>
+          </a:p>
+          <a:p>
+            <a:pPr lvl="1"/>
+            <a:endParaRPr lang="es-ES" sz="1200" dirty="0">
+              <a:latin typeface="Titillium Web" panose="00000500000000000000" pitchFamily="2" charset="0"/>
+              <a:sym typeface="Wingdings" panose="05000000000000000000" pitchFamily="2" charset="2"/>
+            </a:endParaRPr>
+          </a:p>
+          <a:p>
+            <a:pPr lvl="1"/>
+            <a:endParaRPr lang="es-ES" sz="1200" dirty="0">
+              <a:latin typeface="Titillium Web" panose="00000500000000000000" pitchFamily="2" charset="0"/>
+              <a:sym typeface="Wingdings" panose="05000000000000000000" pitchFamily="2" charset="2"/>
+            </a:endParaRPr>
+          </a:p>
+          <a:p>
+            <a:pPr marL="1085850" lvl="2" indent="-171450">
+              <a:buFont typeface="Arial" panose="020B0604020202020204" pitchFamily="34" charset="0"/>
+              <a:buChar char="•"/>
+            </a:pPr>
+            <a:endParaRPr lang="es-ES" sz="1200" dirty="0">
+              <a:latin typeface="Titillium Web" panose="00000500000000000000" pitchFamily="2" charset="0"/>
+              <a:sym typeface="Wingdings" panose="05000000000000000000" pitchFamily="2" charset="2"/>
+            </a:endParaRPr>
+          </a:p>
+          <a:p>
+            <a:pPr marL="1085850" lvl="2" indent="-171450">
+              <a:buFont typeface="Arial" panose="020B0604020202020204" pitchFamily="34" charset="0"/>
+              <a:buChar char="•"/>
+            </a:pPr>
+            <a:endParaRPr lang="es-ES" sz="1200" dirty="0">
+              <a:solidFill>
+                <a:schemeClr val="accent4">
+                  <a:lumMod val="60000"/>
+                  <a:lumOff val="40000"/>
+                </a:schemeClr>
+              </a:solidFill>
+            </a:endParaRPr>
+          </a:p>
+          <a:p>
+            <a:pPr lvl="1"/>
+            <a:br>
+              <a:rPr lang="es-ES" sz="1200" dirty="0">
+                <a:solidFill>
+                  <a:schemeClr val="accent4">
+                    <a:lumMod val="60000"/>
+                    <a:lumOff val="40000"/>
+                  </a:schemeClr>
+                </a:solidFill>
+              </a:rPr>
+            </a:br>
+            <a:endParaRPr lang="es-ES" sz="1200" dirty="0">
+              <a:solidFill>
+                <a:schemeClr val="accent4">
+                  <a:lumMod val="60000"/>
+                  <a:lumOff val="40000"/>
+                </a:schemeClr>
+              </a:solidFill>
+            </a:endParaRPr>
+          </a:p>
+          <a:p>
+            <a:pPr lvl="1"/>
+            <a:endParaRPr lang="es-ES" sz="1200" dirty="0">
+              <a:solidFill>
+                <a:schemeClr val="accent1">
+                  <a:lumMod val="40000"/>
+                  <a:lumOff val="60000"/>
+                </a:schemeClr>
+              </a:solidFill>
+              <a:latin typeface="Titillium Web" panose="00000500000000000000" pitchFamily="2" charset="0"/>
+            </a:endParaRPr>
+          </a:p>
+          <a:p>
+            <a:pPr lvl="1"/>
+            <a:endParaRPr lang="es-ES" sz="1200" b="0" i="0" dirty="0">
+              <a:solidFill>
+                <a:schemeClr val="accent4">
+                  <a:lumMod val="60000"/>
+                  <a:lumOff val="40000"/>
+                </a:schemeClr>
+              </a:solidFill>
+              <a:effectLst/>
+              <a:latin typeface="Titillium Web" panose="00000500000000000000" pitchFamily="2" charset="0"/>
+            </a:endParaRPr>
+          </a:p>
+        </p:txBody>
+      </p:sp>
+      <p:pic>
+        <p:nvPicPr>
+          <p:cNvPr id="6" name="Imagen 5">
+            <a:extLst>
+              <a:ext uri="{FF2B5EF4-FFF2-40B4-BE49-F238E27FC236}">
+                <a16:creationId xmlns:a16="http://schemas.microsoft.com/office/drawing/2014/main" id="{7D4D5BED-D25F-37FE-7C05-D357BCB42FB4}"/>
+              </a:ext>
+            </a:extLst>
+          </p:cNvPr>
+          <p:cNvPicPr>
+            <a:picLocks noChangeAspect="1"/>
+          </p:cNvPicPr>
+          <p:nvPr/>
+        </p:nvPicPr>
+        <p:blipFill>
+          <a:blip r:embed="rId5"/>
+          <a:stretch>
+            <a:fillRect/>
+          </a:stretch>
+        </p:blipFill>
+        <p:spPr>
+          <a:xfrm>
+            <a:off x="2597014" y="3953170"/>
+            <a:ext cx="4401164" cy="952633"/>
+          </a:xfrm>
+          <a:prstGeom prst="rect">
+            <a:avLst/>
+          </a:prstGeom>
+        </p:spPr>
+      </p:pic>
+    </p:spTree>
+    <p:extLst>
+      <p:ext uri="{BB962C8B-B14F-4D97-AF65-F5344CB8AC3E}">
+        <p14:creationId xmlns:p14="http://schemas.microsoft.com/office/powerpoint/2010/main" val="432662342"/>
+      </p:ext>
+    </p:extLst>
+  </p:cSld>
+  <p:clrMapOvr>
+    <a:masterClrMapping/>
+  </p:clrMapOvr>
+</p:sld>
+</file>
+
+<file path=ppt/slides/slide8.xml><?xml version="1.0" encoding="utf-8"?>
+<p:sld xmlns:a="http://schemas.openxmlformats.org/drawingml/2006/main" xmlns:r="http://schemas.openxmlformats.org/officeDocument/2006/relationships" xmlns:p="http://schemas.openxmlformats.org/presentationml/2006/main">
+  <p:cSld>
+    <p:spTree>
+      <p:nvGrpSpPr>
+        <p:cNvPr id="1" name=""/>
+        <p:cNvGrpSpPr/>
+        <p:nvPr/>
+      </p:nvGrpSpPr>
+      <p:grpSpPr>
+        <a:xfrm>
+          <a:off x="0" y="0"/>
+          <a:ext cx="0" cy="0"/>
+          <a:chOff x="0" y="0"/>
+          <a:chExt cx="0" cy="0"/>
+        </a:xfrm>
+      </p:grpSpPr>
+      <p:pic>
+        <p:nvPicPr>
+          <p:cNvPr id="1032" name="Picture 8" descr="Nuestro Equipo">
+            <a:extLst>
+              <a:ext uri="{FF2B5EF4-FFF2-40B4-BE49-F238E27FC236}">
+                <a16:creationId xmlns:a16="http://schemas.microsoft.com/office/drawing/2014/main" id="{9948F5C4-A11B-BB63-E587-6CEB747BDDEB}"/>
+              </a:ext>
+            </a:extLst>
+          </p:cNvPr>
+          <p:cNvPicPr>
+            <a:picLocks noChangeAspect="1" noChangeArrowheads="1"/>
+          </p:cNvPicPr>
+          <p:nvPr/>
+        </p:nvPicPr>
+        <p:blipFill>
+          <a:blip r:embed="rId3">
+            <a:extLst>
+              <a:ext uri="{28A0092B-C50C-407E-A947-70E740481C1C}">
+                <a14:useLocalDpi xmlns:a14="http://schemas.microsoft.com/office/drawing/2010/main" val="0"/>
+              </a:ext>
+            </a:extLst>
+          </a:blip>
+          <a:srcRect/>
+          <a:stretch>
+            <a:fillRect/>
+          </a:stretch>
+        </p:blipFill>
+        <p:spPr bwMode="auto">
+          <a:xfrm>
+            <a:off x="11003858" y="6068461"/>
+            <a:ext cx="675692" cy="675692"/>
+          </a:xfrm>
+          <a:prstGeom prst="rect">
+            <a:avLst/>
+          </a:prstGeom>
+          <a:noFill/>
+          <a:extLst>
+            <a:ext uri="{909E8E84-426E-40DD-AFC4-6F175D3DCCD1}">
+              <a14:hiddenFill xmlns:a14="http://schemas.microsoft.com/office/drawing/2010/main">
+                <a:solidFill>
+                  <a:srgbClr val="FFFFFF"/>
+                </a:solidFill>
+              </a14:hiddenFill>
+            </a:ext>
+          </a:extLst>
+        </p:spPr>
+      </p:pic>
+      <p:sp>
+        <p:nvSpPr>
+          <p:cNvPr id="3" name="CuadroTexto 2">
+            <a:extLst>
+              <a:ext uri="{FF2B5EF4-FFF2-40B4-BE49-F238E27FC236}">
+                <a16:creationId xmlns:a16="http://schemas.microsoft.com/office/drawing/2014/main" id="{D1FA320B-398B-F9F1-38EA-BAF5DD083F19}"/>
+              </a:ext>
+            </a:extLst>
+          </p:cNvPr>
+          <p:cNvSpPr txBox="1"/>
+          <p:nvPr/>
+        </p:nvSpPr>
+        <p:spPr>
+          <a:xfrm>
+            <a:off x="1253654" y="873506"/>
+            <a:ext cx="9079954" cy="2031325"/>
+          </a:xfrm>
+          <a:prstGeom prst="rect">
+            <a:avLst/>
+          </a:prstGeom>
+          <a:noFill/>
+        </p:spPr>
+        <p:txBody>
+          <a:bodyPr wrap="square" rtlCol="0">
+            <a:spAutoFit/>
+          </a:bodyPr>
+          <a:lstStyle/>
+          <a:p>
+            <a:r>
+              <a:rPr lang="es-ES" dirty="0"/>
+              <a:t>SPRING FRAMEWORK</a:t>
+            </a:r>
+          </a:p>
+          <a:p>
+            <a:pPr lvl="1"/>
+            <a:endParaRPr lang="es-ES" sz="1200" dirty="0">
+              <a:solidFill>
+                <a:srgbClr val="FF0000"/>
+              </a:solidFill>
+              <a:latin typeface="Titillium Web" panose="00000500000000000000" pitchFamily="2" charset="0"/>
+            </a:endParaRPr>
+          </a:p>
+          <a:p>
+            <a:pPr lvl="1"/>
+            <a:endParaRPr lang="es-ES" sz="1200" dirty="0">
+              <a:solidFill>
+                <a:schemeClr val="accent4">
+                  <a:lumMod val="60000"/>
+                  <a:lumOff val="40000"/>
+                </a:schemeClr>
+              </a:solidFill>
+              <a:latin typeface="Titillium Web" panose="00000500000000000000" pitchFamily="2" charset="0"/>
+            </a:endParaRPr>
+          </a:p>
+          <a:p>
+            <a:pPr lvl="1"/>
+            <a:r>
+              <a:rPr lang="es-ES" sz="1200" dirty="0">
+                <a:solidFill>
+                  <a:schemeClr val="accent4">
+                    <a:lumMod val="60000"/>
+                    <a:lumOff val="40000"/>
+                  </a:schemeClr>
+                </a:solidFill>
+                <a:latin typeface="Titillium Web" panose="00000500000000000000" pitchFamily="2" charset="0"/>
+              </a:rPr>
+              <a:t>ENTITY MANAGER</a:t>
+            </a:r>
+          </a:p>
+          <a:p>
+            <a:pPr lvl="1"/>
+            <a:endParaRPr lang="es-ES" sz="1200" dirty="0">
+              <a:solidFill>
+                <a:schemeClr val="accent4">
+                  <a:lumMod val="60000"/>
+                  <a:lumOff val="40000"/>
+                </a:schemeClr>
+              </a:solidFill>
+              <a:latin typeface="Titillium Web" panose="00000500000000000000" pitchFamily="2" charset="0"/>
+            </a:endParaRPr>
+          </a:p>
+          <a:p>
+            <a:pPr lvl="1"/>
+            <a:endParaRPr lang="es-ES" sz="1200" dirty="0">
+              <a:solidFill>
+                <a:schemeClr val="accent4">
+                  <a:lumMod val="60000"/>
+                  <a:lumOff val="40000"/>
+                </a:schemeClr>
+              </a:solidFill>
+            </a:endParaRPr>
+          </a:p>
+          <a:p>
+            <a:pPr lvl="1"/>
+            <a:br>
+              <a:rPr lang="es-ES" sz="1200" dirty="0">
+                <a:solidFill>
+                  <a:schemeClr val="accent4">
+                    <a:lumMod val="60000"/>
+                    <a:lumOff val="40000"/>
+                  </a:schemeClr>
+                </a:solidFill>
+              </a:rPr>
+            </a:br>
+            <a:endParaRPr lang="es-ES" sz="1200" dirty="0">
+              <a:solidFill>
+                <a:schemeClr val="accent4">
+                  <a:lumMod val="60000"/>
+                  <a:lumOff val="40000"/>
+                </a:schemeClr>
+              </a:solidFill>
+            </a:endParaRPr>
+          </a:p>
+          <a:p>
+            <a:pPr lvl="1"/>
+            <a:endParaRPr lang="es-ES" sz="1200" dirty="0">
+              <a:solidFill>
+                <a:schemeClr val="accent1">
+                  <a:lumMod val="40000"/>
+                  <a:lumOff val="60000"/>
+                </a:schemeClr>
+              </a:solidFill>
+              <a:latin typeface="Titillium Web" panose="00000500000000000000" pitchFamily="2" charset="0"/>
+            </a:endParaRPr>
+          </a:p>
+          <a:p>
+            <a:pPr lvl="1"/>
+            <a:endParaRPr lang="es-ES" sz="1200" b="0" i="0" dirty="0">
+              <a:solidFill>
+                <a:schemeClr val="accent4">
+                  <a:lumMod val="60000"/>
+                  <a:lumOff val="40000"/>
+                </a:schemeClr>
+              </a:solidFill>
+              <a:effectLst/>
+              <a:latin typeface="Titillium Web" panose="00000500000000000000" pitchFamily="2" charset="0"/>
+            </a:endParaRPr>
+          </a:p>
+        </p:txBody>
+      </p:sp>
+      <p:pic>
+        <p:nvPicPr>
+          <p:cNvPr id="5" name="Picture 2" descr="Spring | Home">
+            <a:extLst>
+              <a:ext uri="{FF2B5EF4-FFF2-40B4-BE49-F238E27FC236}">
+                <a16:creationId xmlns:a16="http://schemas.microsoft.com/office/drawing/2014/main" id="{6CBE6F06-F98A-B85B-B6AA-917CBDD1C2C3}"/>
+              </a:ext>
+            </a:extLst>
+          </p:cNvPr>
+          <p:cNvPicPr>
+            <a:picLocks noChangeAspect="1" noChangeArrowheads="1"/>
+          </p:cNvPicPr>
+          <p:nvPr/>
+        </p:nvPicPr>
+        <p:blipFill>
+          <a:blip r:embed="rId4">
+            <a:extLst>
+              <a:ext uri="{28A0092B-C50C-407E-A947-70E740481C1C}">
+                <a14:useLocalDpi xmlns:a14="http://schemas.microsoft.com/office/drawing/2010/main" val="0"/>
+              </a:ext>
+            </a:extLst>
+          </a:blip>
+          <a:srcRect/>
+          <a:stretch>
+            <a:fillRect/>
+          </a:stretch>
+        </p:blipFill>
+        <p:spPr bwMode="auto">
+          <a:xfrm>
+            <a:off x="10666011" y="5262959"/>
+            <a:ext cx="1351386" cy="675693"/>
+          </a:xfrm>
+          <a:prstGeom prst="rect">
+            <a:avLst/>
+          </a:prstGeom>
+          <a:noFill/>
+          <a:extLst>
+            <a:ext uri="{909E8E84-426E-40DD-AFC4-6F175D3DCCD1}">
+              <a14:hiddenFill xmlns:a14="http://schemas.microsoft.com/office/drawing/2010/main">
+                <a:solidFill>
+                  <a:srgbClr val="FFFFFF"/>
+                </a:solidFill>
+              </a14:hiddenFill>
+            </a:ext>
+          </a:extLst>
+        </p:spPr>
+      </p:pic>
+      <p:sp>
+        <p:nvSpPr>
+          <p:cNvPr id="4" name="CuadroTexto 3">
+            <a:extLst>
+              <a:ext uri="{FF2B5EF4-FFF2-40B4-BE49-F238E27FC236}">
+                <a16:creationId xmlns:a16="http://schemas.microsoft.com/office/drawing/2014/main" id="{3B55395C-1E46-7D7B-A131-18924C3DA0BA}"/>
+              </a:ext>
+            </a:extLst>
+          </p:cNvPr>
+          <p:cNvSpPr txBox="1"/>
+          <p:nvPr/>
+        </p:nvSpPr>
+        <p:spPr>
+          <a:xfrm>
+            <a:off x="1108957" y="1964353"/>
+            <a:ext cx="9079954" cy="8402300"/>
+          </a:xfrm>
+          <a:prstGeom prst="rect">
+            <a:avLst/>
+          </a:prstGeom>
+          <a:noFill/>
+        </p:spPr>
+        <p:txBody>
+          <a:bodyPr wrap="square" rtlCol="0">
+            <a:spAutoFit/>
+          </a:bodyPr>
+          <a:lstStyle/>
+          <a:p>
+            <a:pPr lvl="1"/>
+            <a:endParaRPr lang="es-ES" sz="1200" dirty="0">
+              <a:latin typeface="Titillium Web" panose="00000500000000000000" pitchFamily="2" charset="0"/>
+              <a:sym typeface="Wingdings" panose="05000000000000000000" pitchFamily="2" charset="2"/>
+            </a:endParaRPr>
+          </a:p>
+          <a:p>
+            <a:pPr lvl="1"/>
+            <a:r>
+              <a:rPr lang="es-ES" sz="1200" dirty="0">
+                <a:latin typeface="Titillium Web" panose="00000500000000000000" pitchFamily="2" charset="0"/>
+                <a:sym typeface="Wingdings" panose="05000000000000000000" pitchFamily="2" charset="2"/>
+              </a:rPr>
+              <a:t>¿Qué es?</a:t>
+            </a:r>
+          </a:p>
+          <a:p>
+            <a:pPr marL="2000250" lvl="4" indent="-171450">
+              <a:buFont typeface="Arial" panose="020B0604020202020204" pitchFamily="34" charset="0"/>
+              <a:buChar char="•"/>
+            </a:pPr>
+            <a:endParaRPr lang="es-ES" sz="1200" dirty="0">
+              <a:latin typeface="Titillium Web" panose="00000500000000000000" pitchFamily="2" charset="0"/>
+              <a:sym typeface="Wingdings" panose="05000000000000000000" pitchFamily="2" charset="2"/>
+            </a:endParaRPr>
+          </a:p>
+          <a:p>
+            <a:pPr marL="1085850" lvl="2" indent="-171450">
+              <a:buFont typeface="Arial" panose="020B0604020202020204" pitchFamily="34" charset="0"/>
+              <a:buChar char="•"/>
+            </a:pPr>
+            <a:r>
+              <a:rPr lang="es-ES" sz="1200" dirty="0" err="1">
+                <a:solidFill>
+                  <a:srgbClr val="FF0000"/>
+                </a:solidFill>
+                <a:latin typeface="Titillium Web" panose="00000500000000000000" pitchFamily="2" charset="0"/>
+                <a:sym typeface="Wingdings" panose="05000000000000000000" pitchFamily="2" charset="2"/>
+              </a:rPr>
+              <a:t>CreateQuery</a:t>
+            </a:r>
+            <a:r>
+              <a:rPr lang="es-ES" sz="1200" dirty="0">
+                <a:solidFill>
+                  <a:srgbClr val="FF0000"/>
+                </a:solidFill>
+                <a:latin typeface="Titillium Web" panose="00000500000000000000" pitchFamily="2" charset="0"/>
+                <a:sym typeface="Wingdings" panose="05000000000000000000" pitchFamily="2" charset="2"/>
+              </a:rPr>
+              <a:t>:</a:t>
+            </a:r>
+          </a:p>
+          <a:p>
+            <a:pPr marL="1085850" lvl="2" indent="-171450">
+              <a:buFont typeface="Arial" panose="020B0604020202020204" pitchFamily="34" charset="0"/>
+              <a:buChar char="•"/>
+            </a:pPr>
+            <a:endParaRPr lang="es-ES" sz="1200" dirty="0">
+              <a:latin typeface="Titillium Web" panose="00000500000000000000" pitchFamily="2" charset="0"/>
+              <a:sym typeface="Wingdings" panose="05000000000000000000" pitchFamily="2" charset="2"/>
+            </a:endParaRPr>
+          </a:p>
+          <a:p>
+            <a:pPr marL="1543050" lvl="3" indent="-171450">
+              <a:buFont typeface="Arial" panose="020B0604020202020204" pitchFamily="34" charset="0"/>
+              <a:buChar char="•"/>
+            </a:pPr>
+            <a:r>
+              <a:rPr lang="es-ES" sz="1200" dirty="0" err="1">
+                <a:latin typeface="Titillium Web" panose="00000500000000000000" pitchFamily="2" charset="0"/>
+                <a:sym typeface="Wingdings" panose="05000000000000000000" pitchFamily="2" charset="2"/>
+              </a:rPr>
+              <a:t>getResultList</a:t>
+            </a:r>
+            <a:r>
+              <a:rPr lang="es-ES" sz="1200" dirty="0">
+                <a:latin typeface="Titillium Web" panose="00000500000000000000" pitchFamily="2" charset="0"/>
+                <a:sym typeface="Wingdings" panose="05000000000000000000" pitchFamily="2" charset="2"/>
+              </a:rPr>
+              <a:t>().</a:t>
+            </a:r>
+          </a:p>
+          <a:p>
+            <a:pPr marL="2000250" lvl="4" indent="-171450">
+              <a:buFont typeface="Arial" panose="020B0604020202020204" pitchFamily="34" charset="0"/>
+              <a:buChar char="•"/>
+            </a:pPr>
+            <a:endParaRPr lang="es-ES" sz="1200" dirty="0">
+              <a:latin typeface="Titillium Web" panose="00000500000000000000" pitchFamily="2" charset="0"/>
+              <a:sym typeface="Wingdings" panose="05000000000000000000" pitchFamily="2" charset="2"/>
+            </a:endParaRPr>
+          </a:p>
+          <a:p>
+            <a:pPr marL="2000250" lvl="4" indent="-171450">
+              <a:buFont typeface="Arial" panose="020B0604020202020204" pitchFamily="34" charset="0"/>
+              <a:buChar char="•"/>
+            </a:pPr>
+            <a:r>
+              <a:rPr lang="es-ES" sz="1200" dirty="0">
+                <a:latin typeface="Titillium Web" panose="00000500000000000000" pitchFamily="2" charset="0"/>
+                <a:sym typeface="Wingdings" panose="05000000000000000000" pitchFamily="2" charset="2"/>
+              </a:rPr>
+              <a:t>Mas información: </a:t>
+            </a:r>
+            <a:r>
+              <a:rPr lang="es-ES" sz="1200" dirty="0">
+                <a:latin typeface="Titillium Web" panose="00000500000000000000" pitchFamily="2" charset="0"/>
+                <a:sym typeface="Wingdings" panose="05000000000000000000" pitchFamily="2" charset="2"/>
+                <a:hlinkClick r:id="rId5"/>
+              </a:rPr>
+              <a:t>https://docs.oracle.com/javaee%2F6%2Fapi%2F%2F/javax/persistence/Query.html</a:t>
+            </a:r>
+            <a:endParaRPr lang="es-ES" sz="1200" dirty="0">
+              <a:latin typeface="Titillium Web" panose="00000500000000000000" pitchFamily="2" charset="0"/>
+              <a:sym typeface="Wingdings" panose="05000000000000000000" pitchFamily="2" charset="2"/>
+            </a:endParaRPr>
+          </a:p>
+          <a:p>
+            <a:pPr marL="2000250" lvl="4" indent="-171450">
+              <a:buFont typeface="Arial" panose="020B0604020202020204" pitchFamily="34" charset="0"/>
+              <a:buChar char="•"/>
+            </a:pPr>
+            <a:r>
+              <a:rPr lang="es-ES" sz="1200" dirty="0">
+                <a:latin typeface="Titillium Web" panose="00000500000000000000" pitchFamily="2" charset="0"/>
+                <a:sym typeface="Wingdings" panose="05000000000000000000" pitchFamily="2" charset="2"/>
+              </a:rPr>
+              <a:t>En este caso es para recuperar  los datos de la consulta en el caso de que tengamos mas de un resultado en nuestra búsqueda.</a:t>
+            </a:r>
+          </a:p>
+          <a:p>
+            <a:pPr marL="2000250" lvl="4" indent="-171450">
+              <a:buFont typeface="Arial" panose="020B0604020202020204" pitchFamily="34" charset="0"/>
+              <a:buChar char="•"/>
+            </a:pPr>
+            <a:endParaRPr lang="es-ES" sz="1200" dirty="0">
+              <a:latin typeface="Titillium Web" panose="00000500000000000000" pitchFamily="2" charset="0"/>
+              <a:sym typeface="Wingdings" panose="05000000000000000000" pitchFamily="2" charset="2"/>
+            </a:endParaRPr>
+          </a:p>
+          <a:p>
+            <a:pPr marL="1543050" lvl="3" indent="-171450">
+              <a:buFont typeface="Arial" panose="020B0604020202020204" pitchFamily="34" charset="0"/>
+              <a:buChar char="•"/>
+            </a:pPr>
+            <a:r>
+              <a:rPr lang="es-ES" sz="1200" dirty="0" err="1">
+                <a:latin typeface="Titillium Web" panose="00000500000000000000" pitchFamily="2" charset="0"/>
+                <a:sym typeface="Wingdings" panose="05000000000000000000" pitchFamily="2" charset="2"/>
+              </a:rPr>
+              <a:t>getResult</a:t>
+            </a:r>
+            <a:r>
+              <a:rPr lang="es-ES" sz="1200" dirty="0">
+                <a:latin typeface="Titillium Web" panose="00000500000000000000" pitchFamily="2" charset="0"/>
+                <a:sym typeface="Wingdings" panose="05000000000000000000" pitchFamily="2" charset="2"/>
+              </a:rPr>
+              <a:t>().</a:t>
+            </a:r>
+          </a:p>
+          <a:p>
+            <a:pPr marL="2000250" lvl="4" indent="-171450">
+              <a:buFont typeface="Arial" panose="020B0604020202020204" pitchFamily="34" charset="0"/>
+              <a:buChar char="•"/>
+            </a:pPr>
+            <a:endParaRPr lang="es-ES" sz="1200" dirty="0">
+              <a:latin typeface="Titillium Web" panose="00000500000000000000" pitchFamily="2" charset="0"/>
+              <a:sym typeface="Wingdings" panose="05000000000000000000" pitchFamily="2" charset="2"/>
+            </a:endParaRPr>
+          </a:p>
+          <a:p>
+            <a:pPr marL="2000250" lvl="4" indent="-171450">
+              <a:buFont typeface="Arial" panose="020B0604020202020204" pitchFamily="34" charset="0"/>
+              <a:buChar char="•"/>
+            </a:pPr>
+            <a:r>
+              <a:rPr lang="es-ES" sz="1200" dirty="0">
+                <a:latin typeface="Titillium Web" panose="00000500000000000000" pitchFamily="2" charset="0"/>
+                <a:sym typeface="Wingdings" panose="05000000000000000000" pitchFamily="2" charset="2"/>
+              </a:rPr>
+              <a:t>Devuelve el resultado de esa consulta</a:t>
+            </a:r>
+          </a:p>
+          <a:p>
+            <a:pPr marL="2000250" lvl="4" indent="-171450">
+              <a:buFont typeface="Arial" panose="020B0604020202020204" pitchFamily="34" charset="0"/>
+              <a:buChar char="•"/>
+            </a:pPr>
+            <a:r>
+              <a:rPr lang="es-ES" sz="1200" dirty="0">
+                <a:latin typeface="Titillium Web" panose="00000500000000000000" pitchFamily="2" charset="0"/>
+                <a:sym typeface="Wingdings" panose="05000000000000000000" pitchFamily="2" charset="2"/>
+              </a:rPr>
+              <a:t>Dependiendo del tipo de consulta y de cómo se configuró el resultado puede ser un objeto, una lista de objetos u otro tipo de resultado según lo especificado en la consulta. </a:t>
+            </a:r>
+          </a:p>
+          <a:p>
+            <a:pPr marL="2000250" lvl="4" indent="-171450">
+              <a:buFont typeface="Arial" panose="020B0604020202020204" pitchFamily="34" charset="0"/>
+              <a:buChar char="•"/>
+            </a:pPr>
+            <a:endParaRPr lang="es-ES" sz="1200" dirty="0">
+              <a:latin typeface="Titillium Web" panose="00000500000000000000" pitchFamily="2" charset="0"/>
+              <a:sym typeface="Wingdings" panose="05000000000000000000" pitchFamily="2" charset="2"/>
+            </a:endParaRPr>
+          </a:p>
+          <a:p>
+            <a:pPr marL="1543050" lvl="3" indent="-171450">
+              <a:buFont typeface="Arial" panose="020B0604020202020204" pitchFamily="34" charset="0"/>
+              <a:buChar char="•"/>
+            </a:pPr>
+            <a:r>
+              <a:rPr lang="es-ES" sz="1200" dirty="0" err="1">
+                <a:latin typeface="Titillium Web" panose="00000500000000000000" pitchFamily="2" charset="0"/>
+                <a:sym typeface="Wingdings" panose="05000000000000000000" pitchFamily="2" charset="2"/>
+              </a:rPr>
+              <a:t>getSingleResult</a:t>
+            </a:r>
+            <a:r>
+              <a:rPr lang="es-ES" sz="1200" dirty="0">
+                <a:latin typeface="Titillium Web" panose="00000500000000000000" pitchFamily="2" charset="0"/>
+                <a:sym typeface="Wingdings" panose="05000000000000000000" pitchFamily="2" charset="2"/>
+              </a:rPr>
+              <a:t>().</a:t>
+            </a:r>
+          </a:p>
+          <a:p>
+            <a:pPr marL="2000250" lvl="4" indent="-171450">
+              <a:buFont typeface="Arial" panose="020B0604020202020204" pitchFamily="34" charset="0"/>
+              <a:buChar char="•"/>
+            </a:pPr>
+            <a:endParaRPr lang="es-ES" sz="1200" dirty="0">
+              <a:latin typeface="Titillium Web" panose="00000500000000000000" pitchFamily="2" charset="0"/>
+              <a:sym typeface="Wingdings" panose="05000000000000000000" pitchFamily="2" charset="2"/>
+            </a:endParaRPr>
+          </a:p>
+          <a:p>
+            <a:pPr marL="2000250" lvl="4" indent="-171450">
+              <a:buFont typeface="Arial" panose="020B0604020202020204" pitchFamily="34" charset="0"/>
+              <a:buChar char="•"/>
+            </a:pPr>
+            <a:r>
+              <a:rPr lang="es-ES" sz="1200" dirty="0">
+                <a:latin typeface="Titillium Web" panose="00000500000000000000" pitchFamily="2" charset="0"/>
+                <a:sym typeface="Wingdings" panose="05000000000000000000" pitchFamily="2" charset="2"/>
+              </a:rPr>
+              <a:t>Devuelve el resultado de esa consulta. En este caso debemos solo recuperará un único resultado.</a:t>
+            </a:r>
+          </a:p>
+          <a:p>
+            <a:pPr lvl="4"/>
+            <a:endParaRPr lang="es-ES" sz="1200" dirty="0">
+              <a:latin typeface="Titillium Web" panose="00000500000000000000" pitchFamily="2" charset="0"/>
+              <a:sym typeface="Wingdings" panose="05000000000000000000" pitchFamily="2" charset="2"/>
+            </a:endParaRPr>
+          </a:p>
+          <a:p>
+            <a:pPr marL="2000250" lvl="4" indent="-171450">
+              <a:buFont typeface="Arial" panose="020B0604020202020204" pitchFamily="34" charset="0"/>
+              <a:buChar char="•"/>
+            </a:pPr>
+            <a:r>
+              <a:rPr lang="es-ES" sz="1200" dirty="0">
+                <a:latin typeface="Titillium Web" panose="00000500000000000000" pitchFamily="2" charset="0"/>
+                <a:sym typeface="Wingdings" panose="05000000000000000000" pitchFamily="2" charset="2"/>
+              </a:rPr>
+              <a:t>+</a:t>
+            </a:r>
+            <a:r>
+              <a:rPr lang="es-ES" sz="1200" dirty="0" err="1">
+                <a:latin typeface="Titillium Web" panose="00000500000000000000" pitchFamily="2" charset="0"/>
+                <a:sym typeface="Wingdings" panose="05000000000000000000" pitchFamily="2" charset="2"/>
+              </a:rPr>
+              <a:t>Info</a:t>
+            </a:r>
+            <a:r>
+              <a:rPr lang="es-ES" sz="1200" dirty="0">
+                <a:latin typeface="Titillium Web" panose="00000500000000000000" pitchFamily="2" charset="0"/>
+                <a:sym typeface="Wingdings" panose="05000000000000000000" pitchFamily="2" charset="2"/>
+              </a:rPr>
+              <a:t> </a:t>
+            </a:r>
+            <a:r>
+              <a:rPr lang="es-ES" sz="1200" dirty="0">
+                <a:solidFill>
+                  <a:srgbClr val="FF0000"/>
+                </a:solidFill>
+                <a:latin typeface="Titillium Web" panose="00000500000000000000" pitchFamily="2" charset="0"/>
+                <a:sym typeface="Wingdings" panose="05000000000000000000" pitchFamily="2" charset="2"/>
+              </a:rPr>
+              <a:t>https://docs.oracle.com/javaee/6/tutorial/doc/bnbrg.html</a:t>
+            </a:r>
+          </a:p>
+          <a:p>
+            <a:pPr marL="2000250" lvl="4" indent="-171450">
+              <a:buFont typeface="Arial" panose="020B0604020202020204" pitchFamily="34" charset="0"/>
+              <a:buChar char="•"/>
+            </a:pPr>
+            <a:endParaRPr lang="es-ES" sz="1200" dirty="0">
+              <a:latin typeface="Titillium Web" panose="00000500000000000000" pitchFamily="2" charset="0"/>
+              <a:sym typeface="Wingdings" panose="05000000000000000000" pitchFamily="2" charset="2"/>
+            </a:endParaRPr>
+          </a:p>
+          <a:p>
+            <a:pPr marL="1543050" lvl="3" indent="-171450">
+              <a:buFont typeface="Arial" panose="020B0604020202020204" pitchFamily="34" charset="0"/>
+              <a:buChar char="•"/>
+            </a:pPr>
+            <a:endParaRPr lang="es-ES" sz="1200" dirty="0">
+              <a:latin typeface="Titillium Web" panose="00000500000000000000" pitchFamily="2" charset="0"/>
+              <a:sym typeface="Wingdings" panose="05000000000000000000" pitchFamily="2" charset="2"/>
+            </a:endParaRPr>
+          </a:p>
+          <a:p>
+            <a:pPr marL="1543050" lvl="3" indent="-171450">
+              <a:buFont typeface="Arial" panose="020B0604020202020204" pitchFamily="34" charset="0"/>
+              <a:buChar char="•"/>
+            </a:pPr>
+            <a:endParaRPr lang="es-ES" sz="1200" dirty="0">
+              <a:latin typeface="Titillium Web" panose="00000500000000000000" pitchFamily="2" charset="0"/>
+              <a:sym typeface="Wingdings" panose="05000000000000000000" pitchFamily="2" charset="2"/>
+            </a:endParaRPr>
+          </a:p>
+          <a:p>
+            <a:pPr lvl="4"/>
+            <a:endParaRPr lang="es-ES" sz="1200" dirty="0">
+              <a:latin typeface="Titillium Web" panose="00000500000000000000" pitchFamily="2" charset="0"/>
+              <a:sym typeface="Wingdings" panose="05000000000000000000" pitchFamily="2" charset="2"/>
+            </a:endParaRPr>
+          </a:p>
+          <a:p>
+            <a:pPr marL="1085850" lvl="2" indent="-171450">
+              <a:buFont typeface="Arial" panose="020B0604020202020204" pitchFamily="34" charset="0"/>
+              <a:buChar char="•"/>
+            </a:pPr>
+            <a:endParaRPr lang="es-ES" sz="1200" dirty="0">
+              <a:latin typeface="Titillium Web" panose="00000500000000000000" pitchFamily="2" charset="0"/>
+              <a:sym typeface="Wingdings" panose="05000000000000000000" pitchFamily="2" charset="2"/>
+            </a:endParaRPr>
+          </a:p>
+          <a:p>
+            <a:pPr lvl="3"/>
+            <a:endParaRPr lang="es-ES" sz="1200" dirty="0">
+              <a:latin typeface="Titillium Web" panose="00000500000000000000" pitchFamily="2" charset="0"/>
+              <a:sym typeface="Wingdings" panose="05000000000000000000" pitchFamily="2" charset="2"/>
+            </a:endParaRPr>
+          </a:p>
+          <a:p>
+            <a:pPr lvl="3"/>
+            <a:endParaRPr lang="es-ES" sz="1200" dirty="0">
+              <a:latin typeface="Titillium Web" panose="00000500000000000000" pitchFamily="2" charset="0"/>
+              <a:sym typeface="Wingdings" panose="05000000000000000000" pitchFamily="2" charset="2"/>
+            </a:endParaRPr>
+          </a:p>
+          <a:p>
+            <a:pPr lvl="3"/>
+            <a:endParaRPr lang="es-ES" sz="1200" dirty="0">
+              <a:latin typeface="Titillium Web" panose="00000500000000000000" pitchFamily="2" charset="0"/>
+              <a:sym typeface="Wingdings" panose="05000000000000000000" pitchFamily="2" charset="2"/>
+            </a:endParaRPr>
+          </a:p>
+          <a:p>
+            <a:pPr marL="1543050" lvl="3" indent="-171450">
+              <a:buFont typeface="Arial" panose="020B0604020202020204" pitchFamily="34" charset="0"/>
+              <a:buChar char="•"/>
+            </a:pPr>
+            <a:endParaRPr lang="es-ES" sz="1200" dirty="0">
+              <a:latin typeface="Titillium Web" panose="00000500000000000000" pitchFamily="2" charset="0"/>
+              <a:sym typeface="Wingdings" panose="05000000000000000000" pitchFamily="2" charset="2"/>
+            </a:endParaRPr>
+          </a:p>
+          <a:p>
+            <a:pPr marL="1543050" lvl="3" indent="-171450">
+              <a:buFont typeface="Arial" panose="020B0604020202020204" pitchFamily="34" charset="0"/>
+              <a:buChar char="•"/>
+            </a:pPr>
+            <a:endParaRPr lang="es-ES" sz="1200" dirty="0">
+              <a:latin typeface="Titillium Web" panose="00000500000000000000" pitchFamily="2" charset="0"/>
+              <a:sym typeface="Wingdings" panose="05000000000000000000" pitchFamily="2" charset="2"/>
+            </a:endParaRPr>
+          </a:p>
+          <a:p>
+            <a:pPr lvl="3"/>
+            <a:endParaRPr lang="es-ES" sz="1200" dirty="0">
+              <a:latin typeface="Titillium Web" panose="00000500000000000000" pitchFamily="2" charset="0"/>
+              <a:sym typeface="Wingdings" panose="05000000000000000000" pitchFamily="2" charset="2"/>
+            </a:endParaRPr>
+          </a:p>
+          <a:p>
+            <a:pPr lvl="3"/>
+            <a:endParaRPr lang="es-ES" sz="1200" dirty="0">
+              <a:latin typeface="Titillium Web" panose="00000500000000000000" pitchFamily="2" charset="0"/>
+              <a:sym typeface="Wingdings" panose="05000000000000000000" pitchFamily="2" charset="2"/>
+            </a:endParaRPr>
+          </a:p>
+          <a:p>
+            <a:pPr lvl="3"/>
+            <a:endParaRPr lang="es-ES" sz="1200" dirty="0">
+              <a:latin typeface="Titillium Web" panose="00000500000000000000" pitchFamily="2" charset="0"/>
+              <a:sym typeface="Wingdings" panose="05000000000000000000" pitchFamily="2" charset="2"/>
+            </a:endParaRPr>
+          </a:p>
+          <a:p>
+            <a:pPr marL="1085850" lvl="2" indent="-171450">
+              <a:buFont typeface="Arial" panose="020B0604020202020204" pitchFamily="34" charset="0"/>
+              <a:buChar char="•"/>
+            </a:pPr>
+            <a:endParaRPr lang="es-ES" sz="1200" dirty="0">
+              <a:latin typeface="Titillium Web" panose="00000500000000000000" pitchFamily="2" charset="0"/>
+              <a:sym typeface="Wingdings" panose="05000000000000000000" pitchFamily="2" charset="2"/>
+            </a:endParaRPr>
+          </a:p>
+          <a:p>
+            <a:pPr marL="628650" lvl="1" indent="-171450">
+              <a:buFont typeface="Arial" panose="020B0604020202020204" pitchFamily="34" charset="0"/>
+              <a:buChar char="•"/>
+            </a:pPr>
+            <a:endParaRPr lang="es-ES" sz="1200" dirty="0">
+              <a:latin typeface="Titillium Web" panose="00000500000000000000" pitchFamily="2" charset="0"/>
+              <a:sym typeface="Wingdings" panose="05000000000000000000" pitchFamily="2" charset="2"/>
+            </a:endParaRPr>
+          </a:p>
+          <a:p>
+            <a:pPr lvl="1"/>
+            <a:endParaRPr lang="es-ES" sz="1200" dirty="0">
+              <a:latin typeface="Titillium Web" panose="00000500000000000000" pitchFamily="2" charset="0"/>
+              <a:sym typeface="Wingdings" panose="05000000000000000000" pitchFamily="2" charset="2"/>
+            </a:endParaRPr>
+          </a:p>
+          <a:p>
+            <a:pPr lvl="1"/>
+            <a:endParaRPr lang="es-ES" sz="1200" dirty="0">
+              <a:latin typeface="Titillium Web" panose="00000500000000000000" pitchFamily="2" charset="0"/>
+              <a:sym typeface="Wingdings" panose="05000000000000000000" pitchFamily="2" charset="2"/>
+            </a:endParaRPr>
+          </a:p>
+          <a:p>
+            <a:pPr marL="1085850" lvl="2" indent="-171450">
+              <a:buFont typeface="Arial" panose="020B0604020202020204" pitchFamily="34" charset="0"/>
+              <a:buChar char="•"/>
+            </a:pPr>
+            <a:endParaRPr lang="es-ES" sz="1200" dirty="0">
+              <a:latin typeface="Titillium Web" panose="00000500000000000000" pitchFamily="2" charset="0"/>
+              <a:sym typeface="Wingdings" panose="05000000000000000000" pitchFamily="2" charset="2"/>
+            </a:endParaRPr>
+          </a:p>
+          <a:p>
+            <a:pPr marL="1085850" lvl="2" indent="-171450">
+              <a:buFont typeface="Arial" panose="020B0604020202020204" pitchFamily="34" charset="0"/>
+              <a:buChar char="•"/>
+            </a:pPr>
+            <a:endParaRPr lang="es-ES" sz="1200" dirty="0">
+              <a:solidFill>
+                <a:schemeClr val="accent4">
+                  <a:lumMod val="60000"/>
+                  <a:lumOff val="40000"/>
+                </a:schemeClr>
+              </a:solidFill>
+            </a:endParaRPr>
+          </a:p>
+          <a:p>
+            <a:pPr lvl="1"/>
+            <a:br>
+              <a:rPr lang="es-ES" sz="1200" dirty="0">
+                <a:solidFill>
+                  <a:schemeClr val="accent4">
+                    <a:lumMod val="60000"/>
+                    <a:lumOff val="40000"/>
+                  </a:schemeClr>
+                </a:solidFill>
+              </a:rPr>
+            </a:br>
+            <a:endParaRPr lang="es-ES" sz="1200" dirty="0">
+              <a:solidFill>
+                <a:schemeClr val="accent4">
+                  <a:lumMod val="60000"/>
+                  <a:lumOff val="40000"/>
+                </a:schemeClr>
+              </a:solidFill>
+            </a:endParaRPr>
+          </a:p>
+          <a:p>
+            <a:pPr lvl="1"/>
+            <a:endParaRPr lang="es-ES" sz="1200" dirty="0">
+              <a:solidFill>
+                <a:schemeClr val="accent1">
+                  <a:lumMod val="40000"/>
+                  <a:lumOff val="60000"/>
+                </a:schemeClr>
+              </a:solidFill>
+              <a:latin typeface="Titillium Web" panose="00000500000000000000" pitchFamily="2" charset="0"/>
+            </a:endParaRPr>
+          </a:p>
+          <a:p>
+            <a:pPr lvl="1"/>
+            <a:endParaRPr lang="es-ES" sz="1200" b="0" i="0" dirty="0">
+              <a:solidFill>
+                <a:schemeClr val="accent4">
+                  <a:lumMod val="60000"/>
+                  <a:lumOff val="40000"/>
+                </a:schemeClr>
+              </a:solidFill>
+              <a:effectLst/>
+              <a:latin typeface="Titillium Web" panose="00000500000000000000" pitchFamily="2" charset="0"/>
+            </a:endParaRPr>
+          </a:p>
+        </p:txBody>
+      </p:sp>
+    </p:spTree>
+    <p:extLst>
+      <p:ext uri="{BB962C8B-B14F-4D97-AF65-F5344CB8AC3E}">
+        <p14:creationId xmlns:p14="http://schemas.microsoft.com/office/powerpoint/2010/main" val="779559878"/>
+      </p:ext>
+    </p:extLst>
+  </p:cSld>
+  <p:clrMapOvr>
+    <a:masterClrMapping/>
+  </p:clrMapOvr>
+</p:sld>
+</file>
+
+<file path=ppt/slides/slide9.xml><?xml version="1.0" encoding="utf-8"?>
+<p:sld xmlns:a="http://schemas.openxmlformats.org/drawingml/2006/main" xmlns:r="http://schemas.openxmlformats.org/officeDocument/2006/relationships" xmlns:p="http://schemas.openxmlformats.org/presentationml/2006/main">
+  <p:cSld>
+    <p:spTree>
+      <p:nvGrpSpPr>
+        <p:cNvPr id="1" name=""/>
+        <p:cNvGrpSpPr/>
+        <p:nvPr/>
+      </p:nvGrpSpPr>
+      <p:grpSpPr>
+        <a:xfrm>
+          <a:off x="0" y="0"/>
+          <a:ext cx="0" cy="0"/>
+          <a:chOff x="0" y="0"/>
+          <a:chExt cx="0" cy="0"/>
+        </a:xfrm>
+      </p:grpSpPr>
+      <p:pic>
+        <p:nvPicPr>
+          <p:cNvPr id="1032" name="Picture 8" descr="Nuestro Equipo">
+            <a:extLst>
+              <a:ext uri="{FF2B5EF4-FFF2-40B4-BE49-F238E27FC236}">
+                <a16:creationId xmlns:a16="http://schemas.microsoft.com/office/drawing/2014/main" id="{9948F5C4-A11B-BB63-E587-6CEB747BDDEB}"/>
+              </a:ext>
+            </a:extLst>
+          </p:cNvPr>
+          <p:cNvPicPr>
+            <a:picLocks noChangeAspect="1" noChangeArrowheads="1"/>
+          </p:cNvPicPr>
+          <p:nvPr/>
+        </p:nvPicPr>
+        <p:blipFill>
+          <a:blip r:embed="rId3">
+            <a:extLst>
+              <a:ext uri="{28A0092B-C50C-407E-A947-70E740481C1C}">
+                <a14:useLocalDpi xmlns:a14="http://schemas.microsoft.com/office/drawing/2010/main" val="0"/>
+              </a:ext>
+            </a:extLst>
+          </a:blip>
+          <a:srcRect/>
+          <a:stretch>
+            <a:fillRect/>
+          </a:stretch>
+        </p:blipFill>
+        <p:spPr bwMode="auto">
+          <a:xfrm>
+            <a:off x="11003858" y="6068461"/>
+            <a:ext cx="675692" cy="675692"/>
+          </a:xfrm>
+          <a:prstGeom prst="rect">
+            <a:avLst/>
+          </a:prstGeom>
+          <a:noFill/>
+          <a:extLst>
+            <a:ext uri="{909E8E84-426E-40DD-AFC4-6F175D3DCCD1}">
+              <a14:hiddenFill xmlns:a14="http://schemas.microsoft.com/office/drawing/2010/main">
+                <a:solidFill>
+                  <a:srgbClr val="FFFFFF"/>
+                </a:solidFill>
+              </a14:hiddenFill>
+            </a:ext>
+          </a:extLst>
+        </p:spPr>
+      </p:pic>
+      <p:sp>
+        <p:nvSpPr>
+          <p:cNvPr id="3" name="CuadroTexto 2">
+            <a:extLst>
+              <a:ext uri="{FF2B5EF4-FFF2-40B4-BE49-F238E27FC236}">
+                <a16:creationId xmlns:a16="http://schemas.microsoft.com/office/drawing/2014/main" id="{D1FA320B-398B-F9F1-38EA-BAF5DD083F19}"/>
+              </a:ext>
+            </a:extLst>
+          </p:cNvPr>
+          <p:cNvSpPr txBox="1"/>
+          <p:nvPr/>
+        </p:nvSpPr>
+        <p:spPr>
+          <a:xfrm>
+            <a:off x="1253654" y="873506"/>
+            <a:ext cx="9079954" cy="2031325"/>
+          </a:xfrm>
+          <a:prstGeom prst="rect">
+            <a:avLst/>
+          </a:prstGeom>
+          <a:noFill/>
+        </p:spPr>
+        <p:txBody>
+          <a:bodyPr wrap="square" rtlCol="0">
+            <a:spAutoFit/>
+          </a:bodyPr>
+          <a:lstStyle/>
+          <a:p>
+            <a:r>
+              <a:rPr lang="es-ES" dirty="0"/>
+              <a:t>SPRING FRAMEWORK</a:t>
+            </a:r>
+          </a:p>
+          <a:p>
+            <a:pPr lvl="1"/>
+            <a:endParaRPr lang="es-ES" sz="1200" dirty="0">
+              <a:solidFill>
+                <a:srgbClr val="FF0000"/>
+              </a:solidFill>
+              <a:latin typeface="Titillium Web" panose="00000500000000000000" pitchFamily="2" charset="0"/>
+            </a:endParaRPr>
+          </a:p>
+          <a:p>
+            <a:pPr lvl="1"/>
+            <a:endParaRPr lang="es-ES" sz="1200" dirty="0">
+              <a:solidFill>
+                <a:schemeClr val="accent4">
+                  <a:lumMod val="60000"/>
+                  <a:lumOff val="40000"/>
+                </a:schemeClr>
+              </a:solidFill>
+              <a:latin typeface="Titillium Web" panose="00000500000000000000" pitchFamily="2" charset="0"/>
+            </a:endParaRPr>
+          </a:p>
+          <a:p>
+            <a:pPr lvl="1"/>
+            <a:r>
+              <a:rPr lang="es-ES" sz="1200" dirty="0">
+                <a:solidFill>
+                  <a:schemeClr val="accent4">
+                    <a:lumMod val="60000"/>
+                    <a:lumOff val="40000"/>
+                  </a:schemeClr>
+                </a:solidFill>
+                <a:latin typeface="Titillium Web" panose="00000500000000000000" pitchFamily="2" charset="0"/>
+              </a:rPr>
+              <a:t>ENTITY MANAGER</a:t>
+            </a:r>
+          </a:p>
+          <a:p>
+            <a:pPr lvl="1"/>
+            <a:endParaRPr lang="es-ES" sz="1200" dirty="0">
+              <a:solidFill>
+                <a:schemeClr val="accent4">
+                  <a:lumMod val="60000"/>
+                  <a:lumOff val="40000"/>
+                </a:schemeClr>
+              </a:solidFill>
+              <a:latin typeface="Titillium Web" panose="00000500000000000000" pitchFamily="2" charset="0"/>
+            </a:endParaRPr>
+          </a:p>
+          <a:p>
+            <a:pPr lvl="1"/>
+            <a:endParaRPr lang="es-ES" sz="1200" dirty="0">
+              <a:solidFill>
+                <a:schemeClr val="accent4">
+                  <a:lumMod val="60000"/>
+                  <a:lumOff val="40000"/>
+                </a:schemeClr>
+              </a:solidFill>
+            </a:endParaRPr>
+          </a:p>
+          <a:p>
+            <a:pPr lvl="1"/>
+            <a:br>
+              <a:rPr lang="es-ES" sz="1200" dirty="0">
+                <a:solidFill>
+                  <a:schemeClr val="accent4">
+                    <a:lumMod val="60000"/>
+                    <a:lumOff val="40000"/>
+                  </a:schemeClr>
+                </a:solidFill>
+              </a:rPr>
+            </a:br>
+            <a:endParaRPr lang="es-ES" sz="1200" dirty="0">
+              <a:solidFill>
+                <a:schemeClr val="accent4">
+                  <a:lumMod val="60000"/>
+                  <a:lumOff val="40000"/>
+                </a:schemeClr>
+              </a:solidFill>
+            </a:endParaRPr>
+          </a:p>
+          <a:p>
+            <a:pPr lvl="1"/>
+            <a:endParaRPr lang="es-ES" sz="1200" dirty="0">
+              <a:solidFill>
+                <a:schemeClr val="accent1">
+                  <a:lumMod val="40000"/>
+                  <a:lumOff val="60000"/>
+                </a:schemeClr>
+              </a:solidFill>
+              <a:latin typeface="Titillium Web" panose="00000500000000000000" pitchFamily="2" charset="0"/>
+            </a:endParaRPr>
+          </a:p>
+          <a:p>
+            <a:pPr lvl="1"/>
+            <a:endParaRPr lang="es-ES" sz="1200" b="0" i="0" dirty="0">
+              <a:solidFill>
+                <a:schemeClr val="accent4">
+                  <a:lumMod val="60000"/>
+                  <a:lumOff val="40000"/>
+                </a:schemeClr>
+              </a:solidFill>
+              <a:effectLst/>
+              <a:latin typeface="Titillium Web" panose="00000500000000000000" pitchFamily="2" charset="0"/>
+            </a:endParaRPr>
+          </a:p>
+        </p:txBody>
+      </p:sp>
+      <p:pic>
+        <p:nvPicPr>
+          <p:cNvPr id="5" name="Picture 2" descr="Spring | Home">
+            <a:extLst>
+              <a:ext uri="{FF2B5EF4-FFF2-40B4-BE49-F238E27FC236}">
+                <a16:creationId xmlns:a16="http://schemas.microsoft.com/office/drawing/2014/main" id="{6CBE6F06-F98A-B85B-B6AA-917CBDD1C2C3}"/>
+              </a:ext>
+            </a:extLst>
+          </p:cNvPr>
+          <p:cNvPicPr>
+            <a:picLocks noChangeAspect="1" noChangeArrowheads="1"/>
+          </p:cNvPicPr>
+          <p:nvPr/>
+        </p:nvPicPr>
+        <p:blipFill>
+          <a:blip r:embed="rId4">
+            <a:extLst>
+              <a:ext uri="{28A0092B-C50C-407E-A947-70E740481C1C}">
+                <a14:useLocalDpi xmlns:a14="http://schemas.microsoft.com/office/drawing/2010/main" val="0"/>
+              </a:ext>
+            </a:extLst>
+          </a:blip>
+          <a:srcRect/>
+          <a:stretch>
+            <a:fillRect/>
+          </a:stretch>
+        </p:blipFill>
+        <p:spPr bwMode="auto">
+          <a:xfrm>
+            <a:off x="10666011" y="5262959"/>
+            <a:ext cx="1351386" cy="675693"/>
+          </a:xfrm>
+          <a:prstGeom prst="rect">
+            <a:avLst/>
+          </a:prstGeom>
+          <a:noFill/>
+          <a:extLst>
+            <a:ext uri="{909E8E84-426E-40DD-AFC4-6F175D3DCCD1}">
+              <a14:hiddenFill xmlns:a14="http://schemas.microsoft.com/office/drawing/2010/main">
+                <a:solidFill>
+                  <a:srgbClr val="FFFFFF"/>
+                </a:solidFill>
+              </a14:hiddenFill>
+            </a:ext>
+          </a:extLst>
+        </p:spPr>
+      </p:pic>
+      <p:sp>
+        <p:nvSpPr>
+          <p:cNvPr id="4" name="CuadroTexto 3">
+            <a:extLst>
+              <a:ext uri="{FF2B5EF4-FFF2-40B4-BE49-F238E27FC236}">
+                <a16:creationId xmlns:a16="http://schemas.microsoft.com/office/drawing/2014/main" id="{3B55395C-1E46-7D7B-A131-18924C3DA0BA}"/>
+              </a:ext>
+            </a:extLst>
+          </p:cNvPr>
+          <p:cNvSpPr txBox="1"/>
+          <p:nvPr/>
+        </p:nvSpPr>
+        <p:spPr>
+          <a:xfrm>
+            <a:off x="1055691" y="1892805"/>
+            <a:ext cx="9079954" cy="8402300"/>
+          </a:xfrm>
+          <a:prstGeom prst="rect">
+            <a:avLst/>
+          </a:prstGeom>
+          <a:noFill/>
+        </p:spPr>
+        <p:txBody>
+          <a:bodyPr wrap="square" rtlCol="0">
+            <a:spAutoFit/>
+          </a:bodyPr>
+          <a:lstStyle/>
+          <a:p>
+            <a:pPr lvl="4"/>
+            <a:endParaRPr lang="es-ES" sz="1200" dirty="0">
+              <a:latin typeface="Titillium Web" panose="00000500000000000000" pitchFamily="2" charset="0"/>
+              <a:sym typeface="Wingdings" panose="05000000000000000000" pitchFamily="2" charset="2"/>
+            </a:endParaRPr>
+          </a:p>
+          <a:p>
+            <a:pPr lvl="4"/>
+            <a:r>
+              <a:rPr lang="es-ES" sz="1200" dirty="0" err="1">
+                <a:latin typeface="Titillium Web" panose="00000500000000000000" pitchFamily="2" charset="0"/>
+                <a:sym typeface="Wingdings" panose="05000000000000000000" pitchFamily="2" charset="2"/>
+              </a:rPr>
+              <a:t>Info</a:t>
+            </a:r>
+            <a:r>
+              <a:rPr lang="es-ES" sz="1200" dirty="0">
+                <a:latin typeface="Titillium Web" panose="00000500000000000000" pitchFamily="2" charset="0"/>
+                <a:sym typeface="Wingdings" panose="05000000000000000000" pitchFamily="2" charset="2"/>
+              </a:rPr>
+              <a:t> </a:t>
+            </a:r>
+            <a:r>
+              <a:rPr lang="es-ES" sz="1200" dirty="0">
+                <a:solidFill>
+                  <a:srgbClr val="FF0000"/>
+                </a:solidFill>
+                <a:latin typeface="Titillium Web" panose="00000500000000000000" pitchFamily="2" charset="0"/>
+                <a:sym typeface="Wingdings" panose="05000000000000000000" pitchFamily="2" charset="2"/>
+              </a:rPr>
+              <a:t>https://docs.oracle.com/javaee/6/tutorial/doc/bnbrg.html</a:t>
+            </a:r>
+          </a:p>
+          <a:p>
+            <a:pPr lvl="4"/>
+            <a:endParaRPr lang="es-ES" sz="1200" dirty="0">
+              <a:latin typeface="Titillium Web" panose="00000500000000000000" pitchFamily="2" charset="0"/>
+              <a:sym typeface="Wingdings" panose="05000000000000000000" pitchFamily="2" charset="2"/>
+            </a:endParaRPr>
+          </a:p>
+          <a:p>
+            <a:pPr marL="1085850" lvl="2" indent="-171450">
+              <a:buFont typeface="Arial" panose="020B0604020202020204" pitchFamily="34" charset="0"/>
+              <a:buChar char="•"/>
+            </a:pPr>
+            <a:r>
+              <a:rPr lang="es-ES" sz="1200" dirty="0" err="1">
+                <a:solidFill>
+                  <a:srgbClr val="FF0000"/>
+                </a:solidFill>
+                <a:latin typeface="Titillium Web" panose="00000500000000000000" pitchFamily="2" charset="0"/>
+                <a:sym typeface="Wingdings" panose="05000000000000000000" pitchFamily="2" charset="2"/>
+              </a:rPr>
+              <a:t>CreateQuery</a:t>
+            </a:r>
+            <a:endParaRPr lang="es-ES" sz="1200" dirty="0">
+              <a:solidFill>
+                <a:srgbClr val="FF0000"/>
+              </a:solidFill>
+              <a:latin typeface="Titillium Web" panose="00000500000000000000" pitchFamily="2" charset="0"/>
+              <a:sym typeface="Wingdings" panose="05000000000000000000" pitchFamily="2" charset="2"/>
+            </a:endParaRPr>
+          </a:p>
+          <a:p>
+            <a:pPr lvl="2"/>
+            <a:endParaRPr lang="es-ES" sz="1200" dirty="0">
+              <a:solidFill>
+                <a:srgbClr val="FF0000"/>
+              </a:solidFill>
+              <a:latin typeface="Titillium Web" panose="00000500000000000000" pitchFamily="2" charset="0"/>
+              <a:sym typeface="Wingdings" panose="05000000000000000000" pitchFamily="2" charset="2"/>
+            </a:endParaRPr>
+          </a:p>
+          <a:p>
+            <a:pPr lvl="2"/>
+            <a:endParaRPr lang="es-ES" sz="1200" dirty="0">
+              <a:solidFill>
+                <a:srgbClr val="FF0000"/>
+              </a:solidFill>
+              <a:latin typeface="Titillium Web" panose="00000500000000000000" pitchFamily="2" charset="0"/>
+              <a:sym typeface="Wingdings" panose="05000000000000000000" pitchFamily="2" charset="2"/>
+            </a:endParaRPr>
+          </a:p>
+          <a:p>
+            <a:pPr lvl="2"/>
+            <a:endParaRPr lang="es-ES" sz="1200" dirty="0">
+              <a:solidFill>
+                <a:srgbClr val="FF0000"/>
+              </a:solidFill>
+              <a:latin typeface="Titillium Web" panose="00000500000000000000" pitchFamily="2" charset="0"/>
+              <a:sym typeface="Wingdings" panose="05000000000000000000" pitchFamily="2" charset="2"/>
+            </a:endParaRPr>
+          </a:p>
+          <a:p>
+            <a:pPr lvl="2"/>
+            <a:endParaRPr lang="es-ES" sz="1200" dirty="0">
+              <a:solidFill>
+                <a:srgbClr val="FF0000"/>
+              </a:solidFill>
+              <a:latin typeface="Titillium Web" panose="00000500000000000000" pitchFamily="2" charset="0"/>
+              <a:sym typeface="Wingdings" panose="05000000000000000000" pitchFamily="2" charset="2"/>
+            </a:endParaRPr>
+          </a:p>
+          <a:p>
+            <a:pPr lvl="2"/>
+            <a:r>
+              <a:rPr lang="es-ES" sz="1200" dirty="0" err="1">
+                <a:solidFill>
+                  <a:srgbClr val="FF0000"/>
+                </a:solidFill>
+                <a:latin typeface="Titillium Web" panose="00000500000000000000" pitchFamily="2" charset="0"/>
+                <a:sym typeface="Wingdings" panose="05000000000000000000" pitchFamily="2" charset="2"/>
+              </a:rPr>
+              <a:t>Query</a:t>
+            </a:r>
+            <a:r>
+              <a:rPr lang="es-ES" sz="1200" dirty="0">
+                <a:solidFill>
+                  <a:srgbClr val="FF0000"/>
+                </a:solidFill>
+                <a:latin typeface="Titillium Web" panose="00000500000000000000" pitchFamily="2" charset="0"/>
+                <a:sym typeface="Wingdings" panose="05000000000000000000" pitchFamily="2" charset="2"/>
+              </a:rPr>
+              <a:t> con relaciones</a:t>
+            </a:r>
+          </a:p>
+          <a:p>
+            <a:pPr lvl="2"/>
+            <a:r>
+              <a:rPr lang="es-ES" sz="1200" dirty="0">
+                <a:solidFill>
+                  <a:srgbClr val="FF0000"/>
+                </a:solidFill>
+                <a:latin typeface="Titillium Web" panose="00000500000000000000" pitchFamily="2" charset="0"/>
+                <a:sym typeface="Wingdings" panose="05000000000000000000" pitchFamily="2" charset="2"/>
+              </a:rPr>
+              <a:t>	</a:t>
+            </a:r>
+          </a:p>
+          <a:p>
+            <a:pPr lvl="2"/>
+            <a:endParaRPr lang="es-ES" sz="1200" dirty="0">
+              <a:latin typeface="Titillium Web" panose="00000500000000000000" pitchFamily="2" charset="0"/>
+              <a:sym typeface="Wingdings" panose="05000000000000000000" pitchFamily="2" charset="2"/>
+            </a:endParaRPr>
+          </a:p>
+          <a:p>
+            <a:pPr marL="1543050" lvl="3" indent="-171450">
+              <a:buFont typeface="Arial" panose="020B0604020202020204" pitchFamily="34" charset="0"/>
+              <a:buChar char="•"/>
+            </a:pPr>
+            <a:r>
+              <a:rPr lang="es-ES" sz="1200" dirty="0">
+                <a:latin typeface="Titillium Web" panose="00000500000000000000" pitchFamily="2" charset="0"/>
+                <a:sym typeface="Wingdings" panose="05000000000000000000" pitchFamily="2" charset="2"/>
+              </a:rPr>
+              <a:t>Alta o nuevo objeto en la base de datos/</a:t>
+            </a:r>
+            <a:r>
+              <a:rPr lang="es-ES" sz="1200" dirty="0" err="1">
+                <a:latin typeface="Titillium Web" panose="00000500000000000000" pitchFamily="2" charset="0"/>
+                <a:sym typeface="Wingdings" panose="05000000000000000000" pitchFamily="2" charset="2"/>
+              </a:rPr>
+              <a:t>Insert</a:t>
+            </a:r>
+            <a:r>
+              <a:rPr lang="es-ES" sz="1200" dirty="0">
+                <a:latin typeface="Titillium Web" panose="00000500000000000000" pitchFamily="2" charset="0"/>
+                <a:sym typeface="Wingdings" panose="05000000000000000000" pitchFamily="2" charset="2"/>
+              </a:rPr>
+              <a:t>.</a:t>
+            </a:r>
+          </a:p>
+          <a:p>
+            <a:pPr lvl="3"/>
+            <a:endParaRPr lang="es-ES" sz="1200" dirty="0">
+              <a:latin typeface="Titillium Web" panose="00000500000000000000" pitchFamily="2" charset="0"/>
+              <a:sym typeface="Wingdings" panose="05000000000000000000" pitchFamily="2" charset="2"/>
+            </a:endParaRPr>
+          </a:p>
+          <a:p>
+            <a:pPr marL="1543050" lvl="3" indent="-171450">
+              <a:buFont typeface="Arial" panose="020B0604020202020204" pitchFamily="34" charset="0"/>
+              <a:buChar char="•"/>
+            </a:pPr>
+            <a:r>
+              <a:rPr lang="es-ES" sz="1200" dirty="0">
+                <a:latin typeface="Titillium Web" panose="00000500000000000000" pitchFamily="2" charset="0"/>
+                <a:sym typeface="Wingdings" panose="05000000000000000000" pitchFamily="2" charset="2"/>
+              </a:rPr>
+              <a:t>Modificación/</a:t>
+            </a:r>
+            <a:r>
+              <a:rPr lang="es-ES" sz="1200" dirty="0" err="1">
+                <a:latin typeface="Titillium Web" panose="00000500000000000000" pitchFamily="2" charset="0"/>
+                <a:sym typeface="Wingdings" panose="05000000000000000000" pitchFamily="2" charset="2"/>
+              </a:rPr>
+              <a:t>Update</a:t>
+            </a:r>
+            <a:r>
+              <a:rPr lang="es-ES" sz="1200" dirty="0">
+                <a:latin typeface="Titillium Web" panose="00000500000000000000" pitchFamily="2" charset="0"/>
+                <a:sym typeface="Wingdings" panose="05000000000000000000" pitchFamily="2" charset="2"/>
+              </a:rPr>
+              <a:t>.</a:t>
+            </a:r>
+          </a:p>
+          <a:p>
+            <a:pPr marL="1543050" lvl="3" indent="-171450">
+              <a:buFont typeface="Arial" panose="020B0604020202020204" pitchFamily="34" charset="0"/>
+              <a:buChar char="•"/>
+            </a:pPr>
+            <a:endParaRPr lang="es-ES" sz="1200" dirty="0">
+              <a:latin typeface="Titillium Web" panose="00000500000000000000" pitchFamily="2" charset="0"/>
+              <a:sym typeface="Wingdings" panose="05000000000000000000" pitchFamily="2" charset="2"/>
+            </a:endParaRPr>
+          </a:p>
+          <a:p>
+            <a:pPr marL="1543050" lvl="3" indent="-171450">
+              <a:buFont typeface="Arial" panose="020B0604020202020204" pitchFamily="34" charset="0"/>
+              <a:buChar char="•"/>
+            </a:pPr>
+            <a:r>
+              <a:rPr lang="es-ES" sz="1200" dirty="0">
+                <a:latin typeface="Titillium Web" panose="00000500000000000000" pitchFamily="2" charset="0"/>
+                <a:sym typeface="Wingdings" panose="05000000000000000000" pitchFamily="2" charset="2"/>
+              </a:rPr>
+              <a:t>Borrado/</a:t>
+            </a:r>
+            <a:r>
+              <a:rPr lang="es-ES" sz="1200" dirty="0" err="1">
+                <a:latin typeface="Titillium Web" panose="00000500000000000000" pitchFamily="2" charset="0"/>
+                <a:sym typeface="Wingdings" panose="05000000000000000000" pitchFamily="2" charset="2"/>
+              </a:rPr>
+              <a:t>Delete</a:t>
+            </a:r>
+            <a:r>
+              <a:rPr lang="es-ES" sz="1200" dirty="0">
+                <a:latin typeface="Titillium Web" panose="00000500000000000000" pitchFamily="2" charset="0"/>
+                <a:sym typeface="Wingdings" panose="05000000000000000000" pitchFamily="2" charset="2"/>
+              </a:rPr>
+              <a:t>.</a:t>
+            </a:r>
+          </a:p>
+          <a:p>
+            <a:pPr marL="1543050" lvl="3" indent="-171450">
+              <a:buFont typeface="Arial" panose="020B0604020202020204" pitchFamily="34" charset="0"/>
+              <a:buChar char="•"/>
+            </a:pPr>
+            <a:endParaRPr lang="es-ES" sz="1200" dirty="0">
+              <a:latin typeface="Titillium Web" panose="00000500000000000000" pitchFamily="2" charset="0"/>
+              <a:sym typeface="Wingdings" panose="05000000000000000000" pitchFamily="2" charset="2"/>
+            </a:endParaRPr>
+          </a:p>
+          <a:p>
+            <a:pPr lvl="3"/>
+            <a:endParaRPr lang="es-ES" sz="1200" dirty="0">
+              <a:latin typeface="Titillium Web" panose="00000500000000000000" pitchFamily="2" charset="0"/>
+              <a:sym typeface="Wingdings" panose="05000000000000000000" pitchFamily="2" charset="2"/>
+            </a:endParaRPr>
+          </a:p>
+          <a:p>
+            <a:pPr lvl="4"/>
+            <a:endParaRPr lang="es-ES" sz="1200" dirty="0">
+              <a:latin typeface="Titillium Web" panose="00000500000000000000" pitchFamily="2" charset="0"/>
+              <a:sym typeface="Wingdings" panose="05000000000000000000" pitchFamily="2" charset="2"/>
+            </a:endParaRPr>
+          </a:p>
+          <a:p>
+            <a:pPr lvl="4"/>
+            <a:endParaRPr lang="es-ES" sz="1200" dirty="0">
+              <a:latin typeface="Titillium Web" panose="00000500000000000000" pitchFamily="2" charset="0"/>
+              <a:sym typeface="Wingdings" panose="05000000000000000000" pitchFamily="2" charset="2"/>
+            </a:endParaRPr>
+          </a:p>
+          <a:p>
+            <a:pPr marL="2000250" lvl="4" indent="-171450">
+              <a:buFont typeface="Arial" panose="020B0604020202020204" pitchFamily="34" charset="0"/>
+              <a:buChar char="•"/>
+            </a:pPr>
+            <a:endParaRPr lang="es-ES" sz="1200" dirty="0">
+              <a:latin typeface="Titillium Web" panose="00000500000000000000" pitchFamily="2" charset="0"/>
+              <a:sym typeface="Wingdings" panose="05000000000000000000" pitchFamily="2" charset="2"/>
+            </a:endParaRPr>
+          </a:p>
+          <a:p>
+            <a:pPr lvl="4"/>
+            <a:endParaRPr lang="es-ES" sz="1200" dirty="0">
+              <a:latin typeface="Titillium Web" panose="00000500000000000000" pitchFamily="2" charset="0"/>
+              <a:sym typeface="Wingdings" panose="05000000000000000000" pitchFamily="2" charset="2"/>
+            </a:endParaRPr>
+          </a:p>
+          <a:p>
+            <a:pPr marL="1543050" lvl="3" indent="-171450">
+              <a:buFont typeface="Arial" panose="020B0604020202020204" pitchFamily="34" charset="0"/>
+              <a:buChar char="•"/>
+            </a:pPr>
+            <a:endParaRPr lang="es-ES" sz="1200" dirty="0">
+              <a:latin typeface="Titillium Web" panose="00000500000000000000" pitchFamily="2" charset="0"/>
+              <a:sym typeface="Wingdings" panose="05000000000000000000" pitchFamily="2" charset="2"/>
+            </a:endParaRPr>
+          </a:p>
+          <a:p>
+            <a:pPr marL="1543050" lvl="3" indent="-171450">
+              <a:buFont typeface="Arial" panose="020B0604020202020204" pitchFamily="34" charset="0"/>
+              <a:buChar char="•"/>
+            </a:pPr>
+            <a:endParaRPr lang="es-ES" sz="1200" dirty="0">
+              <a:latin typeface="Titillium Web" panose="00000500000000000000" pitchFamily="2" charset="0"/>
+              <a:sym typeface="Wingdings" panose="05000000000000000000" pitchFamily="2" charset="2"/>
+            </a:endParaRPr>
+          </a:p>
+          <a:p>
+            <a:pPr marL="1543050" lvl="3" indent="-171450">
+              <a:buFont typeface="Arial" panose="020B0604020202020204" pitchFamily="34" charset="0"/>
+              <a:buChar char="•"/>
+            </a:pPr>
+            <a:endParaRPr lang="es-ES" sz="1200" dirty="0">
+              <a:latin typeface="Titillium Web" panose="00000500000000000000" pitchFamily="2" charset="0"/>
+              <a:sym typeface="Wingdings" panose="05000000000000000000" pitchFamily="2" charset="2"/>
+            </a:endParaRPr>
+          </a:p>
+          <a:p>
+            <a:pPr lvl="4"/>
+            <a:endParaRPr lang="es-ES" sz="1200" dirty="0">
+              <a:latin typeface="Titillium Web" panose="00000500000000000000" pitchFamily="2" charset="0"/>
+              <a:sym typeface="Wingdings" panose="05000000000000000000" pitchFamily="2" charset="2"/>
+            </a:endParaRPr>
+          </a:p>
+          <a:p>
+            <a:pPr marL="1085850" lvl="2" indent="-171450">
+              <a:buFont typeface="Arial" panose="020B0604020202020204" pitchFamily="34" charset="0"/>
+              <a:buChar char="•"/>
+            </a:pPr>
+            <a:endParaRPr lang="es-ES" sz="1200" dirty="0">
+              <a:latin typeface="Titillium Web" panose="00000500000000000000" pitchFamily="2" charset="0"/>
+              <a:sym typeface="Wingdings" panose="05000000000000000000" pitchFamily="2" charset="2"/>
+            </a:endParaRPr>
+          </a:p>
+          <a:p>
+            <a:pPr lvl="3"/>
+            <a:endParaRPr lang="es-ES" sz="1200" dirty="0">
+              <a:latin typeface="Titillium Web" panose="00000500000000000000" pitchFamily="2" charset="0"/>
+              <a:sym typeface="Wingdings" panose="05000000000000000000" pitchFamily="2" charset="2"/>
+            </a:endParaRPr>
+          </a:p>
+          <a:p>
+            <a:pPr lvl="3"/>
+            <a:endParaRPr lang="es-ES" sz="1200" dirty="0">
+              <a:latin typeface="Titillium Web" panose="00000500000000000000" pitchFamily="2" charset="0"/>
+              <a:sym typeface="Wingdings" panose="05000000000000000000" pitchFamily="2" charset="2"/>
+            </a:endParaRPr>
+          </a:p>
+          <a:p>
+            <a:pPr lvl="3"/>
+            <a:endParaRPr lang="es-ES" sz="1200" dirty="0">
+              <a:latin typeface="Titillium Web" panose="00000500000000000000" pitchFamily="2" charset="0"/>
+              <a:sym typeface="Wingdings" panose="05000000000000000000" pitchFamily="2" charset="2"/>
+            </a:endParaRPr>
+          </a:p>
+          <a:p>
+            <a:pPr marL="1543050" lvl="3" indent="-171450">
+              <a:buFont typeface="Arial" panose="020B0604020202020204" pitchFamily="34" charset="0"/>
+              <a:buChar char="•"/>
+            </a:pPr>
+            <a:endParaRPr lang="es-ES" sz="1200" dirty="0">
+              <a:latin typeface="Titillium Web" panose="00000500000000000000" pitchFamily="2" charset="0"/>
+              <a:sym typeface="Wingdings" panose="05000000000000000000" pitchFamily="2" charset="2"/>
+            </a:endParaRPr>
+          </a:p>
+          <a:p>
+            <a:pPr marL="1543050" lvl="3" indent="-171450">
+              <a:buFont typeface="Arial" panose="020B0604020202020204" pitchFamily="34" charset="0"/>
+              <a:buChar char="•"/>
+            </a:pPr>
+            <a:endParaRPr lang="es-ES" sz="1200" dirty="0">
+              <a:latin typeface="Titillium Web" panose="00000500000000000000" pitchFamily="2" charset="0"/>
+              <a:sym typeface="Wingdings" panose="05000000000000000000" pitchFamily="2" charset="2"/>
+            </a:endParaRPr>
+          </a:p>
+          <a:p>
+            <a:pPr lvl="3"/>
+            <a:endParaRPr lang="es-ES" sz="1200" dirty="0">
+              <a:latin typeface="Titillium Web" panose="00000500000000000000" pitchFamily="2" charset="0"/>
+              <a:sym typeface="Wingdings" panose="05000000000000000000" pitchFamily="2" charset="2"/>
+            </a:endParaRPr>
+          </a:p>
+          <a:p>
+            <a:pPr lvl="3"/>
+            <a:endParaRPr lang="es-ES" sz="1200" dirty="0">
+              <a:latin typeface="Titillium Web" panose="00000500000000000000" pitchFamily="2" charset="0"/>
+              <a:sym typeface="Wingdings" panose="05000000000000000000" pitchFamily="2" charset="2"/>
+            </a:endParaRPr>
+          </a:p>
+          <a:p>
+            <a:pPr lvl="3"/>
+            <a:endParaRPr lang="es-ES" sz="1200" dirty="0">
+              <a:latin typeface="Titillium Web" panose="00000500000000000000" pitchFamily="2" charset="0"/>
+              <a:sym typeface="Wingdings" panose="05000000000000000000" pitchFamily="2" charset="2"/>
+            </a:endParaRPr>
+          </a:p>
+          <a:p>
+            <a:pPr marL="1085850" lvl="2" indent="-171450">
+              <a:buFont typeface="Arial" panose="020B0604020202020204" pitchFamily="34" charset="0"/>
+              <a:buChar char="•"/>
+            </a:pPr>
+            <a:endParaRPr lang="es-ES" sz="1200" dirty="0">
+              <a:latin typeface="Titillium Web" panose="00000500000000000000" pitchFamily="2" charset="0"/>
+              <a:sym typeface="Wingdings" panose="05000000000000000000" pitchFamily="2" charset="2"/>
+            </a:endParaRPr>
+          </a:p>
+          <a:p>
+            <a:pPr marL="628650" lvl="1" indent="-171450">
+              <a:buFont typeface="Arial" panose="020B0604020202020204" pitchFamily="34" charset="0"/>
+              <a:buChar char="•"/>
+            </a:pPr>
+            <a:endParaRPr lang="es-ES" sz="1200" dirty="0">
+              <a:latin typeface="Titillium Web" panose="00000500000000000000" pitchFamily="2" charset="0"/>
+              <a:sym typeface="Wingdings" panose="05000000000000000000" pitchFamily="2" charset="2"/>
+            </a:endParaRPr>
+          </a:p>
+          <a:p>
+            <a:pPr lvl="1"/>
+            <a:endParaRPr lang="es-ES" sz="1200" dirty="0">
+              <a:latin typeface="Titillium Web" panose="00000500000000000000" pitchFamily="2" charset="0"/>
+              <a:sym typeface="Wingdings" panose="05000000000000000000" pitchFamily="2" charset="2"/>
+            </a:endParaRPr>
+          </a:p>
+          <a:p>
+            <a:pPr lvl="1"/>
+            <a:endParaRPr lang="es-ES" sz="1200" dirty="0">
+              <a:latin typeface="Titillium Web" panose="00000500000000000000" pitchFamily="2" charset="0"/>
+              <a:sym typeface="Wingdings" panose="05000000000000000000" pitchFamily="2" charset="2"/>
+            </a:endParaRPr>
+          </a:p>
+          <a:p>
+            <a:pPr marL="1085850" lvl="2" indent="-171450">
+              <a:buFont typeface="Arial" panose="020B0604020202020204" pitchFamily="34" charset="0"/>
+              <a:buChar char="•"/>
+            </a:pPr>
+            <a:endParaRPr lang="es-ES" sz="1200" dirty="0">
+              <a:latin typeface="Titillium Web" panose="00000500000000000000" pitchFamily="2" charset="0"/>
+              <a:sym typeface="Wingdings" panose="05000000000000000000" pitchFamily="2" charset="2"/>
+            </a:endParaRPr>
+          </a:p>
+          <a:p>
+            <a:pPr marL="1085850" lvl="2" indent="-171450">
+              <a:buFont typeface="Arial" panose="020B0604020202020204" pitchFamily="34" charset="0"/>
+              <a:buChar char="•"/>
+            </a:pPr>
+            <a:endParaRPr lang="es-ES" sz="1200" dirty="0">
+              <a:solidFill>
+                <a:schemeClr val="accent4">
+                  <a:lumMod val="60000"/>
+                  <a:lumOff val="40000"/>
+                </a:schemeClr>
+              </a:solidFill>
+            </a:endParaRPr>
+          </a:p>
+          <a:p>
+            <a:pPr lvl="1"/>
+            <a:br>
+              <a:rPr lang="es-ES" sz="1200" dirty="0">
+                <a:solidFill>
+                  <a:schemeClr val="accent4">
+                    <a:lumMod val="60000"/>
+                    <a:lumOff val="40000"/>
+                  </a:schemeClr>
+                </a:solidFill>
+              </a:rPr>
+            </a:br>
+            <a:endParaRPr lang="es-ES" sz="1200" dirty="0">
+              <a:solidFill>
+                <a:schemeClr val="accent4">
+                  <a:lumMod val="60000"/>
+                  <a:lumOff val="40000"/>
+                </a:schemeClr>
+              </a:solidFill>
+            </a:endParaRPr>
+          </a:p>
+          <a:p>
+            <a:pPr lvl="1"/>
+            <a:endParaRPr lang="es-ES" sz="1200" dirty="0">
+              <a:solidFill>
+                <a:schemeClr val="accent1">
+                  <a:lumMod val="40000"/>
+                  <a:lumOff val="60000"/>
+                </a:schemeClr>
+              </a:solidFill>
+              <a:latin typeface="Titillium Web" panose="00000500000000000000" pitchFamily="2" charset="0"/>
+            </a:endParaRPr>
+          </a:p>
+          <a:p>
+            <a:pPr lvl="1"/>
+            <a:endParaRPr lang="es-ES" sz="1200" b="0" i="0" dirty="0">
+              <a:solidFill>
+                <a:schemeClr val="accent4">
+                  <a:lumMod val="60000"/>
+                  <a:lumOff val="40000"/>
+                </a:schemeClr>
+              </a:solidFill>
+              <a:effectLst/>
+              <a:latin typeface="Titillium Web" panose="00000500000000000000" pitchFamily="2" charset="0"/>
+            </a:endParaRPr>
+          </a:p>
+        </p:txBody>
+      </p:sp>
+      <p:pic>
+        <p:nvPicPr>
+          <p:cNvPr id="7" name="Imagen 6">
+            <a:extLst>
+              <a:ext uri="{FF2B5EF4-FFF2-40B4-BE49-F238E27FC236}">
+                <a16:creationId xmlns:a16="http://schemas.microsoft.com/office/drawing/2014/main" id="{BC27A416-25ED-C396-3AC0-71AD9AE0C38A}"/>
+              </a:ext>
+            </a:extLst>
+          </p:cNvPr>
+          <p:cNvPicPr>
+            <a:picLocks noChangeAspect="1"/>
+          </p:cNvPicPr>
+          <p:nvPr/>
+        </p:nvPicPr>
+        <p:blipFill>
+          <a:blip r:embed="rId5"/>
+          <a:stretch>
+            <a:fillRect/>
+          </a:stretch>
+        </p:blipFill>
+        <p:spPr>
+          <a:xfrm>
+            <a:off x="6422490" y="4176162"/>
+            <a:ext cx="3439005" cy="619211"/>
+          </a:xfrm>
+          <a:prstGeom prst="rect">
+            <a:avLst/>
+          </a:prstGeom>
+        </p:spPr>
+      </p:pic>
+      <p:pic>
+        <p:nvPicPr>
+          <p:cNvPr id="9" name="Imagen 8">
+            <a:extLst>
+              <a:ext uri="{FF2B5EF4-FFF2-40B4-BE49-F238E27FC236}">
+                <a16:creationId xmlns:a16="http://schemas.microsoft.com/office/drawing/2014/main" id="{A4993E3F-17AD-504C-D871-B17BAE2A959A}"/>
+              </a:ext>
+            </a:extLst>
+          </p:cNvPr>
+          <p:cNvPicPr>
+            <a:picLocks noChangeAspect="1"/>
+          </p:cNvPicPr>
+          <p:nvPr/>
+        </p:nvPicPr>
+        <p:blipFill>
+          <a:blip r:embed="rId6"/>
+          <a:stretch>
+            <a:fillRect/>
+          </a:stretch>
+        </p:blipFill>
+        <p:spPr>
+          <a:xfrm>
+            <a:off x="6422429" y="5151304"/>
+            <a:ext cx="2638793" cy="657317"/>
+          </a:xfrm>
+          <a:prstGeom prst="rect">
+            <a:avLst/>
+          </a:prstGeom>
+        </p:spPr>
+      </p:pic>
+      <p:pic>
+        <p:nvPicPr>
+          <p:cNvPr id="11" name="Imagen 10">
+            <a:extLst>
+              <a:ext uri="{FF2B5EF4-FFF2-40B4-BE49-F238E27FC236}">
+                <a16:creationId xmlns:a16="http://schemas.microsoft.com/office/drawing/2014/main" id="{2069C15F-B11E-7702-89E1-CE26777712F5}"/>
+              </a:ext>
+            </a:extLst>
+          </p:cNvPr>
+          <p:cNvPicPr>
+            <a:picLocks noChangeAspect="1"/>
+          </p:cNvPicPr>
+          <p:nvPr/>
+        </p:nvPicPr>
+        <p:blipFill>
+          <a:blip r:embed="rId7"/>
+          <a:stretch>
+            <a:fillRect/>
+          </a:stretch>
+        </p:blipFill>
+        <p:spPr>
+          <a:xfrm>
+            <a:off x="6422490" y="2904831"/>
+            <a:ext cx="4696822" cy="925376"/>
+          </a:xfrm>
+          <a:prstGeom prst="rect">
+            <a:avLst/>
+          </a:prstGeom>
+        </p:spPr>
+      </p:pic>
+    </p:spTree>
+    <p:extLst>
+      <p:ext uri="{BB962C8B-B14F-4D97-AF65-F5344CB8AC3E}">
+        <p14:creationId xmlns:p14="http://schemas.microsoft.com/office/powerpoint/2010/main" val="1795487914"/>
       </p:ext>
     </p:extLst>
   </p:cSld>
